--- a/IntermediateR/slides.pptx
+++ b/IntermediateR/slides.pptx
@@ -10346,11 +10346,7 @@
                       <a:pPr algn="ctr"/>
                       <a:r>
                         <a:rPr lang="en-US" dirty="0" smtClean="0"/>
-                        <a:t>Duration </a:t>
-                      </a:r>
-                      <a:r>
-                        <a:rPr lang="en-US" dirty="0" smtClean="0"/>
-                        <a:t>(min)</a:t>
+                        <a:t>Duration (min)</a:t>
                       </a:r>
                       <a:endParaRPr lang="en-US" dirty="0"/>
                     </a:p>
@@ -10489,31 +10485,7 @@
                           <a:ea typeface="+mn-ea"/>
                           <a:cs typeface="+mn-cs"/>
                         </a:rPr>
-                        <a:t>8*floor</a:t>
-                      </a:r>
-                      <a:r>
-                        <a:rPr lang="en-US" sz="1800" kern="1200" dirty="0" smtClean="0">
-                          <a:solidFill>
-                            <a:schemeClr val="dk1"/>
-                          </a:solidFill>
-                          <a:effectLst/>
-                          <a:latin typeface="+mn-lt"/>
-                          <a:ea typeface="+mn-ea"/>
-                          <a:cs typeface="+mn-cs"/>
-                        </a:rPr>
-                        <a:t>(min/30)</a:t>
-                      </a:r>
-                      <a:r>
-                        <a:rPr lang="en-US" sz="1800" kern="1200" dirty="0" smtClean="0">
-                          <a:solidFill>
-                            <a:schemeClr val="dk1"/>
-                          </a:solidFill>
-                          <a:effectLst/>
-                          <a:latin typeface="+mn-lt"/>
-                          <a:ea typeface="+mn-ea"/>
-                          <a:cs typeface="+mn-cs"/>
-                        </a:rPr>
-                        <a:t>-10</a:t>
+                        <a:t>8*floor(min/30)-10</a:t>
                       </a:r>
                     </a:p>
                   </a:txBody>
@@ -11069,14 +11041,14 @@
           <p:nvPr>
             <p:extLst>
               <p:ext uri="{D42A27DB-BD31-4B8C-83A1-F6EECF244321}">
-                <p14:modId xmlns:p14="http://schemas.microsoft.com/office/powerpoint/2010/main" val="140319984"/>
+                <p14:modId xmlns:p14="http://schemas.microsoft.com/office/powerpoint/2010/main" val="1111752663"/>
               </p:ext>
             </p:extLst>
           </p:nvPr>
         </p:nvGraphicFramePr>
         <p:xfrm>
-          <a:off x="930122" y="3072237"/>
-          <a:ext cx="2137036" cy="2595880"/>
+          <a:off x="457201" y="3072237"/>
+          <a:ext cx="3353116" cy="2595880"/>
         </p:xfrm>
         <a:graphic>
           <a:graphicData uri="http://schemas.openxmlformats.org/drawingml/2006/table">
@@ -11085,8 +11057,9 @@
                 <a:tableStyleId>{5C22544A-7EE6-4342-B048-85BDC9FD1C3A}</a:tableStyleId>
               </a:tblPr>
               <a:tblGrid>
-                <a:gridCol w="1031084"/>
-                <a:gridCol w="1105952"/>
+                <a:gridCol w="1091292"/>
+                <a:gridCol w="1091292"/>
+                <a:gridCol w="1170532"/>
               </a:tblGrid>
               <a:tr h="370840">
                 <a:tc>
@@ -11094,6 +11067,21 @@
                     <a:bodyPr/>
                     <a:lstStyle/>
                     <a:p>
+                      <a:pPr algn="r"/>
+                      <a:endParaRPr lang="en-US" dirty="0"/>
+                    </a:p>
+                  </a:txBody>
+                  <a:tcPr>
+                    <a:solidFill>
+                      <a:srgbClr val="FFFFFF"/>
+                    </a:solidFill>
+                  </a:tcPr>
+                </a:tc>
+                <a:tc>
+                  <a:txBody>
+                    <a:bodyPr/>
+                    <a:lstStyle/>
+                    <a:p>
                       <a:pPr algn="ctr"/>
                       <a:r>
                         <a:rPr lang="en-US" dirty="0" smtClean="0"/>
@@ -11121,6 +11109,23 @@
                 </a:tc>
               </a:tr>
               <a:tr h="370840">
+                <a:tc>
+                  <a:txBody>
+                    <a:bodyPr/>
+                    <a:lstStyle/>
+                    <a:p>
+                      <a:pPr algn="r"/>
+                      <a:r>
+                        <a:rPr lang="en-US" dirty="0" smtClean="0"/>
+                        <a:t>Person 1</a:t>
+                      </a:r>
+                      <a:endParaRPr lang="en-US" dirty="0"/>
+                    </a:p>
+                  </a:txBody>
+                  <a:tcPr>
+                    <a:noFill/>
+                  </a:tcPr>
+                </a:tc>
                 <a:tc>
                   <a:txBody>
                     <a:bodyPr/>
@@ -11166,6 +11171,23 @@
                     <a:bodyPr/>
                     <a:lstStyle/>
                     <a:p>
+                      <a:pPr algn="r"/>
+                      <a:r>
+                        <a:rPr lang="en-US" dirty="0" smtClean="0"/>
+                        <a:t>Person 2</a:t>
+                      </a:r>
+                      <a:endParaRPr lang="en-US" dirty="0"/>
+                    </a:p>
+                  </a:txBody>
+                  <a:tcPr>
+                    <a:noFill/>
+                  </a:tcPr>
+                </a:tc>
+                <a:tc>
+                  <a:txBody>
+                    <a:bodyPr/>
+                    <a:lstStyle/>
+                    <a:p>
                       <a:pPr algn="ctr"/>
                       <a:r>
                         <a:rPr lang="en-US" dirty="0" smtClean="0"/>
@@ -11206,6 +11228,23 @@
                     <a:bodyPr/>
                     <a:lstStyle/>
                     <a:p>
+                      <a:pPr algn="r"/>
+                      <a:r>
+                        <a:rPr lang="en-US" dirty="0" smtClean="0"/>
+                        <a:t>Person 3</a:t>
+                      </a:r>
+                      <a:endParaRPr lang="en-US" dirty="0"/>
+                    </a:p>
+                  </a:txBody>
+                  <a:tcPr>
+                    <a:noFill/>
+                  </a:tcPr>
+                </a:tc>
+                <a:tc>
+                  <a:txBody>
+                    <a:bodyPr/>
+                    <a:lstStyle/>
+                    <a:p>
                       <a:pPr algn="ctr"/>
                       <a:r>
                         <a:rPr lang="en-US" dirty="0" smtClean="0"/>
@@ -11246,6 +11285,23 @@
                     <a:bodyPr/>
                     <a:lstStyle/>
                     <a:p>
+                      <a:pPr algn="r"/>
+                      <a:r>
+                        <a:rPr lang="en-US" dirty="0" smtClean="0"/>
+                        <a:t>Person 4</a:t>
+                      </a:r>
+                      <a:endParaRPr lang="en-US" dirty="0"/>
+                    </a:p>
+                  </a:txBody>
+                  <a:tcPr>
+                    <a:noFill/>
+                  </a:tcPr>
+                </a:tc>
+                <a:tc>
+                  <a:txBody>
+                    <a:bodyPr/>
+                    <a:lstStyle/>
+                    <a:p>
                       <a:pPr algn="ctr"/>
                       <a:r>
                         <a:rPr lang="en-US" dirty="0" smtClean="0"/>
@@ -11286,6 +11342,23 @@
                     <a:bodyPr/>
                     <a:lstStyle/>
                     <a:p>
+                      <a:pPr algn="r"/>
+                      <a:r>
+                        <a:rPr lang="en-US" dirty="0" smtClean="0"/>
+                        <a:t>Person 5</a:t>
+                      </a:r>
+                      <a:endParaRPr lang="en-US" dirty="0"/>
+                    </a:p>
+                  </a:txBody>
+                  <a:tcPr>
+                    <a:noFill/>
+                  </a:tcPr>
+                </a:tc>
+                <a:tc>
+                  <a:txBody>
+                    <a:bodyPr/>
+                    <a:lstStyle/>
+                    <a:p>
                       <a:pPr algn="ctr"/>
                       <a:r>
                         <a:rPr lang="en-US" dirty="0" smtClean="0"/>
@@ -11321,6 +11394,23 @@
                 </a:tc>
               </a:tr>
               <a:tr h="370840">
+                <a:tc>
+                  <a:txBody>
+                    <a:bodyPr/>
+                    <a:lstStyle/>
+                    <a:p>
+                      <a:pPr algn="r"/>
+                      <a:r>
+                        <a:rPr lang="en-US" dirty="0" smtClean="0"/>
+                        <a:t>Person 6</a:t>
+                      </a:r>
+                      <a:endParaRPr lang="en-US" dirty="0"/>
+                    </a:p>
+                  </a:txBody>
+                  <a:tcPr>
+                    <a:noFill/>
+                  </a:tcPr>
+                </a:tc>
                 <a:tc>
                   <a:txBody>
                     <a:bodyPr/>
@@ -11373,13 +11463,13 @@
           <p:nvPr>
             <p:extLst>
               <p:ext uri="{D42A27DB-BD31-4B8C-83A1-F6EECF244321}">
-                <p14:modId xmlns:p14="http://schemas.microsoft.com/office/powerpoint/2010/main" val="910111493"/>
+                <p14:modId xmlns:p14="http://schemas.microsoft.com/office/powerpoint/2010/main" val="2535652404"/>
               </p:ext>
             </p:extLst>
           </p:nvPr>
         </p:nvGraphicFramePr>
         <p:xfrm>
-          <a:off x="4508517" y="5443193"/>
+          <a:off x="5251677" y="5443193"/>
           <a:ext cx="1105952" cy="1112520"/>
         </p:xfrm>
         <a:graphic>
@@ -11463,13 +11553,13 @@
           <p:nvPr>
             <p:extLst>
               <p:ext uri="{D42A27DB-BD31-4B8C-83A1-F6EECF244321}">
-                <p14:modId xmlns:p14="http://schemas.microsoft.com/office/powerpoint/2010/main" val="2988860287"/>
+                <p14:modId xmlns:p14="http://schemas.microsoft.com/office/powerpoint/2010/main" val="152549427"/>
               </p:ext>
             </p:extLst>
           </p:nvPr>
         </p:nvGraphicFramePr>
         <p:xfrm>
-          <a:off x="4508517" y="4165317"/>
+          <a:off x="5251677" y="4165317"/>
           <a:ext cx="1105952" cy="1112520"/>
         </p:xfrm>
         <a:graphic>
@@ -11553,13 +11643,13 @@
           <p:nvPr>
             <p:extLst>
               <p:ext uri="{D42A27DB-BD31-4B8C-83A1-F6EECF244321}">
-                <p14:modId xmlns:p14="http://schemas.microsoft.com/office/powerpoint/2010/main" val="4045372915"/>
+                <p14:modId xmlns:p14="http://schemas.microsoft.com/office/powerpoint/2010/main" val="2539123815"/>
               </p:ext>
             </p:extLst>
           </p:nvPr>
         </p:nvGraphicFramePr>
         <p:xfrm>
-          <a:off x="4508517" y="2815547"/>
+          <a:off x="5251677" y="2815547"/>
           <a:ext cx="1105952" cy="1112520"/>
         </p:xfrm>
         <a:graphic>
@@ -11643,13 +11733,13 @@
           <p:nvPr>
             <p:extLst>
               <p:ext uri="{D42A27DB-BD31-4B8C-83A1-F6EECF244321}">
-                <p14:modId xmlns:p14="http://schemas.microsoft.com/office/powerpoint/2010/main" val="2169405869"/>
+                <p14:modId xmlns:p14="http://schemas.microsoft.com/office/powerpoint/2010/main" val="777284029"/>
               </p:ext>
             </p:extLst>
           </p:nvPr>
         </p:nvGraphicFramePr>
         <p:xfrm>
-          <a:off x="7117268" y="3794477"/>
+          <a:off x="7860428" y="3794477"/>
           <a:ext cx="1105952" cy="1483360"/>
         </p:xfrm>
         <a:graphic>
@@ -11755,7 +11845,7 @@
         </p:nvCxnSpPr>
         <p:spPr>
           <a:xfrm flipV="1">
-            <a:off x="3067158" y="3371807"/>
+            <a:off x="3810318" y="3371807"/>
             <a:ext cx="1441359" cy="248866"/>
           </a:xfrm>
           <a:prstGeom prst="straightConnector1">
@@ -11788,7 +11878,7 @@
         </p:nvCxnSpPr>
         <p:spPr>
           <a:xfrm flipV="1">
-            <a:off x="3067158" y="3794477"/>
+            <a:off x="3810318" y="3794477"/>
             <a:ext cx="1441359" cy="1694314"/>
           </a:xfrm>
           <a:prstGeom prst="straightConnector1">
@@ -11823,7 +11913,7 @@
         </p:nvCxnSpPr>
         <p:spPr>
           <a:xfrm>
-            <a:off x="3067158" y="4025972"/>
+            <a:off x="3810318" y="4025972"/>
             <a:ext cx="1441359" cy="695605"/>
           </a:xfrm>
           <a:prstGeom prst="straightConnector1">
@@ -11856,7 +11946,7 @@
         </p:nvCxnSpPr>
         <p:spPr>
           <a:xfrm>
-            <a:off x="3067158" y="5120280"/>
+            <a:off x="3810318" y="5120280"/>
             <a:ext cx="1441359" cy="0"/>
           </a:xfrm>
           <a:prstGeom prst="straightConnector1">
@@ -11892,8 +11982,8 @@
         </p:nvCxnSpPr>
         <p:spPr>
           <a:xfrm>
-            <a:off x="3067158" y="4370177"/>
-            <a:ext cx="1441359" cy="1629276"/>
+            <a:off x="3810317" y="4370177"/>
+            <a:ext cx="1441360" cy="1629276"/>
           </a:xfrm>
           <a:prstGeom prst="straightConnector1">
             <a:avLst/>
@@ -11925,7 +12015,7 @@
         </p:nvCxnSpPr>
         <p:spPr>
           <a:xfrm>
-            <a:off x="3067158" y="4721577"/>
+            <a:off x="3810318" y="4721577"/>
             <a:ext cx="1441359" cy="1695660"/>
           </a:xfrm>
           <a:prstGeom prst="straightConnector1">
@@ -11958,7 +12048,7 @@
         </p:nvSpPr>
         <p:spPr>
           <a:xfrm>
-            <a:off x="5614469" y="2815547"/>
+            <a:off x="6357629" y="2815547"/>
             <a:ext cx="218381" cy="1112520"/>
           </a:xfrm>
           <a:prstGeom prst="rightBrace">
@@ -11996,7 +12086,7 @@
         </p:nvSpPr>
         <p:spPr>
           <a:xfrm>
-            <a:off x="5614469" y="4165317"/>
+            <a:off x="6357629" y="4165317"/>
             <a:ext cx="218381" cy="1112520"/>
           </a:xfrm>
           <a:prstGeom prst="rightBrace">
@@ -12034,7 +12124,7 @@
         </p:nvSpPr>
         <p:spPr>
           <a:xfrm>
-            <a:off x="5614469" y="5443193"/>
+            <a:off x="6357629" y="5443193"/>
             <a:ext cx="218381" cy="1112520"/>
           </a:xfrm>
           <a:prstGeom prst="rightBrace">
@@ -12074,7 +12164,7 @@
         </p:nvCxnSpPr>
         <p:spPr>
           <a:xfrm>
-            <a:off x="5832850" y="3371807"/>
+            <a:off x="6576010" y="3371807"/>
             <a:ext cx="1284418" cy="998370"/>
           </a:xfrm>
           <a:prstGeom prst="straightConnector1">
@@ -12109,7 +12199,7 @@
         </p:nvCxnSpPr>
         <p:spPr>
           <a:xfrm>
-            <a:off x="5832850" y="4721577"/>
+            <a:off x="6576010" y="4721577"/>
             <a:ext cx="1284418" cy="0"/>
           </a:xfrm>
           <a:prstGeom prst="straightConnector1">
@@ -12144,7 +12234,7 @@
         </p:nvCxnSpPr>
         <p:spPr>
           <a:xfrm flipV="1">
-            <a:off x="5832850" y="5120280"/>
+            <a:off x="6576010" y="5120280"/>
             <a:ext cx="1284418" cy="879173"/>
           </a:xfrm>
           <a:prstGeom prst="straightConnector1">
@@ -12398,14 +12488,14 @@
           <p:nvPr>
             <p:extLst>
               <p:ext uri="{D42A27DB-BD31-4B8C-83A1-F6EECF244321}">
-                <p14:modId xmlns:p14="http://schemas.microsoft.com/office/powerpoint/2010/main" val="2701466297"/>
+                <p14:modId xmlns:p14="http://schemas.microsoft.com/office/powerpoint/2010/main" val="3978550664"/>
               </p:ext>
             </p:extLst>
           </p:nvPr>
         </p:nvGraphicFramePr>
         <p:xfrm>
-          <a:off x="984170" y="2529873"/>
-          <a:ext cx="2137036" cy="4079240"/>
+          <a:off x="351303" y="2529873"/>
+          <a:ext cx="3783303" cy="4079240"/>
         </p:xfrm>
         <a:graphic>
           <a:graphicData uri="http://schemas.openxmlformats.org/drawingml/2006/table">
@@ -12414,8 +12504,9 @@
                 <a:tableStyleId>{5C22544A-7EE6-4342-B048-85BDC9FD1C3A}</a:tableStyleId>
               </a:tblPr>
               <a:tblGrid>
-                <a:gridCol w="1031084"/>
-                <a:gridCol w="1105952"/>
+                <a:gridCol w="932302"/>
+                <a:gridCol w="1530296"/>
+                <a:gridCol w="1320705"/>
               </a:tblGrid>
               <a:tr h="370840">
                 <a:tc>
@@ -12423,6 +12514,21 @@
                     <a:bodyPr/>
                     <a:lstStyle/>
                     <a:p>
+                      <a:pPr algn="r"/>
+                      <a:endParaRPr lang="en-US" dirty="0"/>
+                    </a:p>
+                  </a:txBody>
+                  <a:tcPr>
+                    <a:solidFill>
+                      <a:srgbClr val="FFFFFF"/>
+                    </a:solidFill>
+                  </a:tcPr>
+                </a:tc>
+                <a:tc>
+                  <a:txBody>
+                    <a:bodyPr/>
+                    <a:lstStyle/>
+                    <a:p>
                       <a:pPr algn="ctr"/>
                       <a:r>
                         <a:rPr lang="en-US" dirty="0" smtClean="0"/>
@@ -12450,6 +12556,25 @@
                 </a:tc>
               </a:tr>
               <a:tr h="370840">
+                <a:tc>
+                  <a:txBody>
+                    <a:bodyPr/>
+                    <a:lstStyle/>
+                    <a:p>
+                      <a:pPr algn="r"/>
+                      <a:r>
+                        <a:rPr lang="en-US" dirty="0" smtClean="0"/>
+                        <a:t>Trip 1</a:t>
+                      </a:r>
+                      <a:endParaRPr lang="en-US" dirty="0"/>
+                    </a:p>
+                  </a:txBody>
+                  <a:tcPr>
+                    <a:solidFill>
+                      <a:srgbClr val="FFFFFF"/>
+                    </a:solidFill>
+                  </a:tcPr>
+                </a:tc>
                 <a:tc>
                   <a:txBody>
                     <a:bodyPr/>
@@ -12495,6 +12620,25 @@
                     <a:bodyPr/>
                     <a:lstStyle/>
                     <a:p>
+                      <a:pPr algn="r"/>
+                      <a:r>
+                        <a:rPr lang="en-US" dirty="0" smtClean="0"/>
+                        <a:t>Trip 2</a:t>
+                      </a:r>
+                      <a:endParaRPr lang="en-US" dirty="0"/>
+                    </a:p>
+                  </a:txBody>
+                  <a:tcPr>
+                    <a:solidFill>
+                      <a:srgbClr val="FFFFFF"/>
+                    </a:solidFill>
+                  </a:tcPr>
+                </a:tc>
+                <a:tc>
+                  <a:txBody>
+                    <a:bodyPr/>
+                    <a:lstStyle/>
+                    <a:p>
                       <a:pPr algn="ctr"/>
                       <a:r>
                         <a:rPr lang="en-US" dirty="0" smtClean="0"/>
@@ -12535,6 +12679,25 @@
                     <a:bodyPr/>
                     <a:lstStyle/>
                     <a:p>
+                      <a:pPr algn="r"/>
+                      <a:r>
+                        <a:rPr lang="en-US" dirty="0" smtClean="0"/>
+                        <a:t>Trip 3</a:t>
+                      </a:r>
+                      <a:endParaRPr lang="en-US" dirty="0"/>
+                    </a:p>
+                  </a:txBody>
+                  <a:tcPr>
+                    <a:solidFill>
+                      <a:srgbClr val="FFFFFF"/>
+                    </a:solidFill>
+                  </a:tcPr>
+                </a:tc>
+                <a:tc>
+                  <a:txBody>
+                    <a:bodyPr/>
+                    <a:lstStyle/>
+                    <a:p>
                       <a:pPr algn="ctr"/>
                       <a:r>
                         <a:rPr lang="en-US" dirty="0" smtClean="0"/>
@@ -12575,6 +12738,25 @@
                     <a:bodyPr/>
                     <a:lstStyle/>
                     <a:p>
+                      <a:pPr algn="r"/>
+                      <a:r>
+                        <a:rPr lang="en-US" dirty="0" smtClean="0"/>
+                        <a:t>Trip 4</a:t>
+                      </a:r>
+                      <a:endParaRPr lang="en-US" dirty="0"/>
+                    </a:p>
+                  </a:txBody>
+                  <a:tcPr>
+                    <a:solidFill>
+                      <a:srgbClr val="FFFFFF"/>
+                    </a:solidFill>
+                  </a:tcPr>
+                </a:tc>
+                <a:tc>
+                  <a:txBody>
+                    <a:bodyPr/>
+                    <a:lstStyle/>
+                    <a:p>
                       <a:pPr algn="ctr"/>
                       <a:r>
                         <a:rPr lang="en-US" dirty="0" smtClean="0"/>
@@ -12615,6 +12797,29 @@
                     <a:bodyPr/>
                     <a:lstStyle/>
                     <a:p>
+                      <a:pPr algn="r"/>
+                      <a:r>
+                        <a:rPr lang="en-US" dirty="0" smtClean="0"/>
+                        <a:t>Trip</a:t>
+                      </a:r>
+                      <a:r>
+                        <a:rPr lang="en-US" baseline="0" dirty="0" smtClean="0"/>
+                        <a:t> 5</a:t>
+                      </a:r>
+                      <a:endParaRPr lang="en-US" dirty="0"/>
+                    </a:p>
+                  </a:txBody>
+                  <a:tcPr>
+                    <a:solidFill>
+                      <a:srgbClr val="FFFFFF"/>
+                    </a:solidFill>
+                  </a:tcPr>
+                </a:tc>
+                <a:tc>
+                  <a:txBody>
+                    <a:bodyPr/>
+                    <a:lstStyle/>
+                    <a:p>
                       <a:pPr algn="ctr"/>
                       <a:r>
                         <a:rPr lang="en-US" dirty="0" smtClean="0"/>
@@ -12655,6 +12860,29 @@
                     <a:bodyPr/>
                     <a:lstStyle/>
                     <a:p>
+                      <a:pPr algn="r"/>
+                      <a:r>
+                        <a:rPr lang="en-US" dirty="0" smtClean="0"/>
+                        <a:t>Trip</a:t>
+                      </a:r>
+                      <a:r>
+                        <a:rPr lang="en-US" baseline="0" dirty="0" smtClean="0"/>
+                        <a:t> 6</a:t>
+                      </a:r>
+                      <a:endParaRPr lang="en-US" dirty="0"/>
+                    </a:p>
+                  </a:txBody>
+                  <a:tcPr>
+                    <a:solidFill>
+                      <a:srgbClr val="FFFFFF"/>
+                    </a:solidFill>
+                  </a:tcPr>
+                </a:tc>
+                <a:tc>
+                  <a:txBody>
+                    <a:bodyPr/>
+                    <a:lstStyle/>
+                    <a:p>
                       <a:pPr algn="ctr"/>
                       <a:r>
                         <a:rPr lang="en-US" dirty="0" smtClean="0"/>
@@ -12695,6 +12923,25 @@
                     <a:bodyPr/>
                     <a:lstStyle/>
                     <a:p>
+                      <a:pPr algn="r"/>
+                      <a:r>
+                        <a:rPr lang="en-US" dirty="0" smtClean="0"/>
+                        <a:t>Trip 7</a:t>
+                      </a:r>
+                      <a:endParaRPr lang="en-US" dirty="0"/>
+                    </a:p>
+                  </a:txBody>
+                  <a:tcPr>
+                    <a:solidFill>
+                      <a:srgbClr val="FFFFFF"/>
+                    </a:solidFill>
+                  </a:tcPr>
+                </a:tc>
+                <a:tc>
+                  <a:txBody>
+                    <a:bodyPr/>
+                    <a:lstStyle/>
+                    <a:p>
                       <a:pPr algn="ctr"/>
                       <a:r>
                         <a:rPr lang="en-US" dirty="0" smtClean="0"/>
@@ -12735,6 +12982,25 @@
                     <a:bodyPr/>
                     <a:lstStyle/>
                     <a:p>
+                      <a:pPr algn="r"/>
+                      <a:r>
+                        <a:rPr lang="en-US" dirty="0" smtClean="0"/>
+                        <a:t>Trip 8</a:t>
+                      </a:r>
+                      <a:endParaRPr lang="en-US" dirty="0"/>
+                    </a:p>
+                  </a:txBody>
+                  <a:tcPr>
+                    <a:solidFill>
+                      <a:srgbClr val="FFFFFF"/>
+                    </a:solidFill>
+                  </a:tcPr>
+                </a:tc>
+                <a:tc>
+                  <a:txBody>
+                    <a:bodyPr/>
+                    <a:lstStyle/>
+                    <a:p>
                       <a:pPr algn="ctr"/>
                       <a:r>
                         <a:rPr lang="en-US" dirty="0" smtClean="0"/>
@@ -12775,6 +13041,25 @@
                     <a:bodyPr/>
                     <a:lstStyle/>
                     <a:p>
+                      <a:pPr algn="r"/>
+                      <a:r>
+                        <a:rPr lang="en-US" dirty="0" smtClean="0"/>
+                        <a:t>Trip 9</a:t>
+                      </a:r>
+                      <a:endParaRPr lang="en-US" dirty="0"/>
+                    </a:p>
+                  </a:txBody>
+                  <a:tcPr>
+                    <a:solidFill>
+                      <a:srgbClr val="FFFFFF"/>
+                    </a:solidFill>
+                  </a:tcPr>
+                </a:tc>
+                <a:tc>
+                  <a:txBody>
+                    <a:bodyPr/>
+                    <a:lstStyle/>
+                    <a:p>
                       <a:pPr algn="ctr"/>
                       <a:r>
                         <a:rPr lang="en-US" dirty="0" smtClean="0"/>
@@ -12810,6 +13095,25 @@
                 </a:tc>
               </a:tr>
               <a:tr h="370840">
+                <a:tc>
+                  <a:txBody>
+                    <a:bodyPr/>
+                    <a:lstStyle/>
+                    <a:p>
+                      <a:pPr algn="r"/>
+                      <a:r>
+                        <a:rPr lang="en-US" dirty="0" smtClean="0"/>
+                        <a:t>Trip 10</a:t>
+                      </a:r>
+                      <a:endParaRPr lang="en-US" dirty="0"/>
+                    </a:p>
+                  </a:txBody>
+                  <a:tcPr>
+                    <a:solidFill>
+                      <a:srgbClr val="FFFFFF"/>
+                    </a:solidFill>
+                  </a:tcPr>
+                </a:tc>
                 <a:tc>
                   <a:txBody>
                     <a:bodyPr/>
@@ -12862,13 +13166,13 @@
           <p:nvPr>
             <p:extLst>
               <p:ext uri="{D42A27DB-BD31-4B8C-83A1-F6EECF244321}">
-                <p14:modId xmlns:p14="http://schemas.microsoft.com/office/powerpoint/2010/main" val="1312910158"/>
+                <p14:modId xmlns:p14="http://schemas.microsoft.com/office/powerpoint/2010/main" val="4069756801"/>
               </p:ext>
             </p:extLst>
           </p:nvPr>
         </p:nvGraphicFramePr>
         <p:xfrm>
-          <a:off x="6887572" y="3794477"/>
+          <a:off x="7900972" y="3794477"/>
           <a:ext cx="1105952" cy="1112520"/>
         </p:xfrm>
         <a:graphic>
@@ -12964,13 +13268,13 @@
           <p:nvPr>
             <p:extLst>
               <p:ext uri="{D42A27DB-BD31-4B8C-83A1-F6EECF244321}">
-                <p14:modId xmlns:p14="http://schemas.microsoft.com/office/powerpoint/2010/main" val="4160523850"/>
+                <p14:modId xmlns:p14="http://schemas.microsoft.com/office/powerpoint/2010/main" val="603442580"/>
               </p:ext>
             </p:extLst>
           </p:nvPr>
         </p:nvGraphicFramePr>
         <p:xfrm>
-          <a:off x="4477716" y="4262120"/>
+          <a:off x="5491116" y="4262120"/>
           <a:ext cx="1105952" cy="2595880"/>
         </p:xfrm>
         <a:graphic>
@@ -13138,13 +13442,13 @@
           <p:nvPr>
             <p:extLst>
               <p:ext uri="{D42A27DB-BD31-4B8C-83A1-F6EECF244321}">
-                <p14:modId xmlns:p14="http://schemas.microsoft.com/office/powerpoint/2010/main" val="980819829"/>
+                <p14:modId xmlns:p14="http://schemas.microsoft.com/office/powerpoint/2010/main" val="1635928645"/>
               </p:ext>
             </p:extLst>
           </p:nvPr>
         </p:nvGraphicFramePr>
         <p:xfrm>
-          <a:off x="4477716" y="2268235"/>
+          <a:off x="5491116" y="2268235"/>
           <a:ext cx="1105952" cy="1854200"/>
         </p:xfrm>
         <a:graphic>
@@ -13269,7 +13573,7 @@
         </p:nvCxnSpPr>
         <p:spPr>
           <a:xfrm>
-            <a:off x="3121206" y="3066764"/>
+            <a:off x="4134606" y="3066764"/>
             <a:ext cx="1356510" cy="1729276"/>
           </a:xfrm>
           <a:prstGeom prst="straightConnector1">
@@ -13302,7 +13606,7 @@
         </p:nvCxnSpPr>
         <p:spPr>
           <a:xfrm flipV="1">
-            <a:off x="3121206" y="2837094"/>
+            <a:off x="4134606" y="2837094"/>
             <a:ext cx="1356510" cy="621460"/>
           </a:xfrm>
           <a:prstGeom prst="straightConnector1">
@@ -13337,7 +13641,7 @@
         </p:nvCxnSpPr>
         <p:spPr>
           <a:xfrm flipV="1">
-            <a:off x="3121206" y="3195335"/>
+            <a:off x="4134606" y="3195335"/>
             <a:ext cx="1356510" cy="599142"/>
           </a:xfrm>
           <a:prstGeom prst="straightConnector1">
@@ -13370,7 +13674,7 @@
         </p:nvCxnSpPr>
         <p:spPr>
           <a:xfrm flipV="1">
-            <a:off x="3121206" y="3566633"/>
+            <a:off x="4134606" y="3566633"/>
             <a:ext cx="1356510" cy="695488"/>
           </a:xfrm>
           <a:prstGeom prst="straightConnector1">
@@ -13403,7 +13707,7 @@
         </p:nvCxnSpPr>
         <p:spPr>
           <a:xfrm flipV="1">
-            <a:off x="3121206" y="3944912"/>
+            <a:off x="4134606" y="3944912"/>
             <a:ext cx="1356510" cy="1715768"/>
           </a:xfrm>
           <a:prstGeom prst="straightConnector1">
@@ -13436,7 +13740,7 @@
         </p:nvCxnSpPr>
         <p:spPr>
           <a:xfrm>
-            <a:off x="3121206" y="4566371"/>
+            <a:off x="4134606" y="4566371"/>
             <a:ext cx="1356510" cy="607949"/>
           </a:xfrm>
           <a:prstGeom prst="straightConnector1">
@@ -13471,7 +13775,7 @@
         </p:nvCxnSpPr>
         <p:spPr>
           <a:xfrm>
-            <a:off x="3121206" y="4906997"/>
+            <a:off x="4134606" y="4906997"/>
             <a:ext cx="1356510" cy="653063"/>
           </a:xfrm>
           <a:prstGeom prst="straightConnector1">
@@ -13504,7 +13808,7 @@
         </p:nvCxnSpPr>
         <p:spPr>
           <a:xfrm>
-            <a:off x="3121206" y="5295909"/>
+            <a:off x="4134606" y="5295909"/>
             <a:ext cx="1356510" cy="621459"/>
           </a:xfrm>
           <a:prstGeom prst="straightConnector1">
@@ -13537,7 +13841,7 @@
         </p:nvCxnSpPr>
         <p:spPr>
           <a:xfrm>
-            <a:off x="3121206" y="6126163"/>
+            <a:off x="4134606" y="6126163"/>
             <a:ext cx="1356510" cy="196504"/>
           </a:xfrm>
           <a:prstGeom prst="straightConnector1">
@@ -13570,7 +13874,7 @@
         </p:nvCxnSpPr>
         <p:spPr>
           <a:xfrm>
-            <a:off x="3121206" y="6446993"/>
+            <a:off x="4134606" y="6446993"/>
             <a:ext cx="1356510" cy="248887"/>
           </a:xfrm>
           <a:prstGeom prst="straightConnector1">
@@ -13603,7 +13907,7 @@
         </p:nvSpPr>
         <p:spPr>
           <a:xfrm>
-            <a:off x="5624203" y="2268235"/>
+            <a:off x="6637603" y="2268235"/>
             <a:ext cx="154595" cy="1854200"/>
           </a:xfrm>
           <a:prstGeom prst="rightBrace">
@@ -13641,7 +13945,7 @@
         </p:nvSpPr>
         <p:spPr>
           <a:xfrm>
-            <a:off x="5624203" y="4262121"/>
+            <a:off x="6643566" y="4262121"/>
             <a:ext cx="154595" cy="2595880"/>
           </a:xfrm>
           <a:prstGeom prst="rightBrace">
@@ -13682,7 +13986,7 @@
         </p:nvCxnSpPr>
         <p:spPr>
           <a:xfrm>
-            <a:off x="5778798" y="3195335"/>
+            <a:off x="6792198" y="3195335"/>
             <a:ext cx="1108774" cy="1155402"/>
           </a:xfrm>
           <a:prstGeom prst="straightConnector1">
@@ -13710,14 +14014,12 @@
       <p:cxnSp>
         <p:nvCxnSpPr>
           <p:cNvPr id="52" name="Straight Arrow Connector 51"/>
-          <p:cNvCxnSpPr>
-            <a:stCxn id="48" idx="1"/>
-          </p:cNvCxnSpPr>
+          <p:cNvCxnSpPr/>
           <p:nvPr/>
         </p:nvCxnSpPr>
         <p:spPr>
           <a:xfrm flipV="1">
-            <a:off x="5778798" y="4796040"/>
+            <a:off x="6792198" y="4796040"/>
             <a:ext cx="1108774" cy="764021"/>
           </a:xfrm>
           <a:prstGeom prst="straightConnector1">
@@ -13825,7 +14127,15 @@
             </a:r>
             <a:r>
               <a:rPr lang="en-US" dirty="0" smtClean="0"/>
-              <a:t> charges a fee for any trip longer than 30 minutes. Use </a:t>
+              <a:t> charges a fee for any trip </a:t>
+            </a:r>
+            <a:r>
+              <a:rPr lang="en-US" dirty="0" smtClean="0"/>
+              <a:t>at least 30 minutes long. </a:t>
+            </a:r>
+            <a:r>
+              <a:rPr lang="en-US" dirty="0" smtClean="0"/>
+              <a:t>Use </a:t>
             </a:r>
             <a:r>
               <a:rPr lang="en-US" dirty="0" err="1" smtClean="0"/>
@@ -13833,8 +14143,13 @@
             </a:r>
             <a:r>
               <a:rPr lang="en-US" dirty="0" smtClean="0"/>
-              <a:t>() to compute the proportion of trips from each start location longer than 30 minutes (1800 seconds).</a:t>
-            </a:r>
+              <a:t>() to compute the proportion of trips from each start location </a:t>
+            </a:r>
+            <a:r>
+              <a:rPr lang="en-US" dirty="0" smtClean="0"/>
+              <a:t>at least 30 minutes long. (assignment2_start.R)</a:t>
+            </a:r>
+            <a:endParaRPr lang="en-US" dirty="0" smtClean="0"/>
           </a:p>
           <a:p>
             <a:r>

--- a/IntermediateR/slides.pptx
+++ b/IntermediateR/slides.pptx
@@ -2,7 +2,7 @@
 <file path=ppt/presentation.xml><?xml version="1.0" encoding="utf-8"?>
 <p:presentation xmlns:a="http://schemas.openxmlformats.org/drawingml/2006/main" xmlns:r="http://schemas.openxmlformats.org/officeDocument/2006/relationships" xmlns:p="http://schemas.openxmlformats.org/presentationml/2006/main" saveSubsetFonts="1" autoCompressPictures="0">
   <p:sldMasterIdLst>
-    <p:sldMasterId id="2147483648" r:id="rId1"/>
+    <p:sldMasterId id="2147483660" r:id="rId1"/>
   </p:sldMasterIdLst>
   <p:notesMasterIdLst>
     <p:notesMasterId r:id="rId17"/>
@@ -206,7 +206,7 @@
           <a:p>
             <a:fld id="{B1D88733-DD94-9649-ABF5-65442A1DFB39}" type="datetimeFigureOut">
               <a:rPr lang="en-US" smtClean="0"/>
-              <a:t>1/7/14</a:t>
+              <a:t>1/8/14</a:t>
             </a:fld>
             <a:endParaRPr lang="en-US"/>
           </a:p>
@@ -811,8 +811,13 @@
 </file>
 
 <file path=ppt/slideLayouts/slideLayout1.xml><?xml version="1.0" encoding="utf-8"?>
-<p:sldLayout xmlns:a="http://schemas.openxmlformats.org/drawingml/2006/main" xmlns:r="http://schemas.openxmlformats.org/officeDocument/2006/relationships" xmlns:p="http://schemas.openxmlformats.org/presentationml/2006/main" type="title" preserve="1">
+<p:sldLayout xmlns:a="http://schemas.openxmlformats.org/drawingml/2006/main" xmlns:r="http://schemas.openxmlformats.org/officeDocument/2006/relationships" xmlns:p="http://schemas.openxmlformats.org/presentationml/2006/main" showMasterSp="0" type="title" preserve="1">
   <p:cSld name="Title Slide">
+    <p:bg>
+      <p:bgRef idx="1001">
+        <a:schemeClr val="bg2"/>
+      </p:bgRef>
+    </p:bg>
     <p:spTree>
       <p:nvGrpSpPr>
         <p:cNvPr id="1" name=""/>
@@ -829,7 +834,149 @@
       </p:grpSpPr>
       <p:sp>
         <p:nvSpPr>
-          <p:cNvPr id="2" name="Title 1"/>
+          <p:cNvPr id="7" name="Rectangle 6"/>
+          <p:cNvSpPr/>
+          <p:nvPr/>
+        </p:nvSpPr>
+        <p:spPr bwMode="white">
+          <a:xfrm>
+            <a:off x="0" y="5971032"/>
+            <a:ext cx="9144000" cy="886968"/>
+          </a:xfrm>
+          <a:prstGeom prst="rect">
+            <a:avLst/>
+          </a:prstGeom>
+          <a:solidFill>
+            <a:srgbClr val="FFFFFF"/>
+          </a:solidFill>
+          <a:ln w="50800" cap="rnd" cmpd="dbl" algn="ctr">
+            <a:noFill/>
+            <a:prstDash val="solid"/>
+          </a:ln>
+          <a:effectLst/>
+        </p:spPr>
+        <p:style>
+          <a:lnRef idx="3">
+            <a:schemeClr val="lt1"/>
+          </a:lnRef>
+          <a:fillRef idx="1">
+            <a:schemeClr val="accent1"/>
+          </a:fillRef>
+          <a:effectRef idx="1">
+            <a:schemeClr val="accent1"/>
+          </a:effectRef>
+          <a:fontRef idx="minor">
+            <a:schemeClr val="lt1"/>
+          </a:fontRef>
+        </p:style>
+        <p:txBody>
+          <a:bodyPr anchor="ctr"/>
+          <a:lstStyle/>
+          <a:p>
+            <a:pPr algn="ctr" eaLnBrk="1" latinLnBrk="0" hangingPunct="1"/>
+            <a:endParaRPr kumimoji="0" lang="en-US"/>
+          </a:p>
+        </p:txBody>
+      </p:sp>
+      <p:sp>
+        <p:nvSpPr>
+          <p:cNvPr id="10" name="Rectangle 9"/>
+          <p:cNvSpPr/>
+          <p:nvPr/>
+        </p:nvSpPr>
+        <p:spPr>
+          <a:xfrm>
+            <a:off x="-9144" y="6053328"/>
+            <a:ext cx="2249424" cy="713232"/>
+          </a:xfrm>
+          <a:prstGeom prst="rect">
+            <a:avLst/>
+          </a:prstGeom>
+          <a:solidFill>
+            <a:schemeClr val="accent2">
+              <a:alpha val="100000"/>
+            </a:schemeClr>
+          </a:solidFill>
+          <a:ln w="50800" cap="rnd" cmpd="dbl" algn="ctr">
+            <a:noFill/>
+            <a:prstDash val="solid"/>
+          </a:ln>
+          <a:effectLst/>
+        </p:spPr>
+        <p:style>
+          <a:lnRef idx="3">
+            <a:schemeClr val="lt1"/>
+          </a:lnRef>
+          <a:fillRef idx="1">
+            <a:schemeClr val="accent1"/>
+          </a:fillRef>
+          <a:effectRef idx="1">
+            <a:schemeClr val="accent1"/>
+          </a:effectRef>
+          <a:fontRef idx="minor">
+            <a:schemeClr val="lt1"/>
+          </a:fontRef>
+        </p:style>
+        <p:txBody>
+          <a:bodyPr anchor="ctr"/>
+          <a:lstStyle/>
+          <a:p>
+            <a:pPr algn="ctr" eaLnBrk="1" latinLnBrk="0" hangingPunct="1"/>
+            <a:endParaRPr kumimoji="0" lang="en-US"/>
+          </a:p>
+        </p:txBody>
+      </p:sp>
+      <p:sp>
+        <p:nvSpPr>
+          <p:cNvPr id="11" name="Rectangle 10"/>
+          <p:cNvSpPr/>
+          <p:nvPr/>
+        </p:nvSpPr>
+        <p:spPr>
+          <a:xfrm>
+            <a:off x="2359152" y="6044184"/>
+            <a:ext cx="6784848" cy="713232"/>
+          </a:xfrm>
+          <a:prstGeom prst="rect">
+            <a:avLst/>
+          </a:prstGeom>
+          <a:solidFill>
+            <a:schemeClr val="accent1">
+              <a:alpha val="100000"/>
+            </a:schemeClr>
+          </a:solidFill>
+          <a:ln w="50800" cap="rnd" cmpd="dbl" algn="ctr">
+            <a:noFill/>
+            <a:prstDash val="solid"/>
+          </a:ln>
+          <a:effectLst/>
+        </p:spPr>
+        <p:style>
+          <a:lnRef idx="3">
+            <a:schemeClr val="lt1"/>
+          </a:lnRef>
+          <a:fillRef idx="1">
+            <a:schemeClr val="accent1"/>
+          </a:fillRef>
+          <a:effectRef idx="1">
+            <a:schemeClr val="accent1"/>
+          </a:effectRef>
+          <a:fontRef idx="minor">
+            <a:schemeClr val="lt1"/>
+          </a:fontRef>
+        </p:style>
+        <p:txBody>
+          <a:bodyPr anchor="ctr"/>
+          <a:lstStyle/>
+          <a:p>
+            <a:pPr algn="ctr" eaLnBrk="1" latinLnBrk="0" hangingPunct="1"/>
+            <a:endParaRPr kumimoji="0" lang="en-US"/>
+          </a:p>
+        </p:txBody>
+      </p:sp>
+      <p:sp>
+        <p:nvSpPr>
+          <p:cNvPr id="8" name="Title 7"/>
           <p:cNvSpPr>
             <a:spLocks noGrp="1"/>
           </p:cNvSpPr>
@@ -839,25 +986,29 @@
         </p:nvSpPr>
         <p:spPr>
           <a:xfrm>
-            <a:off x="685800" y="2130425"/>
-            <a:ext cx="7772400" cy="1470025"/>
+            <a:off x="2362200" y="4038600"/>
+            <a:ext cx="6477000" cy="1828800"/>
           </a:xfrm>
         </p:spPr>
         <p:txBody>
-          <a:bodyPr/>
-          <a:lstStyle/>
-          <a:p>
-            <a:r>
-              <a:rPr lang="en-US" smtClean="0"/>
+          <a:bodyPr anchor="b"/>
+          <a:lstStyle>
+            <a:lvl1pPr>
+              <a:defRPr cap="all" baseline="0"/>
+            </a:lvl1pPr>
+          </a:lstStyle>
+          <a:p>
+            <a:r>
+              <a:rPr kumimoji="0" lang="en-US" smtClean="0"/>
               <a:t>Click to edit Master title style</a:t>
             </a:r>
-            <a:endParaRPr lang="en-US"/>
+            <a:endParaRPr kumimoji="0" lang="en-US"/>
           </a:p>
         </p:txBody>
       </p:sp>
       <p:sp>
         <p:nvSpPr>
-          <p:cNvPr id="3" name="Subtitle 2"/>
+          <p:cNvPr id="9" name="Subtitle 8"/>
           <p:cNvSpPr>
             <a:spLocks noGrp="1"/>
           </p:cNvSpPr>
@@ -867,116 +1018,60 @@
         </p:nvSpPr>
         <p:spPr>
           <a:xfrm>
-            <a:off x="1371600" y="3886200"/>
-            <a:ext cx="6400800" cy="1752600"/>
+            <a:off x="2362200" y="6050037"/>
+            <a:ext cx="6705600" cy="685800"/>
           </a:xfrm>
         </p:spPr>
         <p:txBody>
-          <a:bodyPr/>
+          <a:bodyPr anchor="ctr">
+            <a:normAutofit/>
+          </a:bodyPr>
           <a:lstStyle>
-            <a:lvl1pPr marL="0" indent="0" algn="ctr">
+            <a:lvl1pPr marL="0" indent="0" algn="l">
               <a:buNone/>
-              <a:defRPr>
+              <a:defRPr sz="2600">
                 <a:solidFill>
-                  <a:schemeClr val="tx1">
-                    <a:tint val="75000"/>
-                  </a:schemeClr>
+                  <a:srgbClr val="FFFFFF"/>
                 </a:solidFill>
               </a:defRPr>
             </a:lvl1pPr>
             <a:lvl2pPr marL="457200" indent="0" algn="ctr">
               <a:buNone/>
-              <a:defRPr>
-                <a:solidFill>
-                  <a:schemeClr val="tx1">
-                    <a:tint val="75000"/>
-                  </a:schemeClr>
-                </a:solidFill>
-              </a:defRPr>
             </a:lvl2pPr>
             <a:lvl3pPr marL="914400" indent="0" algn="ctr">
               <a:buNone/>
-              <a:defRPr>
-                <a:solidFill>
-                  <a:schemeClr val="tx1">
-                    <a:tint val="75000"/>
-                  </a:schemeClr>
-                </a:solidFill>
-              </a:defRPr>
             </a:lvl3pPr>
             <a:lvl4pPr marL="1371600" indent="0" algn="ctr">
               <a:buNone/>
-              <a:defRPr>
-                <a:solidFill>
-                  <a:schemeClr val="tx1">
-                    <a:tint val="75000"/>
-                  </a:schemeClr>
-                </a:solidFill>
-              </a:defRPr>
             </a:lvl4pPr>
             <a:lvl5pPr marL="1828800" indent="0" algn="ctr">
               <a:buNone/>
-              <a:defRPr>
-                <a:solidFill>
-                  <a:schemeClr val="tx1">
-                    <a:tint val="75000"/>
-                  </a:schemeClr>
-                </a:solidFill>
-              </a:defRPr>
             </a:lvl5pPr>
             <a:lvl6pPr marL="2286000" indent="0" algn="ctr">
               <a:buNone/>
-              <a:defRPr>
-                <a:solidFill>
-                  <a:schemeClr val="tx1">
-                    <a:tint val="75000"/>
-                  </a:schemeClr>
-                </a:solidFill>
-              </a:defRPr>
             </a:lvl6pPr>
             <a:lvl7pPr marL="2743200" indent="0" algn="ctr">
               <a:buNone/>
-              <a:defRPr>
-                <a:solidFill>
-                  <a:schemeClr val="tx1">
-                    <a:tint val="75000"/>
-                  </a:schemeClr>
-                </a:solidFill>
-              </a:defRPr>
             </a:lvl7pPr>
             <a:lvl8pPr marL="3200400" indent="0" algn="ctr">
               <a:buNone/>
-              <a:defRPr>
-                <a:solidFill>
-                  <a:schemeClr val="tx1">
-                    <a:tint val="75000"/>
-                  </a:schemeClr>
-                </a:solidFill>
-              </a:defRPr>
             </a:lvl8pPr>
             <a:lvl9pPr marL="3657600" indent="0" algn="ctr">
               <a:buNone/>
-              <a:defRPr>
-                <a:solidFill>
-                  <a:schemeClr val="tx1">
-                    <a:tint val="75000"/>
-                  </a:schemeClr>
-                </a:solidFill>
-              </a:defRPr>
             </a:lvl9pPr>
           </a:lstStyle>
           <a:p>
             <a:r>
-              <a:rPr lang="en-US" smtClean="0"/>
+              <a:rPr kumimoji="0" lang="en-US" smtClean="0"/>
               <a:t>Click to edit Master subtitle style</a:t>
             </a:r>
-            <a:endParaRPr lang="en-US"/>
+            <a:endParaRPr kumimoji="0" lang="en-US"/>
           </a:p>
         </p:txBody>
       </p:sp>
       <p:sp>
         <p:nvSpPr>
-          <p:cNvPr id="4" name="Date Placeholder 3"/>
+          <p:cNvPr id="28" name="Date Placeholder 27"/>
           <p:cNvSpPr>
             <a:spLocks noGrp="1"/>
           </p:cNvSpPr>
@@ -984,14 +1079,29 @@
             <p:ph type="dt" sz="half" idx="10"/>
           </p:nvPr>
         </p:nvSpPr>
-        <p:spPr/>
+        <p:spPr>
+          <a:xfrm>
+            <a:off x="76200" y="6068699"/>
+            <a:ext cx="2057400" cy="685800"/>
+          </a:xfrm>
+        </p:spPr>
         <p:txBody>
-          <a:bodyPr/>
-          <a:lstStyle/>
+          <a:bodyPr>
+            <a:noAutofit/>
+          </a:bodyPr>
+          <a:lstStyle>
+            <a:lvl1pPr algn="ctr">
+              <a:defRPr sz="2000">
+                <a:solidFill>
+                  <a:srgbClr val="FFFFFF"/>
+                </a:solidFill>
+              </a:defRPr>
+            </a:lvl1pPr>
+          </a:lstStyle>
           <a:p>
             <a:fld id="{257F89B5-D415-6245-AE1B-ED154C7ABB6E}" type="datetimeFigureOut">
               <a:rPr lang="en-US" smtClean="0"/>
-              <a:t>1/7/14</a:t>
+              <a:t>1/8/14</a:t>
             </a:fld>
             <a:endParaRPr lang="en-US"/>
           </a:p>
@@ -999,7 +1109,7 @@
       </p:sp>
       <p:sp>
         <p:nvSpPr>
-          <p:cNvPr id="5" name="Footer Placeholder 4"/>
+          <p:cNvPr id="17" name="Footer Placeholder 16"/>
           <p:cNvSpPr>
             <a:spLocks noGrp="1"/>
           </p:cNvSpPr>
@@ -1007,10 +1117,23 @@
             <p:ph type="ftr" sz="quarter" idx="11"/>
           </p:nvPr>
         </p:nvSpPr>
-        <p:spPr/>
+        <p:spPr>
+          <a:xfrm>
+            <a:off x="2085393" y="236538"/>
+            <a:ext cx="5867400" cy="365125"/>
+          </a:xfrm>
+        </p:spPr>
         <p:txBody>
           <a:bodyPr/>
-          <a:lstStyle/>
+          <a:lstStyle>
+            <a:lvl1pPr algn="r">
+              <a:defRPr>
+                <a:solidFill>
+                  <a:schemeClr val="tx2"/>
+                </a:solidFill>
+              </a:defRPr>
+            </a:lvl1pPr>
+          </a:lstStyle>
           <a:p>
             <a:endParaRPr lang="en-US"/>
           </a:p>
@@ -1018,7 +1141,7 @@
       </p:sp>
       <p:sp>
         <p:nvSpPr>
-          <p:cNvPr id="6" name="Slide Number Placeholder 5"/>
+          <p:cNvPr id="29" name="Slide Number Placeholder 28"/>
           <p:cNvSpPr>
             <a:spLocks noGrp="1"/>
           </p:cNvSpPr>
@@ -1026,10 +1149,23 @@
             <p:ph type="sldNum" sz="quarter" idx="12"/>
           </p:nvPr>
         </p:nvSpPr>
-        <p:spPr/>
+        <p:spPr>
+          <a:xfrm>
+            <a:off x="8001000" y="228600"/>
+            <a:ext cx="838200" cy="381000"/>
+          </a:xfrm>
+        </p:spPr>
         <p:txBody>
           <a:bodyPr/>
-          <a:lstStyle/>
+          <a:lstStyle>
+            <a:lvl1pPr>
+              <a:defRPr>
+                <a:solidFill>
+                  <a:schemeClr val="tx2"/>
+                </a:solidFill>
+              </a:defRPr>
+            </a:lvl1pPr>
+          </a:lstStyle>
           <a:p>
             <a:fld id="{897A028C-199E-7141-BE87-2F3BEB4C459D}" type="slidenum">
               <a:rPr lang="en-US" smtClean="0"/>
@@ -1040,14 +1176,9 @@
         </p:txBody>
       </p:sp>
     </p:spTree>
-    <p:extLst>
-      <p:ext uri="{BB962C8B-B14F-4D97-AF65-F5344CB8AC3E}">
-        <p14:creationId xmlns:p14="http://schemas.microsoft.com/office/powerpoint/2010/main" val="2350147692"/>
-      </p:ext>
-    </p:extLst>
   </p:cSld>
   <p:clrMapOvr>
-    <a:masterClrMapping/>
+    <a:overrideClrMapping bg1="dk1" tx1="lt1" bg2="dk2" tx2="lt2" accent1="accent1" accent2="accent2" accent3="accent3" accent4="accent4" accent5="accent5" accent6="accent6" hlink="hlink" folHlink="folHlink"/>
   </p:clrMapOvr>
 </p:sldLayout>
 </file>
@@ -1085,10 +1216,10 @@
           <a:lstStyle/>
           <a:p>
             <a:r>
-              <a:rPr lang="en-US" smtClean="0"/>
+              <a:rPr kumimoji="0" lang="en-US" smtClean="0"/>
               <a:t>Click to edit Master title style</a:t>
             </a:r>
-            <a:endParaRPr lang="en-US"/>
+            <a:endParaRPr kumimoji="0" lang="en-US"/>
           </a:p>
         </p:txBody>
       </p:sp>
@@ -1107,40 +1238,40 @@
           <a:bodyPr vert="eaVert"/>
           <a:lstStyle/>
           <a:p>
-            <a:pPr lvl="0"/>
+            <a:pPr lvl="0" eaLnBrk="1" latinLnBrk="0" hangingPunct="1"/>
             <a:r>
               <a:rPr lang="en-US" smtClean="0"/>
               <a:t>Click to edit Master text styles</a:t>
             </a:r>
           </a:p>
           <a:p>
-            <a:pPr lvl="1"/>
+            <a:pPr lvl="1" eaLnBrk="1" latinLnBrk="0" hangingPunct="1"/>
             <a:r>
               <a:rPr lang="en-US" smtClean="0"/>
               <a:t>Second level</a:t>
             </a:r>
           </a:p>
           <a:p>
-            <a:pPr lvl="2"/>
+            <a:pPr lvl="2" eaLnBrk="1" latinLnBrk="0" hangingPunct="1"/>
             <a:r>
               <a:rPr lang="en-US" smtClean="0"/>
               <a:t>Third level</a:t>
             </a:r>
           </a:p>
           <a:p>
-            <a:pPr lvl="3"/>
+            <a:pPr lvl="3" eaLnBrk="1" latinLnBrk="0" hangingPunct="1"/>
             <a:r>
               <a:rPr lang="en-US" smtClean="0"/>
               <a:t>Fourth level</a:t>
             </a:r>
           </a:p>
           <a:p>
-            <a:pPr lvl="4"/>
+            <a:pPr lvl="4" eaLnBrk="1" latinLnBrk="0" hangingPunct="1"/>
             <a:r>
               <a:rPr lang="en-US" smtClean="0"/>
               <a:t>Fifth level</a:t>
             </a:r>
-            <a:endParaRPr lang="en-US"/>
+            <a:endParaRPr kumimoji="0" lang="en-US"/>
           </a:p>
         </p:txBody>
       </p:sp>
@@ -1161,7 +1292,7 @@
           <a:p>
             <a:fld id="{257F89B5-D415-6245-AE1B-ED154C7ABB6E}" type="datetimeFigureOut">
               <a:rPr lang="en-US" smtClean="0"/>
-              <a:t>1/7/14</a:t>
+              <a:t>1/8/14</a:t>
             </a:fld>
             <a:endParaRPr lang="en-US"/>
           </a:p>
@@ -1210,11 +1341,6 @@
         </p:txBody>
       </p:sp>
     </p:spTree>
-    <p:extLst>
-      <p:ext uri="{BB962C8B-B14F-4D97-AF65-F5344CB8AC3E}">
-        <p14:creationId xmlns:p14="http://schemas.microsoft.com/office/powerpoint/2010/main" val="806453169"/>
-      </p:ext>
-    </p:extLst>
   </p:cSld>
   <p:clrMapOvr>
     <a:masterClrMapping/>
@@ -1223,8 +1349,13 @@
 </file>
 
 <file path=ppt/slideLayouts/slideLayout11.xml><?xml version="1.0" encoding="utf-8"?>
-<p:sldLayout xmlns:a="http://schemas.openxmlformats.org/drawingml/2006/main" xmlns:r="http://schemas.openxmlformats.org/officeDocument/2006/relationships" xmlns:p="http://schemas.openxmlformats.org/presentationml/2006/main" type="vertTitleAndTx" preserve="1">
+<p:sldLayout xmlns:a="http://schemas.openxmlformats.org/drawingml/2006/main" xmlns:r="http://schemas.openxmlformats.org/officeDocument/2006/relationships" xmlns:p="http://schemas.openxmlformats.org/presentationml/2006/main" showMasterSp="0" type="vertTitleAndTx" preserve="1">
   <p:cSld name="Vertical Title and Text">
+    <p:bg>
+      <p:bgRef idx="1001">
+        <a:schemeClr val="bg1"/>
+      </p:bgRef>
+    </p:bg>
     <p:spTree>
       <p:nvGrpSpPr>
         <p:cNvPr id="1" name=""/>
@@ -1251,8 +1382,8 @@
         </p:nvSpPr>
         <p:spPr>
           <a:xfrm>
-            <a:off x="6629400" y="274638"/>
-            <a:ext cx="2057400" cy="5851525"/>
+            <a:off x="6553200" y="609600"/>
+            <a:ext cx="2057400" cy="5516563"/>
           </a:xfrm>
         </p:spPr>
         <p:txBody>
@@ -1260,10 +1391,10 @@
           <a:lstStyle/>
           <a:p>
             <a:r>
-              <a:rPr lang="en-US" smtClean="0"/>
+              <a:rPr kumimoji="0" lang="en-US" smtClean="0"/>
               <a:t>Click to edit Master title style</a:t>
             </a:r>
-            <a:endParaRPr lang="en-US"/>
+            <a:endParaRPr kumimoji="0" lang="en-US"/>
           </a:p>
         </p:txBody>
       </p:sp>
@@ -1279,48 +1410,48 @@
         </p:nvSpPr>
         <p:spPr>
           <a:xfrm>
-            <a:off x="457200" y="274638"/>
-            <a:ext cx="6019800" cy="5851525"/>
+            <a:off x="457200" y="609600"/>
+            <a:ext cx="5562600" cy="5516564"/>
           </a:xfrm>
         </p:spPr>
         <p:txBody>
           <a:bodyPr vert="eaVert"/>
           <a:lstStyle/>
           <a:p>
-            <a:pPr lvl="0"/>
+            <a:pPr lvl="0" eaLnBrk="1" latinLnBrk="0" hangingPunct="1"/>
             <a:r>
               <a:rPr lang="en-US" smtClean="0"/>
               <a:t>Click to edit Master text styles</a:t>
             </a:r>
           </a:p>
           <a:p>
-            <a:pPr lvl="1"/>
+            <a:pPr lvl="1" eaLnBrk="1" latinLnBrk="0" hangingPunct="1"/>
             <a:r>
               <a:rPr lang="en-US" smtClean="0"/>
               <a:t>Second level</a:t>
             </a:r>
           </a:p>
           <a:p>
-            <a:pPr lvl="2"/>
+            <a:pPr lvl="2" eaLnBrk="1" latinLnBrk="0" hangingPunct="1"/>
             <a:r>
               <a:rPr lang="en-US" smtClean="0"/>
               <a:t>Third level</a:t>
             </a:r>
           </a:p>
           <a:p>
-            <a:pPr lvl="3"/>
+            <a:pPr lvl="3" eaLnBrk="1" latinLnBrk="0" hangingPunct="1"/>
             <a:r>
               <a:rPr lang="en-US" smtClean="0"/>
               <a:t>Fourth level</a:t>
             </a:r>
           </a:p>
           <a:p>
-            <a:pPr lvl="4"/>
+            <a:pPr lvl="4" eaLnBrk="1" latinLnBrk="0" hangingPunct="1"/>
             <a:r>
               <a:rPr lang="en-US" smtClean="0"/>
               <a:t>Fifth level</a:t>
             </a:r>
-            <a:endParaRPr lang="en-US"/>
+            <a:endParaRPr kumimoji="0" lang="en-US"/>
           </a:p>
         </p:txBody>
       </p:sp>
@@ -1334,14 +1465,19 @@
             <p:ph type="dt" sz="half" idx="10"/>
           </p:nvPr>
         </p:nvSpPr>
-        <p:spPr/>
+        <p:spPr>
+          <a:xfrm>
+            <a:off x="6553200" y="6248402"/>
+            <a:ext cx="2209800" cy="365125"/>
+          </a:xfrm>
+        </p:spPr>
         <p:txBody>
           <a:bodyPr/>
           <a:lstStyle/>
           <a:p>
             <a:fld id="{257F89B5-D415-6245-AE1B-ED154C7ABB6E}" type="datetimeFigureOut">
               <a:rPr lang="en-US" smtClean="0"/>
-              <a:t>1/7/14</a:t>
+              <a:t>1/8/14</a:t>
             </a:fld>
             <a:endParaRPr lang="en-US"/>
           </a:p>
@@ -1357,12 +1493,152 @@
             <p:ph type="ftr" sz="quarter" idx="11"/>
           </p:nvPr>
         </p:nvSpPr>
-        <p:spPr/>
+        <p:spPr>
+          <a:xfrm>
+            <a:off x="457201" y="6248207"/>
+            <a:ext cx="5573483" cy="365125"/>
+          </a:xfrm>
+        </p:spPr>
         <p:txBody>
           <a:bodyPr/>
           <a:lstStyle/>
           <a:p>
             <a:endParaRPr lang="en-US"/>
+          </a:p>
+        </p:txBody>
+      </p:sp>
+      <p:sp>
+        <p:nvSpPr>
+          <p:cNvPr id="7" name="Rectangle 6"/>
+          <p:cNvSpPr/>
+          <p:nvPr/>
+        </p:nvSpPr>
+        <p:spPr bwMode="white">
+          <a:xfrm>
+            <a:off x="6096318" y="0"/>
+            <a:ext cx="320040" cy="6858000"/>
+          </a:xfrm>
+          <a:prstGeom prst="rect">
+            <a:avLst/>
+          </a:prstGeom>
+          <a:solidFill>
+            <a:srgbClr val="FFFFFF"/>
+          </a:solidFill>
+          <a:ln w="19050" cap="flat" cmpd="sng" algn="ctr">
+            <a:noFill/>
+            <a:prstDash val="solid"/>
+          </a:ln>
+        </p:spPr>
+        <p:style>
+          <a:lnRef idx="2">
+            <a:schemeClr val="accent1"/>
+          </a:lnRef>
+          <a:fillRef idx="1">
+            <a:schemeClr val="accent1"/>
+          </a:fillRef>
+          <a:effectRef idx="0">
+            <a:schemeClr val="accent1"/>
+          </a:effectRef>
+          <a:fontRef idx="minor">
+            <a:schemeClr val="lt1"/>
+          </a:fontRef>
+        </p:style>
+        <p:txBody>
+          <a:bodyPr rtlCol="0" anchor="ctr"/>
+          <a:lstStyle/>
+          <a:p>
+            <a:pPr algn="ctr" eaLnBrk="1" latinLnBrk="0" hangingPunct="1"/>
+            <a:endParaRPr kumimoji="0" lang="en-US"/>
+          </a:p>
+        </p:txBody>
+      </p:sp>
+      <p:sp>
+        <p:nvSpPr>
+          <p:cNvPr id="8" name="Rectangle 7"/>
+          <p:cNvSpPr/>
+          <p:nvPr/>
+        </p:nvSpPr>
+        <p:spPr>
+          <a:xfrm>
+            <a:off x="6142038" y="609600"/>
+            <a:ext cx="228600" cy="6248400"/>
+          </a:xfrm>
+          <a:prstGeom prst="rect">
+            <a:avLst/>
+          </a:prstGeom>
+          <a:solidFill>
+            <a:schemeClr val="accent1"/>
+          </a:solidFill>
+          <a:ln w="19050" cap="flat" cmpd="sng" algn="ctr">
+            <a:noFill/>
+            <a:prstDash val="solid"/>
+          </a:ln>
+        </p:spPr>
+        <p:style>
+          <a:lnRef idx="2">
+            <a:schemeClr val="accent1"/>
+          </a:lnRef>
+          <a:fillRef idx="1">
+            <a:schemeClr val="accent1"/>
+          </a:fillRef>
+          <a:effectRef idx="0">
+            <a:schemeClr val="accent1"/>
+          </a:effectRef>
+          <a:fontRef idx="minor">
+            <a:schemeClr val="lt1"/>
+          </a:fontRef>
+        </p:style>
+        <p:txBody>
+          <a:bodyPr rtlCol="0" anchor="ctr"/>
+          <a:lstStyle/>
+          <a:p>
+            <a:pPr algn="ctr" eaLnBrk="1" latinLnBrk="0" hangingPunct="1"/>
+            <a:endParaRPr kumimoji="0" lang="en-US"/>
+          </a:p>
+        </p:txBody>
+      </p:sp>
+      <p:sp>
+        <p:nvSpPr>
+          <p:cNvPr id="9" name="Rectangle 8"/>
+          <p:cNvSpPr/>
+          <p:nvPr/>
+        </p:nvSpPr>
+        <p:spPr>
+          <a:xfrm>
+            <a:off x="6142038" y="0"/>
+            <a:ext cx="228600" cy="533400"/>
+          </a:xfrm>
+          <a:prstGeom prst="rect">
+            <a:avLst/>
+          </a:prstGeom>
+          <a:solidFill>
+            <a:schemeClr val="accent2"/>
+          </a:solidFill>
+          <a:ln w="19050" cap="flat" cmpd="sng" algn="ctr">
+            <a:noFill/>
+            <a:prstDash val="solid"/>
+          </a:ln>
+        </p:spPr>
+        <p:style>
+          <a:lnRef idx="2">
+            <a:schemeClr val="accent1"/>
+          </a:lnRef>
+          <a:fillRef idx="1">
+            <a:schemeClr val="accent1"/>
+          </a:fillRef>
+          <a:effectRef idx="0">
+            <a:schemeClr val="accent1"/>
+          </a:effectRef>
+          <a:fontRef idx="minor">
+            <a:schemeClr val="lt1"/>
+          </a:fontRef>
+        </p:style>
+        <p:txBody>
+          <a:bodyPr rtlCol="0" anchor="ctr"/>
+          <a:lstStyle/>
+          <a:p>
+            <a:pPr algn="ctr" eaLnBrk="1" latinLnBrk="0" hangingPunct="1"/>
+            <a:endParaRPr kumimoji="0" lang="en-US"/>
           </a:p>
         </p:txBody>
       </p:sp>
@@ -1376,7 +1652,12 @@
             <p:ph type="sldNum" sz="quarter" idx="12"/>
           </p:nvPr>
         </p:nvSpPr>
-        <p:spPr/>
+        <p:spPr>
+          <a:xfrm rot="5400000">
+            <a:off x="5989638" y="144462"/>
+            <a:ext cx="533400" cy="244476"/>
+          </a:xfrm>
+        </p:spPr>
         <p:txBody>
           <a:bodyPr/>
           <a:lstStyle/>
@@ -1390,14 +1671,9 @@
         </p:txBody>
       </p:sp>
     </p:spTree>
-    <p:extLst>
-      <p:ext uri="{BB962C8B-B14F-4D97-AF65-F5344CB8AC3E}">
-        <p14:creationId xmlns:p14="http://schemas.microsoft.com/office/powerpoint/2010/main" val="215691843"/>
-      </p:ext>
-    </p:extLst>
   </p:cSld>
   <p:clrMapOvr>
-    <a:masterClrMapping/>
+    <a:overrideClrMapping bg1="lt1" tx1="dk1" bg2="lt2" tx2="dk2" accent1="accent1" accent2="accent2" accent3="accent3" accent4="accent4" accent5="accent5" accent6="accent6" hlink="hlink" folHlink="folHlink"/>
   </p:clrMapOvr>
 </p:sldLayout>
 </file>
@@ -1429,68 +1705,21 @@
             <p:ph type="title"/>
           </p:nvPr>
         </p:nvSpPr>
-        <p:spPr/>
+        <p:spPr>
+          <a:xfrm>
+            <a:off x="612648" y="228600"/>
+            <a:ext cx="8153400" cy="990600"/>
+          </a:xfrm>
+        </p:spPr>
         <p:txBody>
           <a:bodyPr/>
           <a:lstStyle/>
           <a:p>
             <a:r>
-              <a:rPr lang="en-US" smtClean="0"/>
+              <a:rPr kumimoji="0" lang="en-US" smtClean="0"/>
               <a:t>Click to edit Master title style</a:t>
             </a:r>
-            <a:endParaRPr lang="en-US"/>
-          </a:p>
-        </p:txBody>
-      </p:sp>
-      <p:sp>
-        <p:nvSpPr>
-          <p:cNvPr id="3" name="Content Placeholder 2"/>
-          <p:cNvSpPr>
-            <a:spLocks noGrp="1"/>
-          </p:cNvSpPr>
-          <p:nvPr>
-            <p:ph idx="1"/>
-          </p:nvPr>
-        </p:nvSpPr>
-        <p:spPr/>
-        <p:txBody>
-          <a:bodyPr/>
-          <a:lstStyle/>
-          <a:p>
-            <a:pPr lvl="0"/>
-            <a:r>
-              <a:rPr lang="en-US" smtClean="0"/>
-              <a:t>Click to edit Master text styles</a:t>
-            </a:r>
-          </a:p>
-          <a:p>
-            <a:pPr lvl="1"/>
-            <a:r>
-              <a:rPr lang="en-US" smtClean="0"/>
-              <a:t>Second level</a:t>
-            </a:r>
-          </a:p>
-          <a:p>
-            <a:pPr lvl="2"/>
-            <a:r>
-              <a:rPr lang="en-US" smtClean="0"/>
-              <a:t>Third level</a:t>
-            </a:r>
-          </a:p>
-          <a:p>
-            <a:pPr lvl="3"/>
-            <a:r>
-              <a:rPr lang="en-US" smtClean="0"/>
-              <a:t>Fourth level</a:t>
-            </a:r>
-          </a:p>
-          <a:p>
-            <a:pPr lvl="4"/>
-            <a:r>
-              <a:rPr lang="en-US" smtClean="0"/>
-              <a:t>Fifth level</a:t>
-            </a:r>
-            <a:endParaRPr lang="en-US"/>
+            <a:endParaRPr kumimoji="0" lang="en-US"/>
           </a:p>
         </p:txBody>
       </p:sp>
@@ -1511,7 +1740,7 @@
           <a:p>
             <a:fld id="{257F89B5-D415-6245-AE1B-ED154C7ABB6E}" type="datetimeFigureOut">
               <a:rPr lang="en-US" smtClean="0"/>
-              <a:t>1/7/14</a:t>
+              <a:t>1/8/14</a:t>
             </a:fld>
             <a:endParaRPr lang="en-US"/>
           </a:p>
@@ -1549,7 +1778,15 @@
         <p:spPr/>
         <p:txBody>
           <a:bodyPr/>
-          <a:lstStyle/>
+          <a:lstStyle>
+            <a:lvl1pPr>
+              <a:defRPr>
+                <a:solidFill>
+                  <a:srgbClr val="FFFFFF"/>
+                </a:solidFill>
+              </a:defRPr>
+            </a:lvl1pPr>
+          </a:lstStyle>
           <a:p>
             <a:fld id="{897A028C-199E-7141-BE87-2F3BEB4C459D}" type="slidenum">
               <a:rPr lang="en-US" smtClean="0"/>
@@ -1559,12 +1796,64 @@
           </a:p>
         </p:txBody>
       </p:sp>
+      <p:sp>
+        <p:nvSpPr>
+          <p:cNvPr id="8" name="Content Placeholder 7"/>
+          <p:cNvSpPr>
+            <a:spLocks noGrp="1"/>
+          </p:cNvSpPr>
+          <p:nvPr>
+            <p:ph sz="quarter" idx="1"/>
+          </p:nvPr>
+        </p:nvSpPr>
+        <p:spPr>
+          <a:xfrm>
+            <a:off x="612648" y="1600200"/>
+            <a:ext cx="8153400" cy="4495800"/>
+          </a:xfrm>
+        </p:spPr>
+        <p:txBody>
+          <a:bodyPr/>
+          <a:lstStyle/>
+          <a:p>
+            <a:pPr lvl="0" eaLnBrk="1" latinLnBrk="0" hangingPunct="1"/>
+            <a:r>
+              <a:rPr lang="en-US" smtClean="0"/>
+              <a:t>Click to edit Master text styles</a:t>
+            </a:r>
+          </a:p>
+          <a:p>
+            <a:pPr lvl="1" eaLnBrk="1" latinLnBrk="0" hangingPunct="1"/>
+            <a:r>
+              <a:rPr lang="en-US" smtClean="0"/>
+              <a:t>Second level</a:t>
+            </a:r>
+          </a:p>
+          <a:p>
+            <a:pPr lvl="2" eaLnBrk="1" latinLnBrk="0" hangingPunct="1"/>
+            <a:r>
+              <a:rPr lang="en-US" smtClean="0"/>
+              <a:t>Third level</a:t>
+            </a:r>
+          </a:p>
+          <a:p>
+            <a:pPr lvl="3" eaLnBrk="1" latinLnBrk="0" hangingPunct="1"/>
+            <a:r>
+              <a:rPr lang="en-US" smtClean="0"/>
+              <a:t>Fourth level</a:t>
+            </a:r>
+          </a:p>
+          <a:p>
+            <a:pPr lvl="4" eaLnBrk="1" latinLnBrk="0" hangingPunct="1"/>
+            <a:r>
+              <a:rPr lang="en-US" smtClean="0"/>
+              <a:t>Fifth level</a:t>
+            </a:r>
+            <a:endParaRPr kumimoji="0" lang="en-US"/>
+          </a:p>
+        </p:txBody>
+      </p:sp>
     </p:spTree>
-    <p:extLst>
-      <p:ext uri="{BB962C8B-B14F-4D97-AF65-F5344CB8AC3E}">
-        <p14:creationId xmlns:p14="http://schemas.microsoft.com/office/powerpoint/2010/main" val="1984182714"/>
-      </p:ext>
-    </p:extLst>
   </p:cSld>
   <p:clrMapOvr>
     <a:masterClrMapping/>
@@ -1573,8 +1862,13 @@
 </file>
 
 <file path=ppt/slideLayouts/slideLayout3.xml><?xml version="1.0" encoding="utf-8"?>
-<p:sldLayout xmlns:a="http://schemas.openxmlformats.org/drawingml/2006/main" xmlns:r="http://schemas.openxmlformats.org/officeDocument/2006/relationships" xmlns:p="http://schemas.openxmlformats.org/presentationml/2006/main" type="secHead" preserve="1">
+<p:sldLayout xmlns:a="http://schemas.openxmlformats.org/drawingml/2006/main" xmlns:r="http://schemas.openxmlformats.org/officeDocument/2006/relationships" xmlns:p="http://schemas.openxmlformats.org/presentationml/2006/main" showMasterSp="0" type="secHead" preserve="1">
   <p:cSld name="Section Header">
+    <p:bg>
+      <p:bgRef idx="1003">
+        <a:schemeClr val="bg1"/>
+      </p:bgRef>
+    </p:bg>
     <p:spTree>
       <p:nvGrpSpPr>
         <p:cNvPr id="1" name=""/>
@@ -1591,6 +1885,225 @@
       </p:grpSpPr>
       <p:sp>
         <p:nvSpPr>
+          <p:cNvPr id="3" name="Text Placeholder 2"/>
+          <p:cNvSpPr>
+            <a:spLocks noGrp="1"/>
+          </p:cNvSpPr>
+          <p:nvPr>
+            <p:ph type="body" idx="1"/>
+          </p:nvPr>
+        </p:nvSpPr>
+        <p:spPr>
+          <a:xfrm>
+            <a:off x="1371600" y="2743200"/>
+            <a:ext cx="7123113" cy="1673225"/>
+          </a:xfrm>
+        </p:spPr>
+        <p:txBody>
+          <a:bodyPr anchor="t"/>
+          <a:lstStyle>
+            <a:lvl1pPr marL="0" indent="0">
+              <a:buNone/>
+              <a:defRPr sz="2800">
+                <a:solidFill>
+                  <a:schemeClr val="tx2"/>
+                </a:solidFill>
+              </a:defRPr>
+            </a:lvl1pPr>
+            <a:lvl2pPr>
+              <a:buNone/>
+              <a:defRPr sz="1800">
+                <a:solidFill>
+                  <a:schemeClr val="tx1">
+                    <a:tint val="75000"/>
+                  </a:schemeClr>
+                </a:solidFill>
+              </a:defRPr>
+            </a:lvl2pPr>
+            <a:lvl3pPr>
+              <a:buNone/>
+              <a:defRPr sz="1600">
+                <a:solidFill>
+                  <a:schemeClr val="tx1">
+                    <a:tint val="75000"/>
+                  </a:schemeClr>
+                </a:solidFill>
+              </a:defRPr>
+            </a:lvl3pPr>
+            <a:lvl4pPr>
+              <a:buNone/>
+              <a:defRPr sz="1400">
+                <a:solidFill>
+                  <a:schemeClr val="tx1">
+                    <a:tint val="75000"/>
+                  </a:schemeClr>
+                </a:solidFill>
+              </a:defRPr>
+            </a:lvl4pPr>
+            <a:lvl5pPr>
+              <a:buNone/>
+              <a:defRPr sz="1400">
+                <a:solidFill>
+                  <a:schemeClr val="tx1">
+                    <a:tint val="75000"/>
+                  </a:schemeClr>
+                </a:solidFill>
+              </a:defRPr>
+            </a:lvl5pPr>
+          </a:lstStyle>
+          <a:p>
+            <a:pPr lvl="0" eaLnBrk="1" latinLnBrk="0" hangingPunct="1"/>
+            <a:r>
+              <a:rPr kumimoji="0" lang="en-US" smtClean="0"/>
+              <a:t>Click to edit Master text styles</a:t>
+            </a:r>
+          </a:p>
+        </p:txBody>
+      </p:sp>
+      <p:sp>
+        <p:nvSpPr>
+          <p:cNvPr id="7" name="Rectangle 6"/>
+          <p:cNvSpPr/>
+          <p:nvPr/>
+        </p:nvSpPr>
+        <p:spPr bwMode="white">
+          <a:xfrm>
+            <a:off x="0" y="1524000"/>
+            <a:ext cx="9144000" cy="1143000"/>
+          </a:xfrm>
+          <a:prstGeom prst="rect">
+            <a:avLst/>
+          </a:prstGeom>
+          <a:solidFill>
+            <a:srgbClr val="FFFFFF"/>
+          </a:solidFill>
+          <a:ln w="50800" cap="rnd" cmpd="dbl" algn="ctr">
+            <a:noFill/>
+            <a:prstDash val="solid"/>
+          </a:ln>
+          <a:effectLst/>
+        </p:spPr>
+        <p:style>
+          <a:lnRef idx="3">
+            <a:schemeClr val="lt1"/>
+          </a:lnRef>
+          <a:fillRef idx="1">
+            <a:schemeClr val="accent1"/>
+          </a:fillRef>
+          <a:effectRef idx="1">
+            <a:schemeClr val="accent1"/>
+          </a:effectRef>
+          <a:fontRef idx="minor">
+            <a:schemeClr val="lt1"/>
+          </a:fontRef>
+        </p:style>
+        <p:txBody>
+          <a:bodyPr anchor="ctr"/>
+          <a:lstStyle/>
+          <a:p>
+            <a:pPr algn="ctr" eaLnBrk="1" latinLnBrk="0" hangingPunct="1"/>
+            <a:endParaRPr kumimoji="0" lang="en-US"/>
+          </a:p>
+        </p:txBody>
+      </p:sp>
+      <p:sp>
+        <p:nvSpPr>
+          <p:cNvPr id="8" name="Rectangle 7"/>
+          <p:cNvSpPr/>
+          <p:nvPr/>
+        </p:nvSpPr>
+        <p:spPr>
+          <a:xfrm>
+            <a:off x="0" y="1600200"/>
+            <a:ext cx="1295400" cy="990600"/>
+          </a:xfrm>
+          <a:prstGeom prst="rect">
+            <a:avLst/>
+          </a:prstGeom>
+          <a:solidFill>
+            <a:schemeClr val="accent2">
+              <a:alpha val="100000"/>
+            </a:schemeClr>
+          </a:solidFill>
+          <a:ln w="50800" cap="rnd" cmpd="dbl" algn="ctr">
+            <a:noFill/>
+            <a:prstDash val="solid"/>
+          </a:ln>
+          <a:effectLst/>
+        </p:spPr>
+        <p:style>
+          <a:lnRef idx="3">
+            <a:schemeClr val="lt1"/>
+          </a:lnRef>
+          <a:fillRef idx="1">
+            <a:schemeClr val="accent1"/>
+          </a:fillRef>
+          <a:effectRef idx="1">
+            <a:schemeClr val="accent1"/>
+          </a:effectRef>
+          <a:fontRef idx="minor">
+            <a:schemeClr val="lt1"/>
+          </a:fontRef>
+        </p:style>
+        <p:txBody>
+          <a:bodyPr anchor="ctr"/>
+          <a:lstStyle/>
+          <a:p>
+            <a:pPr algn="ctr" eaLnBrk="1" latinLnBrk="0" hangingPunct="1"/>
+            <a:endParaRPr kumimoji="0" lang="en-US"/>
+          </a:p>
+        </p:txBody>
+      </p:sp>
+      <p:sp>
+        <p:nvSpPr>
+          <p:cNvPr id="9" name="Rectangle 8"/>
+          <p:cNvSpPr/>
+          <p:nvPr/>
+        </p:nvSpPr>
+        <p:spPr>
+          <a:xfrm>
+            <a:off x="1371600" y="1600200"/>
+            <a:ext cx="7772400" cy="990600"/>
+          </a:xfrm>
+          <a:prstGeom prst="rect">
+            <a:avLst/>
+          </a:prstGeom>
+          <a:solidFill>
+            <a:schemeClr val="accent1">
+              <a:alpha val="100000"/>
+            </a:schemeClr>
+          </a:solidFill>
+          <a:ln w="50800" cap="rnd" cmpd="dbl" algn="ctr">
+            <a:noFill/>
+            <a:prstDash val="solid"/>
+          </a:ln>
+          <a:effectLst/>
+        </p:spPr>
+        <p:style>
+          <a:lnRef idx="3">
+            <a:schemeClr val="lt1"/>
+          </a:lnRef>
+          <a:fillRef idx="1">
+            <a:schemeClr val="accent1"/>
+          </a:fillRef>
+          <a:effectRef idx="1">
+            <a:schemeClr val="accent1"/>
+          </a:effectRef>
+          <a:fontRef idx="minor">
+            <a:schemeClr val="lt1"/>
+          </a:fontRef>
+        </p:style>
+        <p:txBody>
+          <a:bodyPr anchor="ctr"/>
+          <a:lstStyle/>
+          <a:p>
+            <a:pPr algn="ctr" eaLnBrk="1" latinLnBrk="0" hangingPunct="1"/>
+            <a:endParaRPr kumimoji="0" lang="en-US"/>
+          </a:p>
+        </p:txBody>
+      </p:sp>
+      <p:sp>
+        <p:nvSpPr>
           <p:cNvPr id="2" name="Title 1"/>
           <p:cNvSpPr>
             <a:spLocks noGrp="1"/>
@@ -1601,148 +2114,34 @@
         </p:nvSpPr>
         <p:spPr>
           <a:xfrm>
-            <a:off x="722313" y="4406900"/>
-            <a:ext cx="7772400" cy="1362075"/>
+            <a:off x="1371600" y="1600200"/>
+            <a:ext cx="7620000" cy="990600"/>
           </a:xfrm>
         </p:spPr>
         <p:txBody>
-          <a:bodyPr anchor="t"/>
+          <a:bodyPr/>
           <a:lstStyle>
             <a:lvl1pPr algn="l">
-              <a:defRPr sz="4000" b="1" cap="all"/>
+              <a:buNone/>
+              <a:defRPr sz="4400" b="0" cap="none">
+                <a:solidFill>
+                  <a:srgbClr val="FFFFFF"/>
+                </a:solidFill>
+              </a:defRPr>
             </a:lvl1pPr>
           </a:lstStyle>
           <a:p>
             <a:r>
-              <a:rPr lang="en-US" smtClean="0"/>
+              <a:rPr kumimoji="0" lang="en-US" smtClean="0"/>
               <a:t>Click to edit Master title style</a:t>
             </a:r>
-            <a:endParaRPr lang="en-US"/>
+            <a:endParaRPr kumimoji="0" lang="en-US"/>
           </a:p>
         </p:txBody>
       </p:sp>
       <p:sp>
         <p:nvSpPr>
-          <p:cNvPr id="3" name="Text Placeholder 2"/>
-          <p:cNvSpPr>
-            <a:spLocks noGrp="1"/>
-          </p:cNvSpPr>
-          <p:nvPr>
-            <p:ph type="body" idx="1"/>
-          </p:nvPr>
-        </p:nvSpPr>
-        <p:spPr>
-          <a:xfrm>
-            <a:off x="722313" y="2906713"/>
-            <a:ext cx="7772400" cy="1500187"/>
-          </a:xfrm>
-        </p:spPr>
-        <p:txBody>
-          <a:bodyPr anchor="b"/>
-          <a:lstStyle>
-            <a:lvl1pPr marL="0" indent="0">
-              <a:buNone/>
-              <a:defRPr sz="2000">
-                <a:solidFill>
-                  <a:schemeClr val="tx1">
-                    <a:tint val="75000"/>
-                  </a:schemeClr>
-                </a:solidFill>
-              </a:defRPr>
-            </a:lvl1pPr>
-            <a:lvl2pPr marL="457200" indent="0">
-              <a:buNone/>
-              <a:defRPr sz="1800">
-                <a:solidFill>
-                  <a:schemeClr val="tx1">
-                    <a:tint val="75000"/>
-                  </a:schemeClr>
-                </a:solidFill>
-              </a:defRPr>
-            </a:lvl2pPr>
-            <a:lvl3pPr marL="914400" indent="0">
-              <a:buNone/>
-              <a:defRPr sz="1600">
-                <a:solidFill>
-                  <a:schemeClr val="tx1">
-                    <a:tint val="75000"/>
-                  </a:schemeClr>
-                </a:solidFill>
-              </a:defRPr>
-            </a:lvl3pPr>
-            <a:lvl4pPr marL="1371600" indent="0">
-              <a:buNone/>
-              <a:defRPr sz="1400">
-                <a:solidFill>
-                  <a:schemeClr val="tx1">
-                    <a:tint val="75000"/>
-                  </a:schemeClr>
-                </a:solidFill>
-              </a:defRPr>
-            </a:lvl4pPr>
-            <a:lvl5pPr marL="1828800" indent="0">
-              <a:buNone/>
-              <a:defRPr sz="1400">
-                <a:solidFill>
-                  <a:schemeClr val="tx1">
-                    <a:tint val="75000"/>
-                  </a:schemeClr>
-                </a:solidFill>
-              </a:defRPr>
-            </a:lvl5pPr>
-            <a:lvl6pPr marL="2286000" indent="0">
-              <a:buNone/>
-              <a:defRPr sz="1400">
-                <a:solidFill>
-                  <a:schemeClr val="tx1">
-                    <a:tint val="75000"/>
-                  </a:schemeClr>
-                </a:solidFill>
-              </a:defRPr>
-            </a:lvl6pPr>
-            <a:lvl7pPr marL="2743200" indent="0">
-              <a:buNone/>
-              <a:defRPr sz="1400">
-                <a:solidFill>
-                  <a:schemeClr val="tx1">
-                    <a:tint val="75000"/>
-                  </a:schemeClr>
-                </a:solidFill>
-              </a:defRPr>
-            </a:lvl7pPr>
-            <a:lvl8pPr marL="3200400" indent="0">
-              <a:buNone/>
-              <a:defRPr sz="1400">
-                <a:solidFill>
-                  <a:schemeClr val="tx1">
-                    <a:tint val="75000"/>
-                  </a:schemeClr>
-                </a:solidFill>
-              </a:defRPr>
-            </a:lvl8pPr>
-            <a:lvl9pPr marL="3657600" indent="0">
-              <a:buNone/>
-              <a:defRPr sz="1400">
-                <a:solidFill>
-                  <a:schemeClr val="tx1">
-                    <a:tint val="75000"/>
-                  </a:schemeClr>
-                </a:solidFill>
-              </a:defRPr>
-            </a:lvl9pPr>
-          </a:lstStyle>
-          <a:p>
-            <a:pPr lvl="0"/>
-            <a:r>
-              <a:rPr lang="en-US" smtClean="0"/>
-              <a:t>Click to edit Master text styles</a:t>
-            </a:r>
-          </a:p>
-        </p:txBody>
-      </p:sp>
-      <p:sp>
-        <p:nvSpPr>
-          <p:cNvPr id="4" name="Date Placeholder 3"/>
+          <p:cNvPr id="12" name="Date Placeholder 11"/>
           <p:cNvSpPr>
             <a:spLocks noGrp="1"/>
           </p:cNvSpPr>
@@ -1757,7 +2156,7 @@
           <a:p>
             <a:fld id="{257F89B5-D415-6245-AE1B-ED154C7ABB6E}" type="datetimeFigureOut">
               <a:rPr lang="en-US" smtClean="0"/>
-              <a:t>1/7/14</a:t>
+              <a:t>1/8/14</a:t>
             </a:fld>
             <a:endParaRPr lang="en-US"/>
           </a:p>
@@ -1765,12 +2164,50 @@
       </p:sp>
       <p:sp>
         <p:nvSpPr>
-          <p:cNvPr id="5" name="Footer Placeholder 4"/>
+          <p:cNvPr id="13" name="Slide Number Placeholder 12"/>
           <p:cNvSpPr>
             <a:spLocks noGrp="1"/>
           </p:cNvSpPr>
           <p:nvPr>
-            <p:ph type="ftr" sz="quarter" idx="11"/>
+            <p:ph type="sldNum" sz="quarter" idx="11"/>
+          </p:nvPr>
+        </p:nvSpPr>
+        <p:spPr>
+          <a:xfrm>
+            <a:off x="0" y="1752600"/>
+            <a:ext cx="1295400" cy="701676"/>
+          </a:xfrm>
+        </p:spPr>
+        <p:txBody>
+          <a:bodyPr>
+            <a:noAutofit/>
+          </a:bodyPr>
+          <a:lstStyle>
+            <a:lvl1pPr>
+              <a:defRPr sz="2400">
+                <a:solidFill>
+                  <a:srgbClr val="FFFFFF"/>
+                </a:solidFill>
+              </a:defRPr>
+            </a:lvl1pPr>
+          </a:lstStyle>
+          <a:p>
+            <a:fld id="{897A028C-199E-7141-BE87-2F3BEB4C459D}" type="slidenum">
+              <a:rPr lang="en-US" smtClean="0"/>
+              <a:t>‹#›</a:t>
+            </a:fld>
+            <a:endParaRPr lang="en-US"/>
+          </a:p>
+        </p:txBody>
+      </p:sp>
+      <p:sp>
+        <p:nvSpPr>
+          <p:cNvPr id="14" name="Footer Placeholder 13"/>
+          <p:cNvSpPr>
+            <a:spLocks noGrp="1"/>
+          </p:cNvSpPr>
+          <p:nvPr>
+            <p:ph type="ftr" sz="quarter" idx="12"/>
           </p:nvPr>
         </p:nvSpPr>
         <p:spPr/>
@@ -1782,38 +2219,10 @@
           </a:p>
         </p:txBody>
       </p:sp>
-      <p:sp>
-        <p:nvSpPr>
-          <p:cNvPr id="6" name="Slide Number Placeholder 5"/>
-          <p:cNvSpPr>
-            <a:spLocks noGrp="1"/>
-          </p:cNvSpPr>
-          <p:nvPr>
-            <p:ph type="sldNum" sz="quarter" idx="12"/>
-          </p:nvPr>
-        </p:nvSpPr>
-        <p:spPr/>
-        <p:txBody>
-          <a:bodyPr/>
-          <a:lstStyle/>
-          <a:p>
-            <a:fld id="{897A028C-199E-7141-BE87-2F3BEB4C459D}" type="slidenum">
-              <a:rPr lang="en-US" smtClean="0"/>
-              <a:t>‹#›</a:t>
-            </a:fld>
-            <a:endParaRPr lang="en-US"/>
-          </a:p>
-        </p:txBody>
-      </p:sp>
     </p:spTree>
-    <p:extLst>
-      <p:ext uri="{BB962C8B-B14F-4D97-AF65-F5344CB8AC3E}">
-        <p14:creationId xmlns:p14="http://schemas.microsoft.com/office/powerpoint/2010/main" val="94905160"/>
-      </p:ext>
-    </p:extLst>
   </p:cSld>
   <p:clrMapOvr>
-    <a:masterClrMapping/>
+    <a:overrideClrMapping bg1="lt1" tx1="dk1" bg2="lt2" tx2="dk2" accent1="accent1" accent2="accent2" accent3="accent3" accent4="accent4" accent5="accent5" accent6="accent6" hlink="hlink" folHlink="folHlink"/>
   </p:clrMapOvr>
 </p:sldLayout>
 </file>
@@ -1851,201 +2260,145 @@
           <a:lstStyle/>
           <a:p>
             <a:r>
-              <a:rPr lang="en-US" smtClean="0"/>
+              <a:rPr kumimoji="0" lang="en-US" smtClean="0"/>
               <a:t>Click to edit Master title style</a:t>
             </a:r>
-            <a:endParaRPr lang="en-US"/>
+            <a:endParaRPr kumimoji="0" lang="en-US"/>
           </a:p>
         </p:txBody>
       </p:sp>
       <p:sp>
         <p:nvSpPr>
-          <p:cNvPr id="3" name="Content Placeholder 2"/>
+          <p:cNvPr id="9" name="Content Placeholder 8"/>
           <p:cNvSpPr>
             <a:spLocks noGrp="1"/>
           </p:cNvSpPr>
           <p:nvPr>
-            <p:ph sz="half" idx="1"/>
+            <p:ph sz="quarter" idx="1"/>
           </p:nvPr>
         </p:nvSpPr>
         <p:spPr>
           <a:xfrm>
-            <a:off x="457200" y="1600200"/>
-            <a:ext cx="4038600" cy="4525963"/>
+            <a:off x="609600" y="1589567"/>
+            <a:ext cx="3886200" cy="4572000"/>
           </a:xfrm>
         </p:spPr>
         <p:txBody>
           <a:bodyPr/>
-          <a:lstStyle>
-            <a:lvl1pPr>
-              <a:defRPr sz="2800"/>
-            </a:lvl1pPr>
-            <a:lvl2pPr>
-              <a:defRPr sz="2400"/>
-            </a:lvl2pPr>
-            <a:lvl3pPr>
-              <a:defRPr sz="2000"/>
-            </a:lvl3pPr>
-            <a:lvl4pPr>
-              <a:defRPr sz="1800"/>
-            </a:lvl4pPr>
-            <a:lvl5pPr>
-              <a:defRPr sz="1800"/>
-            </a:lvl5pPr>
-            <a:lvl6pPr>
-              <a:defRPr sz="1800"/>
-            </a:lvl6pPr>
-            <a:lvl7pPr>
-              <a:defRPr sz="1800"/>
-            </a:lvl7pPr>
-            <a:lvl8pPr>
-              <a:defRPr sz="1800"/>
-            </a:lvl8pPr>
-            <a:lvl9pPr>
-              <a:defRPr sz="1800"/>
-            </a:lvl9pPr>
-          </a:lstStyle>
-          <a:p>
-            <a:pPr lvl="0"/>
+          <a:lstStyle/>
+          <a:p>
+            <a:pPr lvl="0" eaLnBrk="1" latinLnBrk="0" hangingPunct="1"/>
             <a:r>
               <a:rPr lang="en-US" smtClean="0"/>
               <a:t>Click to edit Master text styles</a:t>
             </a:r>
           </a:p>
           <a:p>
-            <a:pPr lvl="1"/>
+            <a:pPr lvl="1" eaLnBrk="1" latinLnBrk="0" hangingPunct="1"/>
             <a:r>
               <a:rPr lang="en-US" smtClean="0"/>
               <a:t>Second level</a:t>
             </a:r>
           </a:p>
           <a:p>
-            <a:pPr lvl="2"/>
+            <a:pPr lvl="2" eaLnBrk="1" latinLnBrk="0" hangingPunct="1"/>
             <a:r>
               <a:rPr lang="en-US" smtClean="0"/>
               <a:t>Third level</a:t>
             </a:r>
           </a:p>
           <a:p>
-            <a:pPr lvl="3"/>
+            <a:pPr lvl="3" eaLnBrk="1" latinLnBrk="0" hangingPunct="1"/>
             <a:r>
               <a:rPr lang="en-US" smtClean="0"/>
               <a:t>Fourth level</a:t>
             </a:r>
           </a:p>
           <a:p>
-            <a:pPr lvl="4"/>
+            <a:pPr lvl="4" eaLnBrk="1" latinLnBrk="0" hangingPunct="1"/>
             <a:r>
               <a:rPr lang="en-US" smtClean="0"/>
               <a:t>Fifth level</a:t>
             </a:r>
-            <a:endParaRPr lang="en-US"/>
+            <a:endParaRPr kumimoji="0" lang="en-US"/>
           </a:p>
         </p:txBody>
       </p:sp>
       <p:sp>
         <p:nvSpPr>
-          <p:cNvPr id="4" name="Content Placeholder 3"/>
+          <p:cNvPr id="11" name="Content Placeholder 10"/>
           <p:cNvSpPr>
             <a:spLocks noGrp="1"/>
           </p:cNvSpPr>
           <p:nvPr>
-            <p:ph sz="half" idx="2"/>
+            <p:ph sz="quarter" idx="2"/>
           </p:nvPr>
         </p:nvSpPr>
         <p:spPr>
           <a:xfrm>
-            <a:off x="4648200" y="1600200"/>
-            <a:ext cx="4038600" cy="4525963"/>
+            <a:off x="4844901" y="1589567"/>
+            <a:ext cx="3886200" cy="4572000"/>
           </a:xfrm>
         </p:spPr>
         <p:txBody>
           <a:bodyPr/>
-          <a:lstStyle>
-            <a:lvl1pPr>
-              <a:defRPr sz="2800"/>
-            </a:lvl1pPr>
-            <a:lvl2pPr>
-              <a:defRPr sz="2400"/>
-            </a:lvl2pPr>
-            <a:lvl3pPr>
-              <a:defRPr sz="2000"/>
-            </a:lvl3pPr>
-            <a:lvl4pPr>
-              <a:defRPr sz="1800"/>
-            </a:lvl4pPr>
-            <a:lvl5pPr>
-              <a:defRPr sz="1800"/>
-            </a:lvl5pPr>
-            <a:lvl6pPr>
-              <a:defRPr sz="1800"/>
-            </a:lvl6pPr>
-            <a:lvl7pPr>
-              <a:defRPr sz="1800"/>
-            </a:lvl7pPr>
-            <a:lvl8pPr>
-              <a:defRPr sz="1800"/>
-            </a:lvl8pPr>
-            <a:lvl9pPr>
-              <a:defRPr sz="1800"/>
-            </a:lvl9pPr>
-          </a:lstStyle>
-          <a:p>
-            <a:pPr lvl="0"/>
+          <a:lstStyle/>
+          <a:p>
+            <a:pPr lvl="0" eaLnBrk="1" latinLnBrk="0" hangingPunct="1"/>
             <a:r>
               <a:rPr lang="en-US" smtClean="0"/>
               <a:t>Click to edit Master text styles</a:t>
             </a:r>
           </a:p>
           <a:p>
-            <a:pPr lvl="1"/>
+            <a:pPr lvl="1" eaLnBrk="1" latinLnBrk="0" hangingPunct="1"/>
             <a:r>
               <a:rPr lang="en-US" smtClean="0"/>
               <a:t>Second level</a:t>
             </a:r>
           </a:p>
           <a:p>
-            <a:pPr lvl="2"/>
+            <a:pPr lvl="2" eaLnBrk="1" latinLnBrk="0" hangingPunct="1"/>
             <a:r>
               <a:rPr lang="en-US" smtClean="0"/>
               <a:t>Third level</a:t>
             </a:r>
           </a:p>
           <a:p>
-            <a:pPr lvl="3"/>
+            <a:pPr lvl="3" eaLnBrk="1" latinLnBrk="0" hangingPunct="1"/>
             <a:r>
               <a:rPr lang="en-US" smtClean="0"/>
               <a:t>Fourth level</a:t>
             </a:r>
           </a:p>
           <a:p>
-            <a:pPr lvl="4"/>
+            <a:pPr lvl="4" eaLnBrk="1" latinLnBrk="0" hangingPunct="1"/>
             <a:r>
               <a:rPr lang="en-US" smtClean="0"/>
               <a:t>Fifth level</a:t>
             </a:r>
-            <a:endParaRPr lang="en-US"/>
+            <a:endParaRPr kumimoji="0" lang="en-US"/>
           </a:p>
         </p:txBody>
       </p:sp>
       <p:sp>
         <p:nvSpPr>
-          <p:cNvPr id="5" name="Date Placeholder 4"/>
+          <p:cNvPr id="8" name="Date Placeholder 7"/>
           <p:cNvSpPr>
             <a:spLocks noGrp="1"/>
           </p:cNvSpPr>
           <p:nvPr>
-            <p:ph type="dt" sz="half" idx="10"/>
+            <p:ph type="dt" sz="half" idx="15"/>
           </p:nvPr>
         </p:nvSpPr>
         <p:spPr/>
         <p:txBody>
-          <a:bodyPr/>
+          <a:bodyPr rtlCol="0"/>
           <a:lstStyle/>
           <a:p>
             <a:fld id="{257F89B5-D415-6245-AE1B-ED154C7ABB6E}" type="datetimeFigureOut">
               <a:rPr lang="en-US" smtClean="0"/>
-              <a:t>1/7/14</a:t>
+              <a:t>1/8/14</a:t>
             </a:fld>
             <a:endParaRPr lang="en-US"/>
           </a:p>
@@ -2053,36 +2406,17 @@
       </p:sp>
       <p:sp>
         <p:nvSpPr>
-          <p:cNvPr id="6" name="Footer Placeholder 5"/>
+          <p:cNvPr id="10" name="Slide Number Placeholder 9"/>
           <p:cNvSpPr>
             <a:spLocks noGrp="1"/>
           </p:cNvSpPr>
           <p:nvPr>
-            <p:ph type="ftr" sz="quarter" idx="11"/>
+            <p:ph type="sldNum" sz="quarter" idx="16"/>
           </p:nvPr>
         </p:nvSpPr>
         <p:spPr/>
         <p:txBody>
-          <a:bodyPr/>
-          <a:lstStyle/>
-          <a:p>
-            <a:endParaRPr lang="en-US"/>
-          </a:p>
-        </p:txBody>
-      </p:sp>
-      <p:sp>
-        <p:nvSpPr>
-          <p:cNvPr id="7" name="Slide Number Placeholder 6"/>
-          <p:cNvSpPr>
-            <a:spLocks noGrp="1"/>
-          </p:cNvSpPr>
-          <p:nvPr>
-            <p:ph type="sldNum" sz="quarter" idx="12"/>
-          </p:nvPr>
-        </p:nvSpPr>
-        <p:spPr/>
-        <p:txBody>
-          <a:bodyPr/>
+          <a:bodyPr rtlCol="0"/>
           <a:lstStyle/>
           <a:p>
             <a:fld id="{897A028C-199E-7141-BE87-2F3BEB4C459D}" type="slidenum">
@@ -2093,12 +2427,26 @@
           </a:p>
         </p:txBody>
       </p:sp>
+      <p:sp>
+        <p:nvSpPr>
+          <p:cNvPr id="12" name="Footer Placeholder 11"/>
+          <p:cNvSpPr>
+            <a:spLocks noGrp="1"/>
+          </p:cNvSpPr>
+          <p:nvPr>
+            <p:ph type="ftr" sz="quarter" idx="17"/>
+          </p:nvPr>
+        </p:nvSpPr>
+        <p:spPr/>
+        <p:txBody>
+          <a:bodyPr rtlCol="0"/>
+          <a:lstStyle/>
+          <a:p>
+            <a:endParaRPr lang="en-US"/>
+          </a:p>
+        </p:txBody>
+      </p:sp>
     </p:spTree>
-    <p:extLst>
-      <p:ext uri="{BB962C8B-B14F-4D97-AF65-F5344CB8AC3E}">
-        <p14:creationId xmlns:p14="http://schemas.microsoft.com/office/powerpoint/2010/main" val="3512803170"/>
-      </p:ext>
-    </p:extLst>
   </p:cSld>
   <p:clrMapOvr>
     <a:masterClrMapping/>
@@ -2133,9 +2481,14 @@
             <p:ph type="title"/>
           </p:nvPr>
         </p:nvSpPr>
-        <p:spPr/>
+        <p:spPr>
+          <a:xfrm>
+            <a:off x="533400" y="273050"/>
+            <a:ext cx="8153400" cy="869950"/>
+          </a:xfrm>
+        </p:spPr>
         <p:txBody>
-          <a:bodyPr/>
+          <a:bodyPr anchor="ctr"/>
           <a:lstStyle>
             <a:lvl1pPr>
               <a:defRPr/>
@@ -2143,166 +2496,236 @@
           </a:lstStyle>
           <a:p>
             <a:r>
-              <a:rPr lang="en-US" smtClean="0"/>
+              <a:rPr kumimoji="0" lang="en-US" smtClean="0"/>
               <a:t>Click to edit Master title style</a:t>
             </a:r>
-            <a:endParaRPr lang="en-US"/>
+            <a:endParaRPr kumimoji="0" lang="en-US"/>
           </a:p>
         </p:txBody>
       </p:sp>
       <p:sp>
         <p:nvSpPr>
-          <p:cNvPr id="3" name="Text Placeholder 2"/>
+          <p:cNvPr id="11" name="Content Placeholder 10"/>
           <p:cNvSpPr>
             <a:spLocks noGrp="1"/>
           </p:cNvSpPr>
           <p:nvPr>
-            <p:ph type="body" idx="1"/>
+            <p:ph sz="quarter" idx="2"/>
           </p:nvPr>
         </p:nvSpPr>
         <p:spPr>
           <a:xfrm>
-            <a:off x="457200" y="1535113"/>
-            <a:ext cx="4040188" cy="639762"/>
+            <a:off x="609600" y="2438400"/>
+            <a:ext cx="3886200" cy="3581400"/>
           </a:xfrm>
         </p:spPr>
         <p:txBody>
-          <a:bodyPr anchor="b"/>
-          <a:lstStyle>
-            <a:lvl1pPr marL="0" indent="0">
-              <a:buNone/>
-              <a:defRPr sz="2400" b="1"/>
-            </a:lvl1pPr>
-            <a:lvl2pPr marL="457200" indent="0">
-              <a:buNone/>
-              <a:defRPr sz="2000" b="1"/>
-            </a:lvl2pPr>
-            <a:lvl3pPr marL="914400" indent="0">
-              <a:buNone/>
-              <a:defRPr sz="1800" b="1"/>
-            </a:lvl3pPr>
-            <a:lvl4pPr marL="1371600" indent="0">
-              <a:buNone/>
-              <a:defRPr sz="1600" b="1"/>
-            </a:lvl4pPr>
-            <a:lvl5pPr marL="1828800" indent="0">
-              <a:buNone/>
-              <a:defRPr sz="1600" b="1"/>
-            </a:lvl5pPr>
-            <a:lvl6pPr marL="2286000" indent="0">
-              <a:buNone/>
-              <a:defRPr sz="1600" b="1"/>
-            </a:lvl6pPr>
-            <a:lvl7pPr marL="2743200" indent="0">
-              <a:buNone/>
-              <a:defRPr sz="1600" b="1"/>
-            </a:lvl7pPr>
-            <a:lvl8pPr marL="3200400" indent="0">
-              <a:buNone/>
-              <a:defRPr sz="1600" b="1"/>
-            </a:lvl8pPr>
-            <a:lvl9pPr marL="3657600" indent="0">
-              <a:buNone/>
-              <a:defRPr sz="1600" b="1"/>
-            </a:lvl9pPr>
-          </a:lstStyle>
-          <a:p>
-            <a:pPr lvl="0"/>
+          <a:bodyPr/>
+          <a:lstStyle/>
+          <a:p>
+            <a:pPr lvl="0" eaLnBrk="1" latinLnBrk="0" hangingPunct="1"/>
             <a:r>
               <a:rPr lang="en-US" smtClean="0"/>
               <a:t>Click to edit Master text styles</a:t>
             </a:r>
+          </a:p>
+          <a:p>
+            <a:pPr lvl="1" eaLnBrk="1" latinLnBrk="0" hangingPunct="1"/>
+            <a:r>
+              <a:rPr lang="en-US" smtClean="0"/>
+              <a:t>Second level</a:t>
+            </a:r>
+          </a:p>
+          <a:p>
+            <a:pPr lvl="2" eaLnBrk="1" latinLnBrk="0" hangingPunct="1"/>
+            <a:r>
+              <a:rPr lang="en-US" smtClean="0"/>
+              <a:t>Third level</a:t>
+            </a:r>
+          </a:p>
+          <a:p>
+            <a:pPr lvl="3" eaLnBrk="1" latinLnBrk="0" hangingPunct="1"/>
+            <a:r>
+              <a:rPr lang="en-US" smtClean="0"/>
+              <a:t>Fourth level</a:t>
+            </a:r>
+          </a:p>
+          <a:p>
+            <a:pPr lvl="4" eaLnBrk="1" latinLnBrk="0" hangingPunct="1"/>
+            <a:r>
+              <a:rPr lang="en-US" smtClean="0"/>
+              <a:t>Fifth level</a:t>
+            </a:r>
+            <a:endParaRPr kumimoji="0" lang="en-US"/>
           </a:p>
         </p:txBody>
       </p:sp>
       <p:sp>
         <p:nvSpPr>
-          <p:cNvPr id="4" name="Content Placeholder 3"/>
+          <p:cNvPr id="13" name="Content Placeholder 12"/>
           <p:cNvSpPr>
             <a:spLocks noGrp="1"/>
           </p:cNvSpPr>
           <p:nvPr>
-            <p:ph sz="half" idx="2"/>
+            <p:ph sz="quarter" idx="4"/>
           </p:nvPr>
         </p:nvSpPr>
         <p:spPr>
           <a:xfrm>
-            <a:off x="457200" y="2174875"/>
-            <a:ext cx="4040188" cy="3951288"/>
+            <a:off x="4800600" y="2438400"/>
+            <a:ext cx="3886200" cy="3581400"/>
           </a:xfrm>
         </p:spPr>
         <p:txBody>
           <a:bodyPr/>
-          <a:lstStyle>
-            <a:lvl1pPr>
-              <a:defRPr sz="2400"/>
-            </a:lvl1pPr>
-            <a:lvl2pPr>
-              <a:defRPr sz="2000"/>
-            </a:lvl2pPr>
-            <a:lvl3pPr>
-              <a:defRPr sz="1800"/>
-            </a:lvl3pPr>
-            <a:lvl4pPr>
-              <a:defRPr sz="1600"/>
-            </a:lvl4pPr>
-            <a:lvl5pPr>
-              <a:defRPr sz="1600"/>
-            </a:lvl5pPr>
-            <a:lvl6pPr>
-              <a:defRPr sz="1600"/>
-            </a:lvl6pPr>
-            <a:lvl7pPr>
-              <a:defRPr sz="1600"/>
-            </a:lvl7pPr>
-            <a:lvl8pPr>
-              <a:defRPr sz="1600"/>
-            </a:lvl8pPr>
-            <a:lvl9pPr>
-              <a:defRPr sz="1600"/>
-            </a:lvl9pPr>
-          </a:lstStyle>
-          <a:p>
-            <a:pPr lvl="0"/>
+          <a:lstStyle/>
+          <a:p>
+            <a:pPr lvl="0" eaLnBrk="1" latinLnBrk="0" hangingPunct="1"/>
             <a:r>
               <a:rPr lang="en-US" smtClean="0"/>
               <a:t>Click to edit Master text styles</a:t>
             </a:r>
           </a:p>
           <a:p>
-            <a:pPr lvl="1"/>
+            <a:pPr lvl="1" eaLnBrk="1" latinLnBrk="0" hangingPunct="1"/>
             <a:r>
               <a:rPr lang="en-US" smtClean="0"/>
               <a:t>Second level</a:t>
             </a:r>
           </a:p>
           <a:p>
-            <a:pPr lvl="2"/>
+            <a:pPr lvl="2" eaLnBrk="1" latinLnBrk="0" hangingPunct="1"/>
             <a:r>
               <a:rPr lang="en-US" smtClean="0"/>
               <a:t>Third level</a:t>
             </a:r>
           </a:p>
           <a:p>
-            <a:pPr lvl="3"/>
+            <a:pPr lvl="3" eaLnBrk="1" latinLnBrk="0" hangingPunct="1"/>
             <a:r>
               <a:rPr lang="en-US" smtClean="0"/>
               <a:t>Fourth level</a:t>
             </a:r>
           </a:p>
           <a:p>
-            <a:pPr lvl="4"/>
+            <a:pPr lvl="4" eaLnBrk="1" latinLnBrk="0" hangingPunct="1"/>
             <a:r>
               <a:rPr lang="en-US" smtClean="0"/>
               <a:t>Fifth level</a:t>
             </a:r>
-            <a:endParaRPr lang="en-US"/>
+            <a:endParaRPr kumimoji="0" lang="en-US"/>
           </a:p>
         </p:txBody>
       </p:sp>
       <p:sp>
         <p:nvSpPr>
-          <p:cNvPr id="5" name="Text Placeholder 4"/>
+          <p:cNvPr id="10" name="Date Placeholder 9"/>
+          <p:cNvSpPr>
+            <a:spLocks noGrp="1"/>
+          </p:cNvSpPr>
+          <p:nvPr>
+            <p:ph type="dt" sz="half" idx="15"/>
+          </p:nvPr>
+        </p:nvSpPr>
+        <p:spPr/>
+        <p:txBody>
+          <a:bodyPr rtlCol="0"/>
+          <a:lstStyle/>
+          <a:p>
+            <a:fld id="{257F89B5-D415-6245-AE1B-ED154C7ABB6E}" type="datetimeFigureOut">
+              <a:rPr lang="en-US" smtClean="0"/>
+              <a:t>1/8/14</a:t>
+            </a:fld>
+            <a:endParaRPr lang="en-US"/>
+          </a:p>
+        </p:txBody>
+      </p:sp>
+      <p:sp>
+        <p:nvSpPr>
+          <p:cNvPr id="12" name="Slide Number Placeholder 11"/>
+          <p:cNvSpPr>
+            <a:spLocks noGrp="1"/>
+          </p:cNvSpPr>
+          <p:nvPr>
+            <p:ph type="sldNum" sz="quarter" idx="16"/>
+          </p:nvPr>
+        </p:nvSpPr>
+        <p:spPr/>
+        <p:txBody>
+          <a:bodyPr rtlCol="0"/>
+          <a:lstStyle/>
+          <a:p>
+            <a:fld id="{897A028C-199E-7141-BE87-2F3BEB4C459D}" type="slidenum">
+              <a:rPr lang="en-US" smtClean="0"/>
+              <a:t>‹#›</a:t>
+            </a:fld>
+            <a:endParaRPr lang="en-US"/>
+          </a:p>
+        </p:txBody>
+      </p:sp>
+      <p:sp>
+        <p:nvSpPr>
+          <p:cNvPr id="14" name="Footer Placeholder 13"/>
+          <p:cNvSpPr>
+            <a:spLocks noGrp="1"/>
+          </p:cNvSpPr>
+          <p:nvPr>
+            <p:ph type="ftr" sz="quarter" idx="17"/>
+          </p:nvPr>
+        </p:nvSpPr>
+        <p:spPr/>
+        <p:txBody>
+          <a:bodyPr rtlCol="0"/>
+          <a:lstStyle/>
+          <a:p>
+            <a:endParaRPr lang="en-US"/>
+          </a:p>
+        </p:txBody>
+      </p:sp>
+      <p:sp>
+        <p:nvSpPr>
+          <p:cNvPr id="16" name="Text Placeholder 15"/>
+          <p:cNvSpPr>
+            <a:spLocks noGrp="1"/>
+          </p:cNvSpPr>
+          <p:nvPr>
+            <p:ph type="body" sz="quarter" idx="1"/>
+          </p:nvPr>
+        </p:nvSpPr>
+        <p:spPr>
+          <a:xfrm>
+            <a:off x="609600" y="1752600"/>
+            <a:ext cx="3886200" cy="640080"/>
+          </a:xfrm>
+          <a:solidFill>
+            <a:schemeClr val="accent2"/>
+          </a:solidFill>
+        </p:spPr>
+        <p:txBody>
+          <a:bodyPr rtlCol="0" anchor="ctr"/>
+          <a:lstStyle>
+            <a:lvl1pPr marL="0" indent="0">
+              <a:buFontTx/>
+              <a:buNone/>
+              <a:defRPr sz="2000" b="1">
+                <a:solidFill>
+                  <a:srgbClr val="FFFFFF"/>
+                </a:solidFill>
+              </a:defRPr>
+            </a:lvl1pPr>
+          </a:lstStyle>
+          <a:p>
+            <a:pPr lvl="0" eaLnBrk="1" latinLnBrk="0" hangingPunct="1"/>
+            <a:r>
+              <a:rPr kumimoji="0" lang="en-US" smtClean="0"/>
+              <a:t>Click to edit Master text styles</a:t>
+            </a:r>
+          </a:p>
+        </p:txBody>
+      </p:sp>
+      <p:sp>
+        <p:nvSpPr>
+          <p:cNvPr id="15" name="Text Placeholder 14"/>
           <p:cNvSpPr>
             <a:spLocks noGrp="1"/>
           </p:cNvSpPr>
@@ -2312,215 +2735,36 @@
         </p:nvSpPr>
         <p:spPr>
           <a:xfrm>
-            <a:off x="4645025" y="1535113"/>
-            <a:ext cx="4041775" cy="639762"/>
+            <a:off x="4800600" y="1752600"/>
+            <a:ext cx="3886200" cy="640080"/>
           </a:xfrm>
+          <a:solidFill>
+            <a:schemeClr val="accent4"/>
+          </a:solidFill>
         </p:spPr>
         <p:txBody>
-          <a:bodyPr anchor="b"/>
+          <a:bodyPr rtlCol="0" anchor="ctr"/>
           <a:lstStyle>
             <a:lvl1pPr marL="0" indent="0">
+              <a:buFontTx/>
               <a:buNone/>
-              <a:defRPr sz="2400" b="1"/>
+              <a:defRPr sz="2000" b="1">
+                <a:solidFill>
+                  <a:srgbClr val="FFFFFF"/>
+                </a:solidFill>
+              </a:defRPr>
             </a:lvl1pPr>
-            <a:lvl2pPr marL="457200" indent="0">
-              <a:buNone/>
-              <a:defRPr sz="2000" b="1"/>
-            </a:lvl2pPr>
-            <a:lvl3pPr marL="914400" indent="0">
-              <a:buNone/>
-              <a:defRPr sz="1800" b="1"/>
-            </a:lvl3pPr>
-            <a:lvl4pPr marL="1371600" indent="0">
-              <a:buNone/>
-              <a:defRPr sz="1600" b="1"/>
-            </a:lvl4pPr>
-            <a:lvl5pPr marL="1828800" indent="0">
-              <a:buNone/>
-              <a:defRPr sz="1600" b="1"/>
-            </a:lvl5pPr>
-            <a:lvl6pPr marL="2286000" indent="0">
-              <a:buNone/>
-              <a:defRPr sz="1600" b="1"/>
-            </a:lvl6pPr>
-            <a:lvl7pPr marL="2743200" indent="0">
-              <a:buNone/>
-              <a:defRPr sz="1600" b="1"/>
-            </a:lvl7pPr>
-            <a:lvl8pPr marL="3200400" indent="0">
-              <a:buNone/>
-              <a:defRPr sz="1600" b="1"/>
-            </a:lvl8pPr>
-            <a:lvl9pPr marL="3657600" indent="0">
-              <a:buNone/>
-              <a:defRPr sz="1600" b="1"/>
-            </a:lvl9pPr>
           </a:lstStyle>
           <a:p>
-            <a:pPr lvl="0"/>
-            <a:r>
-              <a:rPr lang="en-US" smtClean="0"/>
+            <a:pPr lvl="0" eaLnBrk="1" latinLnBrk="0" hangingPunct="1"/>
+            <a:r>
+              <a:rPr kumimoji="0" lang="en-US" smtClean="0"/>
               <a:t>Click to edit Master text styles</a:t>
             </a:r>
-          </a:p>
-        </p:txBody>
-      </p:sp>
-      <p:sp>
-        <p:nvSpPr>
-          <p:cNvPr id="6" name="Content Placeholder 5"/>
-          <p:cNvSpPr>
-            <a:spLocks noGrp="1"/>
-          </p:cNvSpPr>
-          <p:nvPr>
-            <p:ph sz="quarter" idx="4"/>
-          </p:nvPr>
-        </p:nvSpPr>
-        <p:spPr>
-          <a:xfrm>
-            <a:off x="4645025" y="2174875"/>
-            <a:ext cx="4041775" cy="3951288"/>
-          </a:xfrm>
-        </p:spPr>
-        <p:txBody>
-          <a:bodyPr/>
-          <a:lstStyle>
-            <a:lvl1pPr>
-              <a:defRPr sz="2400"/>
-            </a:lvl1pPr>
-            <a:lvl2pPr>
-              <a:defRPr sz="2000"/>
-            </a:lvl2pPr>
-            <a:lvl3pPr>
-              <a:defRPr sz="1800"/>
-            </a:lvl3pPr>
-            <a:lvl4pPr>
-              <a:defRPr sz="1600"/>
-            </a:lvl4pPr>
-            <a:lvl5pPr>
-              <a:defRPr sz="1600"/>
-            </a:lvl5pPr>
-            <a:lvl6pPr>
-              <a:defRPr sz="1600"/>
-            </a:lvl6pPr>
-            <a:lvl7pPr>
-              <a:defRPr sz="1600"/>
-            </a:lvl7pPr>
-            <a:lvl8pPr>
-              <a:defRPr sz="1600"/>
-            </a:lvl8pPr>
-            <a:lvl9pPr>
-              <a:defRPr sz="1600"/>
-            </a:lvl9pPr>
-          </a:lstStyle>
-          <a:p>
-            <a:pPr lvl="0"/>
-            <a:r>
-              <a:rPr lang="en-US" smtClean="0"/>
-              <a:t>Click to edit Master text styles</a:t>
-            </a:r>
-          </a:p>
-          <a:p>
-            <a:pPr lvl="1"/>
-            <a:r>
-              <a:rPr lang="en-US" smtClean="0"/>
-              <a:t>Second level</a:t>
-            </a:r>
-          </a:p>
-          <a:p>
-            <a:pPr lvl="2"/>
-            <a:r>
-              <a:rPr lang="en-US" smtClean="0"/>
-              <a:t>Third level</a:t>
-            </a:r>
-          </a:p>
-          <a:p>
-            <a:pPr lvl="3"/>
-            <a:r>
-              <a:rPr lang="en-US" smtClean="0"/>
-              <a:t>Fourth level</a:t>
-            </a:r>
-          </a:p>
-          <a:p>
-            <a:pPr lvl="4"/>
-            <a:r>
-              <a:rPr lang="en-US" smtClean="0"/>
-              <a:t>Fifth level</a:t>
-            </a:r>
-            <a:endParaRPr lang="en-US"/>
-          </a:p>
-        </p:txBody>
-      </p:sp>
-      <p:sp>
-        <p:nvSpPr>
-          <p:cNvPr id="7" name="Date Placeholder 6"/>
-          <p:cNvSpPr>
-            <a:spLocks noGrp="1"/>
-          </p:cNvSpPr>
-          <p:nvPr>
-            <p:ph type="dt" sz="half" idx="10"/>
-          </p:nvPr>
-        </p:nvSpPr>
-        <p:spPr/>
-        <p:txBody>
-          <a:bodyPr/>
-          <a:lstStyle/>
-          <a:p>
-            <a:fld id="{257F89B5-D415-6245-AE1B-ED154C7ABB6E}" type="datetimeFigureOut">
-              <a:rPr lang="en-US" smtClean="0"/>
-              <a:t>1/7/14</a:t>
-            </a:fld>
-            <a:endParaRPr lang="en-US"/>
-          </a:p>
-        </p:txBody>
-      </p:sp>
-      <p:sp>
-        <p:nvSpPr>
-          <p:cNvPr id="8" name="Footer Placeholder 7"/>
-          <p:cNvSpPr>
-            <a:spLocks noGrp="1"/>
-          </p:cNvSpPr>
-          <p:nvPr>
-            <p:ph type="ftr" sz="quarter" idx="11"/>
-          </p:nvPr>
-        </p:nvSpPr>
-        <p:spPr/>
-        <p:txBody>
-          <a:bodyPr/>
-          <a:lstStyle/>
-          <a:p>
-            <a:endParaRPr lang="en-US"/>
-          </a:p>
-        </p:txBody>
-      </p:sp>
-      <p:sp>
-        <p:nvSpPr>
-          <p:cNvPr id="9" name="Slide Number Placeholder 8"/>
-          <p:cNvSpPr>
-            <a:spLocks noGrp="1"/>
-          </p:cNvSpPr>
-          <p:nvPr>
-            <p:ph type="sldNum" sz="quarter" idx="12"/>
-          </p:nvPr>
-        </p:nvSpPr>
-        <p:spPr/>
-        <p:txBody>
-          <a:bodyPr/>
-          <a:lstStyle/>
-          <a:p>
-            <a:fld id="{897A028C-199E-7141-BE87-2F3BEB4C459D}" type="slidenum">
-              <a:rPr lang="en-US" smtClean="0"/>
-              <a:t>‹#›</a:t>
-            </a:fld>
-            <a:endParaRPr lang="en-US"/>
           </a:p>
         </p:txBody>
       </p:sp>
     </p:spTree>
-    <p:extLst>
-      <p:ext uri="{BB962C8B-B14F-4D97-AF65-F5344CB8AC3E}">
-        <p14:creationId xmlns:p14="http://schemas.microsoft.com/office/powerpoint/2010/main" val="1752519082"/>
-      </p:ext>
-    </p:extLst>
   </p:cSld>
   <p:clrMapOvr>
     <a:masterClrMapping/>
@@ -2561,10 +2805,10 @@
           <a:lstStyle/>
           <a:p>
             <a:r>
-              <a:rPr lang="en-US" smtClean="0"/>
+              <a:rPr kumimoji="0" lang="en-US" smtClean="0"/>
               <a:t>Click to edit Master title style</a:t>
             </a:r>
-            <a:endParaRPr lang="en-US"/>
+            <a:endParaRPr kumimoji="0" lang="en-US"/>
           </a:p>
         </p:txBody>
       </p:sp>
@@ -2585,7 +2829,7 @@
           <a:p>
             <a:fld id="{257F89B5-D415-6245-AE1B-ED154C7ABB6E}" type="datetimeFigureOut">
               <a:rPr lang="en-US" smtClean="0"/>
-              <a:t>1/7/14</a:t>
+              <a:t>1/8/14</a:t>
             </a:fld>
             <a:endParaRPr lang="en-US"/>
           </a:p>
@@ -2623,7 +2867,15 @@
         <p:spPr/>
         <p:txBody>
           <a:bodyPr/>
-          <a:lstStyle/>
+          <a:lstStyle>
+            <a:lvl1pPr>
+              <a:defRPr>
+                <a:solidFill>
+                  <a:srgbClr val="FFFFFF"/>
+                </a:solidFill>
+              </a:defRPr>
+            </a:lvl1pPr>
+          </a:lstStyle>
           <a:p>
             <a:fld id="{897A028C-199E-7141-BE87-2F3BEB4C459D}" type="slidenum">
               <a:rPr lang="en-US" smtClean="0"/>
@@ -2634,11 +2886,6 @@
         </p:txBody>
       </p:sp>
     </p:spTree>
-    <p:extLst>
-      <p:ext uri="{BB962C8B-B14F-4D97-AF65-F5344CB8AC3E}">
-        <p14:creationId xmlns:p14="http://schemas.microsoft.com/office/powerpoint/2010/main" val="491057697"/>
-      </p:ext>
-    </p:extLst>
   </p:cSld>
   <p:clrMapOvr>
     <a:masterClrMapping/>
@@ -2647,7 +2894,7 @@
 </file>
 
 <file path=ppt/slideLayouts/slideLayout7.xml><?xml version="1.0" encoding="utf-8"?>
-<p:sldLayout xmlns:a="http://schemas.openxmlformats.org/drawingml/2006/main" xmlns:r="http://schemas.openxmlformats.org/officeDocument/2006/relationships" xmlns:p="http://schemas.openxmlformats.org/presentationml/2006/main" type="blank" preserve="1">
+<p:sldLayout xmlns:a="http://schemas.openxmlformats.org/drawingml/2006/main" xmlns:r="http://schemas.openxmlformats.org/officeDocument/2006/relationships" xmlns:p="http://schemas.openxmlformats.org/presentationml/2006/main" showMasterSp="0" type="blank" preserve="1">
   <p:cSld name="Blank">
     <p:spTree>
       <p:nvGrpSpPr>
@@ -2680,7 +2927,7 @@
           <a:p>
             <a:fld id="{257F89B5-D415-6245-AE1B-ED154C7ABB6E}" type="datetimeFigureOut">
               <a:rPr lang="en-US" smtClean="0"/>
-              <a:t>1/7/14</a:t>
+              <a:t>1/8/14</a:t>
             </a:fld>
             <a:endParaRPr lang="en-US"/>
           </a:p>
@@ -2715,10 +2962,23 @@
             <p:ph type="sldNum" sz="quarter" idx="12"/>
           </p:nvPr>
         </p:nvSpPr>
-        <p:spPr/>
+        <p:spPr>
+          <a:xfrm>
+            <a:off x="0" y="6248400"/>
+            <a:ext cx="533400" cy="381000"/>
+          </a:xfrm>
+        </p:spPr>
         <p:txBody>
           <a:bodyPr/>
-          <a:lstStyle/>
+          <a:lstStyle>
+            <a:lvl1pPr>
+              <a:defRPr>
+                <a:solidFill>
+                  <a:schemeClr val="tx2"/>
+                </a:solidFill>
+              </a:defRPr>
+            </a:lvl1pPr>
+          </a:lstStyle>
           <a:p>
             <a:fld id="{897A028C-199E-7141-BE87-2F3BEB4C459D}" type="slidenum">
               <a:rPr lang="en-US" smtClean="0"/>
@@ -2729,11 +2989,6 @@
         </p:txBody>
       </p:sp>
     </p:spTree>
-    <p:extLst>
-      <p:ext uri="{BB962C8B-B14F-4D97-AF65-F5344CB8AC3E}">
-        <p14:creationId xmlns:p14="http://schemas.microsoft.com/office/powerpoint/2010/main" val="3280865025"/>
-      </p:ext>
-    </p:extLst>
   </p:cSld>
   <p:clrMapOvr>
     <a:masterClrMapping/>
@@ -2770,173 +3025,24 @@
         </p:nvSpPr>
         <p:spPr>
           <a:xfrm>
-            <a:off x="457200" y="273050"/>
-            <a:ext cx="3008313" cy="1162050"/>
+            <a:off x="609600" y="273050"/>
+            <a:ext cx="8077200" cy="869950"/>
           </a:xfrm>
         </p:spPr>
         <p:txBody>
-          <a:bodyPr anchor="b"/>
+          <a:bodyPr anchor="ctr"/>
           <a:lstStyle>
             <a:lvl1pPr algn="l">
-              <a:defRPr sz="2000" b="1"/>
+              <a:buNone/>
+              <a:defRPr sz="4400" b="0"/>
             </a:lvl1pPr>
           </a:lstStyle>
           <a:p>
             <a:r>
-              <a:rPr lang="en-US" smtClean="0"/>
+              <a:rPr kumimoji="0" lang="en-US" smtClean="0"/>
               <a:t>Click to edit Master title style</a:t>
             </a:r>
-            <a:endParaRPr lang="en-US"/>
-          </a:p>
-        </p:txBody>
-      </p:sp>
-      <p:sp>
-        <p:nvSpPr>
-          <p:cNvPr id="3" name="Content Placeholder 2"/>
-          <p:cNvSpPr>
-            <a:spLocks noGrp="1"/>
-          </p:cNvSpPr>
-          <p:nvPr>
-            <p:ph idx="1"/>
-          </p:nvPr>
-        </p:nvSpPr>
-        <p:spPr>
-          <a:xfrm>
-            <a:off x="3575050" y="273050"/>
-            <a:ext cx="5111750" cy="5853113"/>
-          </a:xfrm>
-        </p:spPr>
-        <p:txBody>
-          <a:bodyPr/>
-          <a:lstStyle>
-            <a:lvl1pPr>
-              <a:defRPr sz="3200"/>
-            </a:lvl1pPr>
-            <a:lvl2pPr>
-              <a:defRPr sz="2800"/>
-            </a:lvl2pPr>
-            <a:lvl3pPr>
-              <a:defRPr sz="2400"/>
-            </a:lvl3pPr>
-            <a:lvl4pPr>
-              <a:defRPr sz="2000"/>
-            </a:lvl4pPr>
-            <a:lvl5pPr>
-              <a:defRPr sz="2000"/>
-            </a:lvl5pPr>
-            <a:lvl6pPr>
-              <a:defRPr sz="2000"/>
-            </a:lvl6pPr>
-            <a:lvl7pPr>
-              <a:defRPr sz="2000"/>
-            </a:lvl7pPr>
-            <a:lvl8pPr>
-              <a:defRPr sz="2000"/>
-            </a:lvl8pPr>
-            <a:lvl9pPr>
-              <a:defRPr sz="2000"/>
-            </a:lvl9pPr>
-          </a:lstStyle>
-          <a:p>
-            <a:pPr lvl="0"/>
-            <a:r>
-              <a:rPr lang="en-US" smtClean="0"/>
-              <a:t>Click to edit Master text styles</a:t>
-            </a:r>
-          </a:p>
-          <a:p>
-            <a:pPr lvl="1"/>
-            <a:r>
-              <a:rPr lang="en-US" smtClean="0"/>
-              <a:t>Second level</a:t>
-            </a:r>
-          </a:p>
-          <a:p>
-            <a:pPr lvl="2"/>
-            <a:r>
-              <a:rPr lang="en-US" smtClean="0"/>
-              <a:t>Third level</a:t>
-            </a:r>
-          </a:p>
-          <a:p>
-            <a:pPr lvl="3"/>
-            <a:r>
-              <a:rPr lang="en-US" smtClean="0"/>
-              <a:t>Fourth level</a:t>
-            </a:r>
-          </a:p>
-          <a:p>
-            <a:pPr lvl="4"/>
-            <a:r>
-              <a:rPr lang="en-US" smtClean="0"/>
-              <a:t>Fifth level</a:t>
-            </a:r>
-            <a:endParaRPr lang="en-US"/>
-          </a:p>
-        </p:txBody>
-      </p:sp>
-      <p:sp>
-        <p:nvSpPr>
-          <p:cNvPr id="4" name="Text Placeholder 3"/>
-          <p:cNvSpPr>
-            <a:spLocks noGrp="1"/>
-          </p:cNvSpPr>
-          <p:nvPr>
-            <p:ph type="body" sz="half" idx="2"/>
-          </p:nvPr>
-        </p:nvSpPr>
-        <p:spPr>
-          <a:xfrm>
-            <a:off x="457200" y="1435100"/>
-            <a:ext cx="3008313" cy="4691063"/>
-          </a:xfrm>
-        </p:spPr>
-        <p:txBody>
-          <a:bodyPr/>
-          <a:lstStyle>
-            <a:lvl1pPr marL="0" indent="0">
-              <a:buNone/>
-              <a:defRPr sz="1400"/>
-            </a:lvl1pPr>
-            <a:lvl2pPr marL="457200" indent="0">
-              <a:buNone/>
-              <a:defRPr sz="1200"/>
-            </a:lvl2pPr>
-            <a:lvl3pPr marL="914400" indent="0">
-              <a:buNone/>
-              <a:defRPr sz="1000"/>
-            </a:lvl3pPr>
-            <a:lvl4pPr marL="1371600" indent="0">
-              <a:buNone/>
-              <a:defRPr sz="900"/>
-            </a:lvl4pPr>
-            <a:lvl5pPr marL="1828800" indent="0">
-              <a:buNone/>
-              <a:defRPr sz="900"/>
-            </a:lvl5pPr>
-            <a:lvl6pPr marL="2286000" indent="0">
-              <a:buNone/>
-              <a:defRPr sz="900"/>
-            </a:lvl6pPr>
-            <a:lvl7pPr marL="2743200" indent="0">
-              <a:buNone/>
-              <a:defRPr sz="900"/>
-            </a:lvl7pPr>
-            <a:lvl8pPr marL="3200400" indent="0">
-              <a:buNone/>
-              <a:defRPr sz="900"/>
-            </a:lvl8pPr>
-            <a:lvl9pPr marL="3657600" indent="0">
-              <a:buNone/>
-              <a:defRPr sz="900"/>
-            </a:lvl9pPr>
-          </a:lstStyle>
-          <a:p>
-            <a:pPr lvl="0"/>
-            <a:r>
-              <a:rPr lang="en-US" smtClean="0"/>
-              <a:t>Click to edit Master text styles</a:t>
-            </a:r>
+            <a:endParaRPr kumimoji="0" lang="en-US"/>
           </a:p>
         </p:txBody>
       </p:sp>
@@ -2957,7 +3063,7 @@
           <a:p>
             <a:fld id="{257F89B5-D415-6245-AE1B-ED154C7ABB6E}" type="datetimeFigureOut">
               <a:rPr lang="en-US" smtClean="0"/>
-              <a:t>1/7/14</a:t>
+              <a:t>1/8/14</a:t>
             </a:fld>
             <a:endParaRPr lang="en-US"/>
           </a:p>
@@ -2995,7 +3101,15 @@
         <p:spPr/>
         <p:txBody>
           <a:bodyPr/>
-          <a:lstStyle/>
+          <a:lstStyle>
+            <a:lvl1pPr>
+              <a:defRPr>
+                <a:solidFill>
+                  <a:srgbClr val="FFFFFF"/>
+                </a:solidFill>
+              </a:defRPr>
+            </a:lvl1pPr>
+          </a:lstStyle>
           <a:p>
             <a:fld id="{897A028C-199E-7141-BE87-2F3BEB4C459D}" type="slidenum">
               <a:rPr lang="en-US" smtClean="0"/>
@@ -3005,12 +3119,138 @@
           </a:p>
         </p:txBody>
       </p:sp>
+      <p:sp>
+        <p:nvSpPr>
+          <p:cNvPr id="3" name="Text Placeholder 2"/>
+          <p:cNvSpPr>
+            <a:spLocks noGrp="1"/>
+          </p:cNvSpPr>
+          <p:nvPr>
+            <p:ph type="body" idx="2"/>
+          </p:nvPr>
+        </p:nvSpPr>
+        <p:spPr>
+          <a:xfrm>
+            <a:off x="609600" y="1752600"/>
+            <a:ext cx="1600200" cy="4343400"/>
+          </a:xfrm>
+          <a:ln w="50800" cap="sq" cmpd="dbl" algn="ctr">
+            <a:solidFill>
+              <a:schemeClr val="accent2"/>
+            </a:solidFill>
+            <a:prstDash val="solid"/>
+            <a:miter lim="800000"/>
+          </a:ln>
+          <a:effectLst/>
+        </p:spPr>
+        <p:style>
+          <a:lnRef idx="3">
+            <a:schemeClr val="lt1"/>
+          </a:lnRef>
+          <a:fillRef idx="1">
+            <a:schemeClr val="accent2"/>
+          </a:fillRef>
+          <a:effectRef idx="1">
+            <a:schemeClr val="accent2"/>
+          </a:effectRef>
+          <a:fontRef idx="minor">
+            <a:schemeClr val="lt1"/>
+          </a:fontRef>
+        </p:style>
+        <p:txBody>
+          <a:bodyPr lIns="137160" tIns="182880" rIns="137160" bIns="91440"/>
+          <a:lstStyle>
+            <a:lvl1pPr marL="0" indent="0">
+              <a:spcAft>
+                <a:spcPts val="1000"/>
+              </a:spcAft>
+              <a:buNone/>
+              <a:defRPr sz="1800"/>
+            </a:lvl1pPr>
+            <a:lvl2pPr>
+              <a:buNone/>
+              <a:defRPr sz="1200"/>
+            </a:lvl2pPr>
+            <a:lvl3pPr>
+              <a:buNone/>
+              <a:defRPr sz="1000"/>
+            </a:lvl3pPr>
+            <a:lvl4pPr>
+              <a:buNone/>
+              <a:defRPr sz="900"/>
+            </a:lvl4pPr>
+            <a:lvl5pPr>
+              <a:buNone/>
+              <a:defRPr sz="900"/>
+            </a:lvl5pPr>
+          </a:lstStyle>
+          <a:p>
+            <a:pPr lvl="0" eaLnBrk="1" latinLnBrk="0" hangingPunct="1"/>
+            <a:r>
+              <a:rPr kumimoji="0" lang="en-US" smtClean="0"/>
+              <a:t>Click to edit Master text styles</a:t>
+            </a:r>
+          </a:p>
+        </p:txBody>
+      </p:sp>
+      <p:sp>
+        <p:nvSpPr>
+          <p:cNvPr id="9" name="Content Placeholder 8"/>
+          <p:cNvSpPr>
+            <a:spLocks noGrp="1"/>
+          </p:cNvSpPr>
+          <p:nvPr>
+            <p:ph sz="quarter" idx="1"/>
+          </p:nvPr>
+        </p:nvSpPr>
+        <p:spPr>
+          <a:xfrm>
+            <a:off x="2362200" y="1752600"/>
+            <a:ext cx="6400800" cy="4419600"/>
+          </a:xfrm>
+        </p:spPr>
+        <p:txBody>
+          <a:bodyPr/>
+          <a:lstStyle/>
+          <a:p>
+            <a:pPr lvl="0" eaLnBrk="1" latinLnBrk="0" hangingPunct="1"/>
+            <a:r>
+              <a:rPr lang="en-US" smtClean="0"/>
+              <a:t>Click to edit Master text styles</a:t>
+            </a:r>
+          </a:p>
+          <a:p>
+            <a:pPr lvl="1" eaLnBrk="1" latinLnBrk="0" hangingPunct="1"/>
+            <a:r>
+              <a:rPr lang="en-US" smtClean="0"/>
+              <a:t>Second level</a:t>
+            </a:r>
+          </a:p>
+          <a:p>
+            <a:pPr lvl="2" eaLnBrk="1" latinLnBrk="0" hangingPunct="1"/>
+            <a:r>
+              <a:rPr lang="en-US" smtClean="0"/>
+              <a:t>Third level</a:t>
+            </a:r>
+          </a:p>
+          <a:p>
+            <a:pPr lvl="3" eaLnBrk="1" latinLnBrk="0" hangingPunct="1"/>
+            <a:r>
+              <a:rPr lang="en-US" smtClean="0"/>
+              <a:t>Fourth level</a:t>
+            </a:r>
+          </a:p>
+          <a:p>
+            <a:pPr lvl="4" eaLnBrk="1" latinLnBrk="0" hangingPunct="1"/>
+            <a:r>
+              <a:rPr lang="en-US" smtClean="0"/>
+              <a:t>Fifth level</a:t>
+            </a:r>
+            <a:endParaRPr kumimoji="0" lang="en-US"/>
+          </a:p>
+        </p:txBody>
+      </p:sp>
     </p:spTree>
-    <p:extLst>
-      <p:ext uri="{BB962C8B-B14F-4D97-AF65-F5344CB8AC3E}">
-        <p14:creationId xmlns:p14="http://schemas.microsoft.com/office/powerpoint/2010/main" val="946236721"/>
-      </p:ext>
-    </p:extLst>
   </p:cSld>
   <p:clrMapOvr>
     <a:masterClrMapping/>
@@ -3019,8 +3259,13 @@
 </file>
 
 <file path=ppt/slideLayouts/slideLayout9.xml><?xml version="1.0" encoding="utf-8"?>
-<p:sldLayout xmlns:a="http://schemas.openxmlformats.org/drawingml/2006/main" xmlns:r="http://schemas.openxmlformats.org/officeDocument/2006/relationships" xmlns:p="http://schemas.openxmlformats.org/presentationml/2006/main" type="picTx" preserve="1">
+<p:sldLayout xmlns:a="http://schemas.openxmlformats.org/drawingml/2006/main" xmlns:r="http://schemas.openxmlformats.org/officeDocument/2006/relationships" xmlns:p="http://schemas.openxmlformats.org/presentationml/2006/main" showMasterSp="0" type="picTx" preserve="1">
   <p:cSld name="Picture with Caption">
+    <p:bg>
+      <p:bgRef idx="1003">
+        <a:schemeClr val="bg2"/>
+      </p:bgRef>
+    </p:bg>
     <p:spTree>
       <p:nvGrpSpPr>
         <p:cNvPr id="1" name=""/>
@@ -3037,6 +3282,202 @@
       </p:grpSpPr>
       <p:sp>
         <p:nvSpPr>
+          <p:cNvPr id="4" name="Text Placeholder 3"/>
+          <p:cNvSpPr>
+            <a:spLocks noGrp="1"/>
+          </p:cNvSpPr>
+          <p:nvPr>
+            <p:ph type="body" sz="half" idx="2"/>
+          </p:nvPr>
+        </p:nvSpPr>
+        <p:spPr>
+          <a:xfrm>
+            <a:off x="1600200" y="5486400"/>
+            <a:ext cx="7315200" cy="685800"/>
+          </a:xfrm>
+        </p:spPr>
+        <p:txBody>
+          <a:bodyPr/>
+          <a:lstStyle>
+            <a:lvl1pPr marL="0" indent="0">
+              <a:buFontTx/>
+              <a:buNone/>
+              <a:defRPr sz="1700"/>
+            </a:lvl1pPr>
+            <a:lvl2pPr>
+              <a:buFontTx/>
+              <a:buNone/>
+              <a:defRPr sz="1200"/>
+            </a:lvl2pPr>
+            <a:lvl3pPr>
+              <a:buFontTx/>
+              <a:buNone/>
+              <a:defRPr sz="1000"/>
+            </a:lvl3pPr>
+            <a:lvl4pPr>
+              <a:buFontTx/>
+              <a:buNone/>
+              <a:defRPr sz="900"/>
+            </a:lvl4pPr>
+            <a:lvl5pPr>
+              <a:buFontTx/>
+              <a:buNone/>
+              <a:defRPr sz="900"/>
+            </a:lvl5pPr>
+          </a:lstStyle>
+          <a:p>
+            <a:pPr lvl="0" eaLnBrk="1" latinLnBrk="0" hangingPunct="1"/>
+            <a:r>
+              <a:rPr kumimoji="0" lang="en-US" smtClean="0"/>
+              <a:t>Click to edit Master text styles</a:t>
+            </a:r>
+          </a:p>
+        </p:txBody>
+      </p:sp>
+      <p:sp>
+        <p:nvSpPr>
+          <p:cNvPr id="8" name="Rectangle 7"/>
+          <p:cNvSpPr/>
+          <p:nvPr/>
+        </p:nvSpPr>
+        <p:spPr bwMode="white">
+          <a:xfrm>
+            <a:off x="-9144" y="4572000"/>
+            <a:ext cx="9144000" cy="886968"/>
+          </a:xfrm>
+          <a:prstGeom prst="rect">
+            <a:avLst/>
+          </a:prstGeom>
+          <a:solidFill>
+            <a:srgbClr val="FFFFFF"/>
+          </a:solidFill>
+          <a:ln w="50800" cap="rnd" cmpd="dbl" algn="ctr">
+            <a:noFill/>
+            <a:prstDash val="solid"/>
+          </a:ln>
+          <a:effectLst/>
+        </p:spPr>
+        <p:style>
+          <a:lnRef idx="3">
+            <a:schemeClr val="lt1"/>
+          </a:lnRef>
+          <a:fillRef idx="1">
+            <a:schemeClr val="accent1"/>
+          </a:fillRef>
+          <a:effectRef idx="1">
+            <a:schemeClr val="accent1"/>
+          </a:effectRef>
+          <a:fontRef idx="minor">
+            <a:schemeClr val="lt1"/>
+          </a:fontRef>
+        </p:style>
+        <p:txBody>
+          <a:bodyPr anchor="ctr"/>
+          <a:lstStyle/>
+          <a:p>
+            <a:pPr algn="ctr" eaLnBrk="1" latinLnBrk="0" hangingPunct="1"/>
+            <a:endParaRPr kumimoji="0" lang="en-US"/>
+          </a:p>
+        </p:txBody>
+      </p:sp>
+      <p:sp>
+        <p:nvSpPr>
+          <p:cNvPr id="9" name="Rectangle 8"/>
+          <p:cNvSpPr/>
+          <p:nvPr/>
+        </p:nvSpPr>
+        <p:spPr>
+          <a:xfrm>
+            <a:off x="-9144" y="4663440"/>
+            <a:ext cx="1463040" cy="713232"/>
+          </a:xfrm>
+          <a:prstGeom prst="rect">
+            <a:avLst/>
+          </a:prstGeom>
+          <a:solidFill>
+            <a:schemeClr val="accent2">
+              <a:alpha val="100000"/>
+            </a:schemeClr>
+          </a:solidFill>
+          <a:ln w="50800" cap="rnd" cmpd="dbl" algn="ctr">
+            <a:noFill/>
+            <a:prstDash val="solid"/>
+          </a:ln>
+          <a:effectLst/>
+        </p:spPr>
+        <p:style>
+          <a:lnRef idx="3">
+            <a:schemeClr val="lt1"/>
+          </a:lnRef>
+          <a:fillRef idx="1">
+            <a:schemeClr val="accent1"/>
+          </a:fillRef>
+          <a:effectRef idx="1">
+            <a:schemeClr val="accent1"/>
+          </a:effectRef>
+          <a:fontRef idx="minor">
+            <a:schemeClr val="lt1"/>
+          </a:fontRef>
+        </p:style>
+        <p:txBody>
+          <a:bodyPr anchor="ctr"/>
+          <a:lstStyle/>
+          <a:p>
+            <a:pPr algn="ctr" eaLnBrk="1" latinLnBrk="0" hangingPunct="1"/>
+            <a:endParaRPr kumimoji="0" lang="en-US"/>
+          </a:p>
+        </p:txBody>
+      </p:sp>
+      <p:sp>
+        <p:nvSpPr>
+          <p:cNvPr id="10" name="Rectangle 9"/>
+          <p:cNvSpPr/>
+          <p:nvPr/>
+        </p:nvSpPr>
+        <p:spPr>
+          <a:xfrm>
+            <a:off x="1545336" y="4654296"/>
+            <a:ext cx="7598664" cy="713232"/>
+          </a:xfrm>
+          <a:prstGeom prst="rect">
+            <a:avLst/>
+          </a:prstGeom>
+          <a:solidFill>
+            <a:schemeClr val="accent1">
+              <a:alpha val="100000"/>
+            </a:schemeClr>
+          </a:solidFill>
+          <a:ln w="50800" cap="rnd" cmpd="dbl" algn="ctr">
+            <a:noFill/>
+            <a:prstDash val="solid"/>
+          </a:ln>
+          <a:effectLst/>
+        </p:spPr>
+        <p:style>
+          <a:lnRef idx="3">
+            <a:schemeClr val="lt1"/>
+          </a:lnRef>
+          <a:fillRef idx="1">
+            <a:schemeClr val="accent1"/>
+          </a:fillRef>
+          <a:effectRef idx="1">
+            <a:schemeClr val="accent1"/>
+          </a:effectRef>
+          <a:fontRef idx="minor">
+            <a:schemeClr val="lt1"/>
+          </a:fontRef>
+        </p:style>
+        <p:txBody>
+          <a:bodyPr anchor="ctr"/>
+          <a:lstStyle/>
+          <a:p>
+            <a:pPr algn="ctr" eaLnBrk="1" latinLnBrk="0" hangingPunct="1"/>
+            <a:endParaRPr kumimoji="0" lang="en-US"/>
+          </a:p>
+        </p:txBody>
+      </p:sp>
+      <p:sp>
+        <p:nvSpPr>
           <p:cNvPr id="2" name="Title 1"/>
           <p:cNvSpPr>
             <a:spLocks noGrp="1"/>
@@ -3047,22 +3488,157 @@
         </p:nvSpPr>
         <p:spPr>
           <a:xfrm>
-            <a:off x="1792288" y="4800600"/>
-            <a:ext cx="5486400" cy="566738"/>
+            <a:off x="1600200" y="4648200"/>
+            <a:ext cx="7315200" cy="685800"/>
           </a:xfrm>
         </p:spPr>
         <p:txBody>
-          <a:bodyPr anchor="b"/>
+          <a:bodyPr anchor="ctr"/>
           <a:lstStyle>
             <a:lvl1pPr algn="l">
-              <a:defRPr sz="2000" b="1"/>
+              <a:buNone/>
+              <a:defRPr sz="2800" b="0">
+                <a:solidFill>
+                  <a:srgbClr val="FFFFFF"/>
+                </a:solidFill>
+              </a:defRPr>
             </a:lvl1pPr>
           </a:lstStyle>
           <a:p>
             <a:r>
+              <a:rPr kumimoji="0" lang="en-US" smtClean="0"/>
+              <a:t>Click to edit Master title style</a:t>
+            </a:r>
+            <a:endParaRPr kumimoji="0" lang="en-US"/>
+          </a:p>
+        </p:txBody>
+      </p:sp>
+      <p:sp>
+        <p:nvSpPr>
+          <p:cNvPr id="11" name="Rectangle 10"/>
+          <p:cNvSpPr/>
+          <p:nvPr/>
+        </p:nvSpPr>
+        <p:spPr bwMode="white">
+          <a:xfrm>
+            <a:off x="1447800" y="0"/>
+            <a:ext cx="100584" cy="6867144"/>
+          </a:xfrm>
+          <a:prstGeom prst="rect">
+            <a:avLst/>
+          </a:prstGeom>
+          <a:solidFill>
+            <a:srgbClr val="FFFFFF"/>
+          </a:solidFill>
+          <a:ln w="50800" cap="rnd" cmpd="dbl" algn="ctr">
+            <a:noFill/>
+            <a:prstDash val="solid"/>
+          </a:ln>
+          <a:effectLst/>
+        </p:spPr>
+        <p:style>
+          <a:lnRef idx="3">
+            <a:schemeClr val="lt1"/>
+          </a:lnRef>
+          <a:fillRef idx="1">
+            <a:schemeClr val="accent1"/>
+          </a:fillRef>
+          <a:effectRef idx="1">
+            <a:schemeClr val="accent1"/>
+          </a:effectRef>
+          <a:fontRef idx="minor">
+            <a:schemeClr val="lt1"/>
+          </a:fontRef>
+        </p:style>
+        <p:txBody>
+          <a:bodyPr anchor="ctr"/>
+          <a:lstStyle/>
+          <a:p>
+            <a:pPr algn="ctr" eaLnBrk="1" latinLnBrk="0" hangingPunct="1"/>
+            <a:endParaRPr kumimoji="0" lang="en-US"/>
+          </a:p>
+        </p:txBody>
+      </p:sp>
+      <p:sp>
+        <p:nvSpPr>
+          <p:cNvPr id="12" name="Date Placeholder 11"/>
+          <p:cNvSpPr>
+            <a:spLocks noGrp="1"/>
+          </p:cNvSpPr>
+          <p:nvPr>
+            <p:ph type="dt" sz="half" idx="10"/>
+          </p:nvPr>
+        </p:nvSpPr>
+        <p:spPr>
+          <a:xfrm>
+            <a:off x="6248400" y="6248400"/>
+            <a:ext cx="2667000" cy="365125"/>
+          </a:xfrm>
+        </p:spPr>
+        <p:txBody>
+          <a:bodyPr rtlCol="0"/>
+          <a:lstStyle/>
+          <a:p>
+            <a:fld id="{257F89B5-D415-6245-AE1B-ED154C7ABB6E}" type="datetimeFigureOut">
               <a:rPr lang="en-US" smtClean="0"/>
-              <a:t>Click to edit Master title style</a:t>
-            </a:r>
+              <a:t>1/8/14</a:t>
+            </a:fld>
+            <a:endParaRPr lang="en-US"/>
+          </a:p>
+        </p:txBody>
+      </p:sp>
+      <p:sp>
+        <p:nvSpPr>
+          <p:cNvPr id="13" name="Slide Number Placeholder 12"/>
+          <p:cNvSpPr>
+            <a:spLocks noGrp="1"/>
+          </p:cNvSpPr>
+          <p:nvPr>
+            <p:ph type="sldNum" sz="quarter" idx="11"/>
+          </p:nvPr>
+        </p:nvSpPr>
+        <p:spPr>
+          <a:xfrm>
+            <a:off x="0" y="4667249"/>
+            <a:ext cx="1447800" cy="663578"/>
+          </a:xfrm>
+        </p:spPr>
+        <p:txBody>
+          <a:bodyPr rtlCol="0"/>
+          <a:lstStyle>
+            <a:lvl1pPr>
+              <a:defRPr sz="2800"/>
+            </a:lvl1pPr>
+          </a:lstStyle>
+          <a:p>
+            <a:fld id="{897A028C-199E-7141-BE87-2F3BEB4C459D}" type="slidenum">
+              <a:rPr lang="en-US" smtClean="0"/>
+              <a:t>‹#›</a:t>
+            </a:fld>
+            <a:endParaRPr lang="en-US"/>
+          </a:p>
+        </p:txBody>
+      </p:sp>
+      <p:sp>
+        <p:nvSpPr>
+          <p:cNvPr id="14" name="Footer Placeholder 13"/>
+          <p:cNvSpPr>
+            <a:spLocks noGrp="1"/>
+          </p:cNvSpPr>
+          <p:nvPr>
+            <p:ph type="ftr" sz="quarter" idx="12"/>
+          </p:nvPr>
+        </p:nvSpPr>
+        <p:spPr>
+          <a:xfrm>
+            <a:off x="1600200" y="6248206"/>
+            <a:ext cx="4572000" cy="365125"/>
+          </a:xfrm>
+        </p:spPr>
+        <p:txBody>
+          <a:bodyPr rtlCol="0"/>
+          <a:lstStyle/>
+          <a:p>
             <a:endParaRPr lang="en-US"/>
           </a:p>
         </p:txBody>
@@ -3079,9 +3655,17 @@
         </p:nvSpPr>
         <p:spPr>
           <a:xfrm>
-            <a:off x="1792288" y="612775"/>
-            <a:ext cx="5486400" cy="4114800"/>
+            <a:off x="1560576" y="0"/>
+            <a:ext cx="7583424" cy="4568952"/>
           </a:xfrm>
+          <a:solidFill>
+            <a:schemeClr val="accent1">
+              <a:tint val="40000"/>
+            </a:schemeClr>
+          </a:solidFill>
+          <a:ln>
+            <a:noFill/>
+          </a:ln>
         </p:spPr>
         <p:txBody>
           <a:bodyPr/>
@@ -3090,183 +3674,20 @@
               <a:buNone/>
               <a:defRPr sz="3200"/>
             </a:lvl1pPr>
-            <a:lvl2pPr marL="457200" indent="0">
-              <a:buNone/>
-              <a:defRPr sz="2800"/>
-            </a:lvl2pPr>
-            <a:lvl3pPr marL="914400" indent="0">
-              <a:buNone/>
-              <a:defRPr sz="2400"/>
-            </a:lvl3pPr>
-            <a:lvl4pPr marL="1371600" indent="0">
-              <a:buNone/>
-              <a:defRPr sz="2000"/>
-            </a:lvl4pPr>
-            <a:lvl5pPr marL="1828800" indent="0">
-              <a:buNone/>
-              <a:defRPr sz="2000"/>
-            </a:lvl5pPr>
-            <a:lvl6pPr marL="2286000" indent="0">
-              <a:buNone/>
-              <a:defRPr sz="2000"/>
-            </a:lvl6pPr>
-            <a:lvl7pPr marL="2743200" indent="0">
-              <a:buNone/>
-              <a:defRPr sz="2000"/>
-            </a:lvl7pPr>
-            <a:lvl8pPr marL="3200400" indent="0">
-              <a:buNone/>
-              <a:defRPr sz="2000"/>
-            </a:lvl8pPr>
-            <a:lvl9pPr marL="3657600" indent="0">
-              <a:buNone/>
-              <a:defRPr sz="2000"/>
-            </a:lvl9pPr>
           </a:lstStyle>
           <a:p>
-            <a:endParaRPr lang="en-US"/>
-          </a:p>
-        </p:txBody>
-      </p:sp>
-      <p:sp>
-        <p:nvSpPr>
-          <p:cNvPr id="4" name="Text Placeholder 3"/>
-          <p:cNvSpPr>
-            <a:spLocks noGrp="1"/>
-          </p:cNvSpPr>
-          <p:nvPr>
-            <p:ph type="body" sz="half" idx="2"/>
-          </p:nvPr>
-        </p:nvSpPr>
-        <p:spPr>
-          <a:xfrm>
-            <a:off x="1792288" y="5367338"/>
-            <a:ext cx="5486400" cy="804862"/>
-          </a:xfrm>
-        </p:spPr>
-        <p:txBody>
-          <a:bodyPr/>
-          <a:lstStyle>
-            <a:lvl1pPr marL="0" indent="0">
-              <a:buNone/>
-              <a:defRPr sz="1400"/>
-            </a:lvl1pPr>
-            <a:lvl2pPr marL="457200" indent="0">
-              <a:buNone/>
-              <a:defRPr sz="1200"/>
-            </a:lvl2pPr>
-            <a:lvl3pPr marL="914400" indent="0">
-              <a:buNone/>
-              <a:defRPr sz="1000"/>
-            </a:lvl3pPr>
-            <a:lvl4pPr marL="1371600" indent="0">
-              <a:buNone/>
-              <a:defRPr sz="900"/>
-            </a:lvl4pPr>
-            <a:lvl5pPr marL="1828800" indent="0">
-              <a:buNone/>
-              <a:defRPr sz="900"/>
-            </a:lvl5pPr>
-            <a:lvl6pPr marL="2286000" indent="0">
-              <a:buNone/>
-              <a:defRPr sz="900"/>
-            </a:lvl6pPr>
-            <a:lvl7pPr marL="2743200" indent="0">
-              <a:buNone/>
-              <a:defRPr sz="900"/>
-            </a:lvl7pPr>
-            <a:lvl8pPr marL="3200400" indent="0">
-              <a:buNone/>
-              <a:defRPr sz="900"/>
-            </a:lvl8pPr>
-            <a:lvl9pPr marL="3657600" indent="0">
-              <a:buNone/>
-              <a:defRPr sz="900"/>
-            </a:lvl9pPr>
-          </a:lstStyle>
-          <a:p>
-            <a:pPr lvl="0"/>
-            <a:r>
-              <a:rPr lang="en-US" smtClean="0"/>
-              <a:t>Click to edit Master text styles</a:t>
-            </a:r>
-          </a:p>
-        </p:txBody>
-      </p:sp>
-      <p:sp>
-        <p:nvSpPr>
-          <p:cNvPr id="5" name="Date Placeholder 4"/>
-          <p:cNvSpPr>
-            <a:spLocks noGrp="1"/>
-          </p:cNvSpPr>
-          <p:nvPr>
-            <p:ph type="dt" sz="half" idx="10"/>
-          </p:nvPr>
-        </p:nvSpPr>
-        <p:spPr/>
-        <p:txBody>
-          <a:bodyPr/>
-          <a:lstStyle/>
-          <a:p>
-            <a:fld id="{257F89B5-D415-6245-AE1B-ED154C7ABB6E}" type="datetimeFigureOut">
-              <a:rPr lang="en-US" smtClean="0"/>
-              <a:t>1/7/14</a:t>
-            </a:fld>
-            <a:endParaRPr lang="en-US"/>
-          </a:p>
-        </p:txBody>
-      </p:sp>
-      <p:sp>
-        <p:nvSpPr>
-          <p:cNvPr id="6" name="Footer Placeholder 5"/>
-          <p:cNvSpPr>
-            <a:spLocks noGrp="1"/>
-          </p:cNvSpPr>
-          <p:nvPr>
-            <p:ph type="ftr" sz="quarter" idx="11"/>
-          </p:nvPr>
-        </p:nvSpPr>
-        <p:spPr/>
-        <p:txBody>
-          <a:bodyPr/>
-          <a:lstStyle/>
-          <a:p>
-            <a:endParaRPr lang="en-US"/>
-          </a:p>
-        </p:txBody>
-      </p:sp>
-      <p:sp>
-        <p:nvSpPr>
-          <p:cNvPr id="7" name="Slide Number Placeholder 6"/>
-          <p:cNvSpPr>
-            <a:spLocks noGrp="1"/>
-          </p:cNvSpPr>
-          <p:nvPr>
-            <p:ph type="sldNum" sz="quarter" idx="12"/>
-          </p:nvPr>
-        </p:nvSpPr>
-        <p:spPr/>
-        <p:txBody>
-          <a:bodyPr/>
-          <a:lstStyle/>
-          <a:p>
-            <a:fld id="{897A028C-199E-7141-BE87-2F3BEB4C459D}" type="slidenum">
-              <a:rPr lang="en-US" smtClean="0"/>
-              <a:t>‹#›</a:t>
-            </a:fld>
-            <a:endParaRPr lang="en-US"/>
+            <a:r>
+              <a:rPr kumimoji="0" lang="en-US" smtClean="0"/>
+              <a:t>Drag picture to placeholder or click icon to add</a:t>
+            </a:r>
+            <a:endParaRPr kumimoji="0" lang="en-US" dirty="0"/>
           </a:p>
         </p:txBody>
       </p:sp>
     </p:spTree>
-    <p:extLst>
-      <p:ext uri="{BB962C8B-B14F-4D97-AF65-F5344CB8AC3E}">
-        <p14:creationId xmlns:p14="http://schemas.microsoft.com/office/powerpoint/2010/main" val="2977854256"/>
-      </p:ext>
-    </p:extLst>
   </p:cSld>
   <p:clrMapOvr>
-    <a:masterClrMapping/>
+    <a:overrideClrMapping bg1="lt1" tx1="dk1" bg2="lt2" tx2="dk2" accent1="accent1" accent2="accent2" accent3="accent3" accent4="accent4" accent5="accent5" accent6="accent6" hlink="hlink" folHlink="folHlink"/>
   </p:clrMapOvr>
 </p:sldLayout>
 </file>
@@ -3295,7 +3716,7 @@
       </p:grpSpPr>
       <p:sp>
         <p:nvSpPr>
-          <p:cNvPr id="2" name="Title Placeholder 1"/>
+          <p:cNvPr id="22" name="Title Placeholder 21"/>
           <p:cNvSpPr>
             <a:spLocks noGrp="1"/>
           </p:cNvSpPr>
@@ -3305,30 +3726,30 @@
         </p:nvSpPr>
         <p:spPr>
           <a:xfrm>
-            <a:off x="457200" y="274638"/>
-            <a:ext cx="8229600" cy="1143000"/>
+            <a:off x="609600" y="228600"/>
+            <a:ext cx="8153400" cy="990600"/>
           </a:xfrm>
           <a:prstGeom prst="rect">
             <a:avLst/>
           </a:prstGeom>
         </p:spPr>
         <p:txBody>
-          <a:bodyPr vert="horz" lIns="91440" tIns="45720" rIns="91440" bIns="45720" rtlCol="0" anchor="ctr">
+          <a:bodyPr vert="horz" anchor="ctr">
             <a:normAutofit/>
           </a:bodyPr>
           <a:lstStyle/>
           <a:p>
             <a:r>
-              <a:rPr lang="en-US" smtClean="0"/>
+              <a:rPr kumimoji="0" lang="en-US" smtClean="0"/>
               <a:t>Click to edit Master title style</a:t>
             </a:r>
-            <a:endParaRPr lang="en-US"/>
+            <a:endParaRPr kumimoji="0" lang="en-US"/>
           </a:p>
         </p:txBody>
       </p:sp>
       <p:sp>
         <p:nvSpPr>
-          <p:cNvPr id="3" name="Text Placeholder 2"/>
+          <p:cNvPr id="13" name="Text Placeholder 12"/>
           <p:cNvSpPr>
             <a:spLocks noGrp="1"/>
           </p:cNvSpPr>
@@ -3338,59 +3759,59 @@
         </p:nvSpPr>
         <p:spPr>
           <a:xfrm>
-            <a:off x="457200" y="1600200"/>
-            <a:ext cx="8229600" cy="4525963"/>
+            <a:off x="612648" y="1600200"/>
+            <a:ext cx="8153400" cy="4526280"/>
           </a:xfrm>
           <a:prstGeom prst="rect">
             <a:avLst/>
           </a:prstGeom>
         </p:spPr>
         <p:txBody>
-          <a:bodyPr vert="horz" lIns="91440" tIns="45720" rIns="91440" bIns="45720" rtlCol="0">
+          <a:bodyPr vert="horz">
             <a:normAutofit/>
           </a:bodyPr>
           <a:lstStyle/>
           <a:p>
-            <a:pPr lvl="0"/>
-            <a:r>
-              <a:rPr lang="en-US" smtClean="0"/>
+            <a:pPr lvl="0" eaLnBrk="1" latinLnBrk="0" hangingPunct="1"/>
+            <a:r>
+              <a:rPr kumimoji="0" lang="en-US" smtClean="0"/>
               <a:t>Click to edit Master text styles</a:t>
             </a:r>
           </a:p>
           <a:p>
-            <a:pPr lvl="1"/>
-            <a:r>
-              <a:rPr lang="en-US" smtClean="0"/>
+            <a:pPr lvl="1" eaLnBrk="1" latinLnBrk="0" hangingPunct="1"/>
+            <a:r>
+              <a:rPr kumimoji="0" lang="en-US" smtClean="0"/>
               <a:t>Second level</a:t>
             </a:r>
           </a:p>
           <a:p>
-            <a:pPr lvl="2"/>
-            <a:r>
-              <a:rPr lang="en-US" smtClean="0"/>
+            <a:pPr lvl="2" eaLnBrk="1" latinLnBrk="0" hangingPunct="1"/>
+            <a:r>
+              <a:rPr kumimoji="0" lang="en-US" smtClean="0"/>
               <a:t>Third level</a:t>
             </a:r>
           </a:p>
           <a:p>
-            <a:pPr lvl="3"/>
-            <a:r>
-              <a:rPr lang="en-US" smtClean="0"/>
+            <a:pPr lvl="3" eaLnBrk="1" latinLnBrk="0" hangingPunct="1"/>
+            <a:r>
+              <a:rPr kumimoji="0" lang="en-US" smtClean="0"/>
               <a:t>Fourth level</a:t>
             </a:r>
           </a:p>
           <a:p>
-            <a:pPr lvl="4"/>
-            <a:r>
-              <a:rPr lang="en-US" smtClean="0"/>
+            <a:pPr lvl="4" eaLnBrk="1" latinLnBrk="0" hangingPunct="1"/>
+            <a:r>
+              <a:rPr kumimoji="0" lang="en-US" smtClean="0"/>
               <a:t>Fifth level</a:t>
             </a:r>
-            <a:endParaRPr lang="en-US"/>
+            <a:endParaRPr kumimoji="0" lang="en-US"/>
           </a:p>
         </p:txBody>
       </p:sp>
       <p:sp>
         <p:nvSpPr>
-          <p:cNvPr id="4" name="Date Placeholder 3"/>
+          <p:cNvPr id="14" name="Date Placeholder 13"/>
           <p:cNvSpPr>
             <a:spLocks noGrp="1"/>
           </p:cNvSpPr>
@@ -3400,22 +3821,20 @@
         </p:nvSpPr>
         <p:spPr>
           <a:xfrm>
-            <a:off x="457200" y="6356350"/>
-            <a:ext cx="2133600" cy="365125"/>
+            <a:off x="6096000" y="6248400"/>
+            <a:ext cx="2667000" cy="365125"/>
           </a:xfrm>
           <a:prstGeom prst="rect">
             <a:avLst/>
           </a:prstGeom>
         </p:spPr>
         <p:txBody>
-          <a:bodyPr vert="horz" lIns="91440" tIns="45720" rIns="91440" bIns="45720" rtlCol="0" anchor="ctr"/>
+          <a:bodyPr vert="horz" anchor="ctr" anchorCtr="0"/>
           <a:lstStyle>
-            <a:lvl1pPr algn="l">
-              <a:defRPr sz="1200">
+            <a:lvl1pPr algn="l" eaLnBrk="1" latinLnBrk="0" hangingPunct="1">
+              <a:defRPr kumimoji="0" sz="1400">
                 <a:solidFill>
-                  <a:schemeClr val="tx1">
-                    <a:tint val="75000"/>
-                  </a:schemeClr>
+                  <a:schemeClr val="tx2"/>
                 </a:solidFill>
               </a:defRPr>
             </a:lvl1pPr>
@@ -3423,7 +3842,7 @@
           <a:p>
             <a:fld id="{257F89B5-D415-6245-AE1B-ED154C7ABB6E}" type="datetimeFigureOut">
               <a:rPr lang="en-US" smtClean="0"/>
-              <a:t>1/7/14</a:t>
+              <a:t>1/8/14</a:t>
             </a:fld>
             <a:endParaRPr lang="en-US"/>
           </a:p>
@@ -3431,7 +3850,7 @@
       </p:sp>
       <p:sp>
         <p:nvSpPr>
-          <p:cNvPr id="5" name="Footer Placeholder 4"/>
+          <p:cNvPr id="3" name="Footer Placeholder 2"/>
           <p:cNvSpPr>
             <a:spLocks noGrp="1"/>
           </p:cNvSpPr>
@@ -3441,22 +3860,20 @@
         </p:nvSpPr>
         <p:spPr>
           <a:xfrm>
-            <a:off x="3124200" y="6356350"/>
-            <a:ext cx="2895600" cy="365125"/>
+            <a:off x="609600" y="6248206"/>
+            <a:ext cx="5421083" cy="365125"/>
           </a:xfrm>
           <a:prstGeom prst="rect">
             <a:avLst/>
           </a:prstGeom>
         </p:spPr>
         <p:txBody>
-          <a:bodyPr vert="horz" lIns="91440" tIns="45720" rIns="91440" bIns="45720" rtlCol="0" anchor="ctr"/>
+          <a:bodyPr vert="horz" anchor="ctr"/>
           <a:lstStyle>
-            <a:lvl1pPr algn="ctr">
-              <a:defRPr sz="1200">
+            <a:lvl1pPr algn="r" eaLnBrk="1" latinLnBrk="0" hangingPunct="1">
+              <a:defRPr kumimoji="0" sz="1400">
                 <a:solidFill>
-                  <a:schemeClr val="tx1">
-                    <a:tint val="75000"/>
-                  </a:schemeClr>
+                  <a:schemeClr val="tx2"/>
                 </a:solidFill>
               </a:defRPr>
             </a:lvl1pPr>
@@ -3468,7 +3885,149 @@
       </p:sp>
       <p:sp>
         <p:nvSpPr>
-          <p:cNvPr id="6" name="Slide Number Placeholder 5"/>
+          <p:cNvPr id="7" name="Rectangle 6"/>
+          <p:cNvSpPr/>
+          <p:nvPr/>
+        </p:nvSpPr>
+        <p:spPr bwMode="white">
+          <a:xfrm>
+            <a:off x="0" y="1234440"/>
+            <a:ext cx="9144000" cy="320040"/>
+          </a:xfrm>
+          <a:prstGeom prst="rect">
+            <a:avLst/>
+          </a:prstGeom>
+          <a:solidFill>
+            <a:srgbClr val="FFFFFF"/>
+          </a:solidFill>
+          <a:ln w="50800" cap="rnd" cmpd="dbl" algn="ctr">
+            <a:noFill/>
+            <a:prstDash val="solid"/>
+          </a:ln>
+          <a:effectLst/>
+        </p:spPr>
+        <p:style>
+          <a:lnRef idx="3">
+            <a:schemeClr val="lt1"/>
+          </a:lnRef>
+          <a:fillRef idx="1">
+            <a:schemeClr val="accent1"/>
+          </a:fillRef>
+          <a:effectRef idx="1">
+            <a:schemeClr val="accent1"/>
+          </a:effectRef>
+          <a:fontRef idx="minor">
+            <a:schemeClr val="lt1"/>
+          </a:fontRef>
+        </p:style>
+        <p:txBody>
+          <a:bodyPr anchor="ctr"/>
+          <a:lstStyle/>
+          <a:p>
+            <a:pPr algn="ctr" eaLnBrk="1" latinLnBrk="0" hangingPunct="1"/>
+            <a:endParaRPr kumimoji="0" lang="en-US"/>
+          </a:p>
+        </p:txBody>
+      </p:sp>
+      <p:sp>
+        <p:nvSpPr>
+          <p:cNvPr id="8" name="Rectangle 7"/>
+          <p:cNvSpPr/>
+          <p:nvPr/>
+        </p:nvSpPr>
+        <p:spPr>
+          <a:xfrm>
+            <a:off x="0" y="1280160"/>
+            <a:ext cx="533400" cy="228600"/>
+          </a:xfrm>
+          <a:prstGeom prst="rect">
+            <a:avLst/>
+          </a:prstGeom>
+          <a:solidFill>
+            <a:schemeClr val="accent2">
+              <a:alpha val="100000"/>
+            </a:schemeClr>
+          </a:solidFill>
+          <a:ln w="50800" cap="rnd" cmpd="dbl" algn="ctr">
+            <a:noFill/>
+            <a:prstDash val="solid"/>
+          </a:ln>
+          <a:effectLst/>
+        </p:spPr>
+        <p:style>
+          <a:lnRef idx="3">
+            <a:schemeClr val="lt1"/>
+          </a:lnRef>
+          <a:fillRef idx="1">
+            <a:schemeClr val="accent1"/>
+          </a:fillRef>
+          <a:effectRef idx="1">
+            <a:schemeClr val="accent1"/>
+          </a:effectRef>
+          <a:fontRef idx="minor">
+            <a:schemeClr val="lt1"/>
+          </a:fontRef>
+        </p:style>
+        <p:txBody>
+          <a:bodyPr anchor="ctr"/>
+          <a:lstStyle/>
+          <a:p>
+            <a:pPr algn="ctr" eaLnBrk="1" latinLnBrk="0" hangingPunct="1"/>
+            <a:endParaRPr kumimoji="0" lang="en-US"/>
+          </a:p>
+        </p:txBody>
+      </p:sp>
+      <p:sp>
+        <p:nvSpPr>
+          <p:cNvPr id="9" name="Rectangle 8"/>
+          <p:cNvSpPr/>
+          <p:nvPr/>
+        </p:nvSpPr>
+        <p:spPr>
+          <a:xfrm>
+            <a:off x="590550" y="1280160"/>
+            <a:ext cx="8553450" cy="228600"/>
+          </a:xfrm>
+          <a:prstGeom prst="rect">
+            <a:avLst/>
+          </a:prstGeom>
+          <a:solidFill>
+            <a:schemeClr val="accent1">
+              <a:alpha val="100000"/>
+            </a:schemeClr>
+          </a:solidFill>
+          <a:ln w="50800" cap="rnd" cmpd="dbl" algn="ctr">
+            <a:noFill/>
+            <a:prstDash val="solid"/>
+          </a:ln>
+          <a:effectLst/>
+        </p:spPr>
+        <p:style>
+          <a:lnRef idx="3">
+            <a:schemeClr val="lt1"/>
+          </a:lnRef>
+          <a:fillRef idx="1">
+            <a:schemeClr val="accent1"/>
+          </a:fillRef>
+          <a:effectRef idx="1">
+            <a:schemeClr val="accent1"/>
+          </a:effectRef>
+          <a:fontRef idx="minor">
+            <a:schemeClr val="lt1"/>
+          </a:fontRef>
+        </p:style>
+        <p:txBody>
+          <a:bodyPr anchor="ctr"/>
+          <a:lstStyle/>
+          <a:p>
+            <a:pPr algn="ctr" eaLnBrk="1" latinLnBrk="0" hangingPunct="1"/>
+            <a:endParaRPr kumimoji="0" lang="en-US"/>
+          </a:p>
+        </p:txBody>
+      </p:sp>
+      <p:sp>
+        <p:nvSpPr>
+          <p:cNvPr id="23" name="Slide Number Placeholder 22"/>
           <p:cNvSpPr>
             <a:spLocks noGrp="1"/>
           </p:cNvSpPr>
@@ -3478,22 +4037,22 @@
         </p:nvSpPr>
         <p:spPr>
           <a:xfrm>
-            <a:off x="6553200" y="6356350"/>
-            <a:ext cx="2133600" cy="365125"/>
+            <a:off x="0" y="1272222"/>
+            <a:ext cx="533400" cy="244476"/>
           </a:xfrm>
           <a:prstGeom prst="rect">
             <a:avLst/>
           </a:prstGeom>
         </p:spPr>
         <p:txBody>
-          <a:bodyPr vert="horz" lIns="91440" tIns="45720" rIns="91440" bIns="45720" rtlCol="0" anchor="ctr"/>
+          <a:bodyPr vert="horz" anchor="ctr" anchorCtr="0">
+            <a:normAutofit/>
+          </a:bodyPr>
           <a:lstStyle>
-            <a:lvl1pPr algn="r">
-              <a:defRPr sz="1200">
+            <a:lvl1pPr algn="ctr" eaLnBrk="1" latinLnBrk="0" hangingPunct="1">
+              <a:defRPr kumimoji="0" sz="1400" b="1">
                 <a:solidFill>
-                  <a:schemeClr val="tx1">
-                    <a:tint val="75000"/>
-                  </a:schemeClr>
+                  <a:srgbClr val="FFFFFF"/>
                 </a:solidFill>
               </a:defRPr>
             </a:lvl1pPr>
@@ -3508,36 +4067,31 @@
         </p:txBody>
       </p:sp>
     </p:spTree>
-    <p:extLst>
-      <p:ext uri="{BB962C8B-B14F-4D97-AF65-F5344CB8AC3E}">
-        <p14:creationId xmlns:p14="http://schemas.microsoft.com/office/powerpoint/2010/main" val="2496791036"/>
-      </p:ext>
-    </p:extLst>
   </p:cSld>
   <p:clrMap bg1="lt1" tx1="dk1" bg2="lt2" tx2="dk2" accent1="accent1" accent2="accent2" accent3="accent3" accent4="accent4" accent5="accent5" accent6="accent6" hlink="hlink" folHlink="folHlink"/>
   <p:sldLayoutIdLst>
-    <p:sldLayoutId id="2147483649" r:id="rId1"/>
-    <p:sldLayoutId id="2147483650" r:id="rId2"/>
-    <p:sldLayoutId id="2147483651" r:id="rId3"/>
-    <p:sldLayoutId id="2147483652" r:id="rId4"/>
-    <p:sldLayoutId id="2147483653" r:id="rId5"/>
-    <p:sldLayoutId id="2147483654" r:id="rId6"/>
-    <p:sldLayoutId id="2147483655" r:id="rId7"/>
-    <p:sldLayoutId id="2147483656" r:id="rId8"/>
-    <p:sldLayoutId id="2147483657" r:id="rId9"/>
-    <p:sldLayoutId id="2147483658" r:id="rId10"/>
-    <p:sldLayoutId id="2147483659" r:id="rId11"/>
+    <p:sldLayoutId id="2147483661" r:id="rId1"/>
+    <p:sldLayoutId id="2147483662" r:id="rId2"/>
+    <p:sldLayoutId id="2147483663" r:id="rId3"/>
+    <p:sldLayoutId id="2147483664" r:id="rId4"/>
+    <p:sldLayoutId id="2147483665" r:id="rId5"/>
+    <p:sldLayoutId id="2147483666" r:id="rId6"/>
+    <p:sldLayoutId id="2147483667" r:id="rId7"/>
+    <p:sldLayoutId id="2147483668" r:id="rId8"/>
+    <p:sldLayoutId id="2147483669" r:id="rId9"/>
+    <p:sldLayoutId id="2147483670" r:id="rId10"/>
+    <p:sldLayoutId id="2147483671" r:id="rId11"/>
   </p:sldLayoutIdLst>
   <p:txStyles>
     <p:titleStyle>
-      <a:lvl1pPr algn="ctr" defTabSz="457200" rtl="0" eaLnBrk="1" latinLnBrk="0" hangingPunct="1">
+      <a:lvl1pPr algn="l" rtl="0" eaLnBrk="1" latinLnBrk="0" hangingPunct="1">
         <a:spcBef>
           <a:spcPct val="0"/>
         </a:spcBef>
         <a:buNone/>
-        <a:defRPr sz="4400" kern="1200">
+        <a:defRPr kumimoji="0" sz="4400" kern="1200">
           <a:solidFill>
-            <a:schemeClr val="tx1"/>
+            <a:schemeClr val="tx2"/>
           </a:solidFill>
           <a:latin typeface="+mj-lt"/>
           <a:ea typeface="+mj-ea"/>
@@ -3546,13 +4100,17 @@
       </a:lvl1pPr>
     </p:titleStyle>
     <p:bodyStyle>
-      <a:lvl1pPr marL="342900" indent="-342900" algn="l" defTabSz="457200" rtl="0" eaLnBrk="1" latinLnBrk="0" hangingPunct="1">
+      <a:lvl1pPr marL="320040" indent="-320040" algn="l" rtl="0" eaLnBrk="1" latinLnBrk="0" hangingPunct="1">
         <a:spcBef>
-          <a:spcPct val="20000"/>
+          <a:spcPts val="700"/>
         </a:spcBef>
-        <a:buFont typeface="Arial"/>
-        <a:buChar char="•"/>
-        <a:defRPr sz="3200" kern="1200">
+        <a:buClr>
+          <a:schemeClr val="accent2"/>
+        </a:buClr>
+        <a:buSzPct val="60000"/>
+        <a:buFont typeface="Wingdings"/>
+        <a:buChar char=""/>
+        <a:defRPr kumimoji="0" sz="2900" kern="1200">
           <a:solidFill>
             <a:schemeClr val="tx1"/>
           </a:solidFill>
@@ -3561,13 +4119,17 @@
           <a:cs typeface="+mn-cs"/>
         </a:defRPr>
       </a:lvl1pPr>
-      <a:lvl2pPr marL="742950" indent="-285750" algn="l" defTabSz="457200" rtl="0" eaLnBrk="1" latinLnBrk="0" hangingPunct="1">
+      <a:lvl2pPr marL="640080" indent="-274320" algn="l" rtl="0" eaLnBrk="1" latinLnBrk="0" hangingPunct="1">
         <a:spcBef>
-          <a:spcPct val="20000"/>
+          <a:spcPts val="550"/>
         </a:spcBef>
-        <a:buFont typeface="Arial"/>
-        <a:buChar char="–"/>
-        <a:defRPr sz="2800" kern="1200">
+        <a:buClr>
+          <a:schemeClr val="accent1"/>
+        </a:buClr>
+        <a:buSzPct val="70000"/>
+        <a:buFont typeface="Wingdings 2"/>
+        <a:buChar char=""/>
+        <a:defRPr kumimoji="0" sz="2600" kern="1200">
           <a:solidFill>
             <a:schemeClr val="tx1"/>
           </a:solidFill>
@@ -3576,13 +4138,17 @@
           <a:cs typeface="+mn-cs"/>
         </a:defRPr>
       </a:lvl2pPr>
-      <a:lvl3pPr marL="1143000" indent="-228600" algn="l" defTabSz="457200" rtl="0" eaLnBrk="1" latinLnBrk="0" hangingPunct="1">
+      <a:lvl3pPr marL="914400" indent="-228600" algn="l" rtl="0" eaLnBrk="1" latinLnBrk="0" hangingPunct="1">
         <a:spcBef>
-          <a:spcPct val="20000"/>
+          <a:spcPts val="500"/>
         </a:spcBef>
-        <a:buFont typeface="Arial"/>
-        <a:buChar char="•"/>
-        <a:defRPr sz="2400" kern="1200">
+        <a:buClr>
+          <a:schemeClr val="accent2"/>
+        </a:buClr>
+        <a:buSzPct val="75000"/>
+        <a:buFont typeface="Wingdings"/>
+        <a:buChar char=""/>
+        <a:defRPr kumimoji="0" sz="2300" kern="1200">
           <a:solidFill>
             <a:schemeClr val="tx1"/>
           </a:solidFill>
@@ -3591,13 +4157,17 @@
           <a:cs typeface="+mn-cs"/>
         </a:defRPr>
       </a:lvl3pPr>
-      <a:lvl4pPr marL="1600200" indent="-228600" algn="l" defTabSz="457200" rtl="0" eaLnBrk="1" latinLnBrk="0" hangingPunct="1">
+      <a:lvl4pPr marL="1371600" indent="-228600" algn="l" rtl="0" eaLnBrk="1" latinLnBrk="0" hangingPunct="1">
         <a:spcBef>
-          <a:spcPct val="20000"/>
+          <a:spcPts val="400"/>
         </a:spcBef>
-        <a:buFont typeface="Arial"/>
-        <a:buChar char="–"/>
-        <a:defRPr sz="2000" kern="1200">
+        <a:buClr>
+          <a:schemeClr val="accent3"/>
+        </a:buClr>
+        <a:buSzPct val="75000"/>
+        <a:buFont typeface="Wingdings"/>
+        <a:buChar char=""/>
+        <a:defRPr kumimoji="0" sz="2000" kern="1200">
           <a:solidFill>
             <a:schemeClr val="tx1"/>
           </a:solidFill>
@@ -3606,13 +4176,17 @@
           <a:cs typeface="+mn-cs"/>
         </a:defRPr>
       </a:lvl4pPr>
-      <a:lvl5pPr marL="2057400" indent="-228600" algn="l" defTabSz="457200" rtl="0" eaLnBrk="1" latinLnBrk="0" hangingPunct="1">
+      <a:lvl5pPr marL="1828800" indent="-228600" algn="l" rtl="0" eaLnBrk="1" latinLnBrk="0" hangingPunct="1">
         <a:spcBef>
-          <a:spcPct val="20000"/>
+          <a:spcPts val="400"/>
         </a:spcBef>
-        <a:buFont typeface="Arial"/>
-        <a:buChar char="»"/>
-        <a:defRPr sz="2000" kern="1200">
+        <a:buClr>
+          <a:schemeClr val="accent4"/>
+        </a:buClr>
+        <a:buSzPct val="65000"/>
+        <a:buFont typeface="Wingdings"/>
+        <a:buChar char=""/>
+        <a:defRPr kumimoji="0" sz="2000" kern="1200">
           <a:solidFill>
             <a:schemeClr val="tx1"/>
           </a:solidFill>
@@ -3621,13 +4195,16 @@
           <a:cs typeface="+mn-cs"/>
         </a:defRPr>
       </a:lvl5pPr>
-      <a:lvl6pPr marL="2514600" indent="-228600" algn="l" defTabSz="457200" rtl="0" eaLnBrk="1" latinLnBrk="0" hangingPunct="1">
+      <a:lvl6pPr marL="2103120" indent="-228600" algn="l" rtl="0" eaLnBrk="1" latinLnBrk="0" hangingPunct="1">
         <a:spcBef>
           <a:spcPct val="20000"/>
         </a:spcBef>
-        <a:buFont typeface="Arial"/>
-        <a:buChar char="•"/>
-        <a:defRPr sz="2000" kern="1200">
+        <a:buClr>
+          <a:schemeClr val="accent1"/>
+        </a:buClr>
+        <a:buFont typeface="Wingdings"/>
+        <a:buChar char="§"/>
+        <a:defRPr kumimoji="0" sz="1800" kern="1200" baseline="0">
           <a:solidFill>
             <a:schemeClr val="tx1"/>
           </a:solidFill>
@@ -3636,13 +4213,16 @@
           <a:cs typeface="+mn-cs"/>
         </a:defRPr>
       </a:lvl6pPr>
-      <a:lvl7pPr marL="2971800" indent="-228600" algn="l" defTabSz="457200" rtl="0" eaLnBrk="1" latinLnBrk="0" hangingPunct="1">
+      <a:lvl7pPr marL="2377440" indent="-228600" algn="l" rtl="0" eaLnBrk="1" latinLnBrk="0" hangingPunct="1">
         <a:spcBef>
           <a:spcPct val="20000"/>
         </a:spcBef>
-        <a:buFont typeface="Arial"/>
-        <a:buChar char="•"/>
-        <a:defRPr sz="2000" kern="1200">
+        <a:buClr>
+          <a:schemeClr val="accent2"/>
+        </a:buClr>
+        <a:buFont typeface="Wingdings"/>
+        <a:buChar char="§"/>
+        <a:defRPr kumimoji="0" sz="1800" kern="1200" baseline="0">
           <a:solidFill>
             <a:schemeClr val="tx1"/>
           </a:solidFill>
@@ -3651,13 +4231,16 @@
           <a:cs typeface="+mn-cs"/>
         </a:defRPr>
       </a:lvl7pPr>
-      <a:lvl8pPr marL="3429000" indent="-228600" algn="l" defTabSz="457200" rtl="0" eaLnBrk="1" latinLnBrk="0" hangingPunct="1">
+      <a:lvl8pPr marL="2651760" indent="-228600" algn="l" rtl="0" eaLnBrk="1" latinLnBrk="0" hangingPunct="1">
         <a:spcBef>
           <a:spcPct val="20000"/>
         </a:spcBef>
-        <a:buFont typeface="Arial"/>
-        <a:buChar char="•"/>
-        <a:defRPr sz="2000" kern="1200">
+        <a:buClr>
+          <a:schemeClr val="accent3"/>
+        </a:buClr>
+        <a:buFont typeface="Wingdings"/>
+        <a:buChar char="§"/>
+        <a:defRPr kumimoji="0" sz="1800" kern="1200" baseline="0">
           <a:solidFill>
             <a:schemeClr val="tx1"/>
           </a:solidFill>
@@ -3666,13 +4249,16 @@
           <a:cs typeface="+mn-cs"/>
         </a:defRPr>
       </a:lvl8pPr>
-      <a:lvl9pPr marL="3886200" indent="-228600" algn="l" defTabSz="457200" rtl="0" eaLnBrk="1" latinLnBrk="0" hangingPunct="1">
+      <a:lvl9pPr marL="2926080" indent="-228600" algn="l" rtl="0" eaLnBrk="1" latinLnBrk="0" hangingPunct="1">
         <a:spcBef>
           <a:spcPct val="20000"/>
         </a:spcBef>
-        <a:buFont typeface="Arial"/>
-        <a:buChar char="•"/>
-        <a:defRPr sz="2000" kern="1200">
+        <a:buClr>
+          <a:schemeClr val="accent4"/>
+        </a:buClr>
+        <a:buFont typeface="Wingdings"/>
+        <a:buChar char="§"/>
+        <a:defRPr kumimoji="0" sz="1800" kern="1200" baseline="0">
           <a:solidFill>
             <a:schemeClr val="tx1"/>
           </a:solidFill>
@@ -3683,11 +4269,8 @@
       </a:lvl9pPr>
     </p:bodyStyle>
     <p:otherStyle>
-      <a:defPPr>
-        <a:defRPr lang="en-US"/>
-      </a:defPPr>
-      <a:lvl1pPr marL="0" algn="l" defTabSz="457200" rtl="0" eaLnBrk="1" latinLnBrk="0" hangingPunct="1">
-        <a:defRPr sz="1800" kern="1200">
+      <a:lvl1pPr marL="0" algn="l" rtl="0" eaLnBrk="1" latinLnBrk="0" hangingPunct="1">
+        <a:defRPr kumimoji="0" kern="1200">
           <a:solidFill>
             <a:schemeClr val="tx1"/>
           </a:solidFill>
@@ -3696,8 +4279,8 @@
           <a:cs typeface="+mn-cs"/>
         </a:defRPr>
       </a:lvl1pPr>
-      <a:lvl2pPr marL="457200" algn="l" defTabSz="457200" rtl="0" eaLnBrk="1" latinLnBrk="0" hangingPunct="1">
-        <a:defRPr sz="1800" kern="1200">
+      <a:lvl2pPr marL="457200" algn="l" rtl="0" eaLnBrk="1" latinLnBrk="0" hangingPunct="1">
+        <a:defRPr kumimoji="0" kern="1200">
           <a:solidFill>
             <a:schemeClr val="tx1"/>
           </a:solidFill>
@@ -3706,8 +4289,8 @@
           <a:cs typeface="+mn-cs"/>
         </a:defRPr>
       </a:lvl2pPr>
-      <a:lvl3pPr marL="914400" algn="l" defTabSz="457200" rtl="0" eaLnBrk="1" latinLnBrk="0" hangingPunct="1">
-        <a:defRPr sz="1800" kern="1200">
+      <a:lvl3pPr marL="914400" algn="l" rtl="0" eaLnBrk="1" latinLnBrk="0" hangingPunct="1">
+        <a:defRPr kumimoji="0" kern="1200">
           <a:solidFill>
             <a:schemeClr val="tx1"/>
           </a:solidFill>
@@ -3716,8 +4299,8 @@
           <a:cs typeface="+mn-cs"/>
         </a:defRPr>
       </a:lvl3pPr>
-      <a:lvl4pPr marL="1371600" algn="l" defTabSz="457200" rtl="0" eaLnBrk="1" latinLnBrk="0" hangingPunct="1">
-        <a:defRPr sz="1800" kern="1200">
+      <a:lvl4pPr marL="1371600" algn="l" rtl="0" eaLnBrk="1" latinLnBrk="0" hangingPunct="1">
+        <a:defRPr kumimoji="0" kern="1200">
           <a:solidFill>
             <a:schemeClr val="tx1"/>
           </a:solidFill>
@@ -3726,8 +4309,8 @@
           <a:cs typeface="+mn-cs"/>
         </a:defRPr>
       </a:lvl4pPr>
-      <a:lvl5pPr marL="1828800" algn="l" defTabSz="457200" rtl="0" eaLnBrk="1" latinLnBrk="0" hangingPunct="1">
-        <a:defRPr sz="1800" kern="1200">
+      <a:lvl5pPr marL="1828800" algn="l" rtl="0" eaLnBrk="1" latinLnBrk="0" hangingPunct="1">
+        <a:defRPr kumimoji="0" kern="1200">
           <a:solidFill>
             <a:schemeClr val="tx1"/>
           </a:solidFill>
@@ -3736,8 +4319,8 @@
           <a:cs typeface="+mn-cs"/>
         </a:defRPr>
       </a:lvl5pPr>
-      <a:lvl6pPr marL="2286000" algn="l" defTabSz="457200" rtl="0" eaLnBrk="1" latinLnBrk="0" hangingPunct="1">
-        <a:defRPr sz="1800" kern="1200">
+      <a:lvl6pPr marL="2286000" algn="l" rtl="0" eaLnBrk="1" latinLnBrk="0" hangingPunct="1">
+        <a:defRPr kumimoji="0" kern="1200">
           <a:solidFill>
             <a:schemeClr val="tx1"/>
           </a:solidFill>
@@ -3746,8 +4329,8 @@
           <a:cs typeface="+mn-cs"/>
         </a:defRPr>
       </a:lvl6pPr>
-      <a:lvl7pPr marL="2743200" algn="l" defTabSz="457200" rtl="0" eaLnBrk="1" latinLnBrk="0" hangingPunct="1">
-        <a:defRPr sz="1800" kern="1200">
+      <a:lvl7pPr marL="2743200" algn="l" rtl="0" eaLnBrk="1" latinLnBrk="0" hangingPunct="1">
+        <a:defRPr kumimoji="0" kern="1200">
           <a:solidFill>
             <a:schemeClr val="tx1"/>
           </a:solidFill>
@@ -3756,8 +4339,8 @@
           <a:cs typeface="+mn-cs"/>
         </a:defRPr>
       </a:lvl7pPr>
-      <a:lvl8pPr marL="3200400" algn="l" defTabSz="457200" rtl="0" eaLnBrk="1" latinLnBrk="0" hangingPunct="1">
-        <a:defRPr sz="1800" kern="1200">
+      <a:lvl8pPr marL="3200400" algn="l" rtl="0" eaLnBrk="1" latinLnBrk="0" hangingPunct="1">
+        <a:defRPr kumimoji="0" kern="1200">
           <a:solidFill>
             <a:schemeClr val="tx1"/>
           </a:solidFill>
@@ -3766,8 +4349,8 @@
           <a:cs typeface="+mn-cs"/>
         </a:defRPr>
       </a:lvl8pPr>
-      <a:lvl9pPr marL="3657600" algn="l" defTabSz="457200" rtl="0" eaLnBrk="1" latinLnBrk="0" hangingPunct="1">
-        <a:defRPr sz="1800" kern="1200">
+      <a:lvl9pPr marL="3657600" algn="l" rtl="0" eaLnBrk="1" latinLnBrk="0" hangingPunct="1">
+        <a:defRPr kumimoji="0" kern="1200">
           <a:solidFill>
             <a:schemeClr val="tx1"/>
           </a:solidFill>
@@ -3833,26 +4416,28 @@
         </p:nvSpPr>
         <p:spPr/>
         <p:txBody>
-          <a:bodyPr/>
+          <a:bodyPr>
+            <a:normAutofit/>
+          </a:bodyPr>
           <a:lstStyle/>
           <a:p>
             <a:r>
               <a:rPr lang="en-US" dirty="0" smtClean="0"/>
-              <a:t>John Silberholz</a:t>
-            </a:r>
-          </a:p>
-          <a:p>
+              <a:t>John </a:t>
+            </a:r>
             <a:r>
               <a:rPr lang="en-US" dirty="0" smtClean="0"/>
-              <a:t>January 9, 2014</a:t>
-            </a:r>
-          </a:p>
-          <a:p>
+              <a:t>Silberholz		       January </a:t>
+            </a:r>
             <a:r>
               <a:rPr lang="en-US" dirty="0" smtClean="0"/>
-              <a:t>15.S60</a:t>
-            </a:r>
-            <a:endParaRPr lang="en-US" dirty="0"/>
+              <a:t>9, </a:t>
+            </a:r>
+            <a:r>
+              <a:rPr lang="en-US" dirty="0" smtClean="0"/>
+              <a:t>2014</a:t>
+            </a:r>
+            <a:endParaRPr lang="en-US" dirty="0" smtClean="0"/>
           </a:p>
         </p:txBody>
       </p:sp>
@@ -3920,7 +4505,7 @@
             <a:spLocks noGrp="1"/>
           </p:cNvSpPr>
           <p:nvPr>
-            <p:ph idx="1"/>
+            <p:ph sz="quarter" idx="1"/>
           </p:nvPr>
         </p:nvSpPr>
         <p:spPr/>
@@ -4563,7 +5148,7 @@
             <a:spLocks noGrp="1"/>
           </p:cNvSpPr>
           <p:nvPr>
-            <p:ph idx="1"/>
+            <p:ph sz="quarter" idx="1"/>
           </p:nvPr>
         </p:nvSpPr>
         <p:spPr>
@@ -4574,7 +5159,7 @@
         </p:spPr>
         <p:txBody>
           <a:bodyPr>
-            <a:normAutofit fontScale="92500" lnSpcReduction="20000"/>
+            <a:normAutofit fontScale="92500" lnSpcReduction="10000"/>
           </a:bodyPr>
           <a:lstStyle/>
           <a:p>
@@ -4610,7 +5195,15 @@
             </a:r>
             <a:r>
               <a:rPr lang="en-US" dirty="0" smtClean="0"/>
-              <a:t>: This bike’s avg. duration (sec.)</a:t>
+              <a:t>: This bike’s avg. duration </a:t>
+            </a:r>
+            <a:r>
+              <a:rPr lang="en-US" dirty="0" smtClean="0"/>
+              <a:t>(min.</a:t>
+            </a:r>
+            <a:r>
+              <a:rPr lang="en-US" dirty="0" smtClean="0"/>
+              <a:t>)</a:t>
             </a:r>
           </a:p>
           <a:p>
@@ -4625,7 +5218,15 @@
             </a:r>
             <a:r>
               <a:rPr lang="en-US" dirty="0" smtClean="0"/>
-              <a:t>This bike’s std. deviation duration (sec.)</a:t>
+              <a:t>This bike’s std. deviation duration </a:t>
+            </a:r>
+            <a:r>
+              <a:rPr lang="en-US" dirty="0" smtClean="0"/>
+              <a:t>(min.</a:t>
+            </a:r>
+            <a:r>
+              <a:rPr lang="en-US" dirty="0" smtClean="0"/>
+              <a:t>)</a:t>
             </a:r>
           </a:p>
           <a:p>
@@ -4780,7 +5381,7 @@
             <a:spLocks noGrp="1"/>
           </p:cNvSpPr>
           <p:nvPr>
-            <p:ph idx="1"/>
+            <p:ph sz="quarter" idx="1"/>
           </p:nvPr>
         </p:nvSpPr>
         <p:spPr>
@@ -6955,7 +7556,7 @@
             <a:spLocks noGrp="1"/>
           </p:cNvSpPr>
           <p:nvPr>
-            <p:ph idx="1"/>
+            <p:ph sz="quarter" idx="1"/>
           </p:nvPr>
         </p:nvSpPr>
         <p:spPr>
@@ -9233,7 +9834,7 @@
             <a:spLocks noGrp="1"/>
           </p:cNvSpPr>
           <p:nvPr>
-            <p:ph idx="1"/>
+            <p:ph sz="quarter" idx="1"/>
           </p:nvPr>
         </p:nvSpPr>
         <p:spPr/>
@@ -9264,6 +9865,28 @@
             <a:r>
               <a:rPr lang="en-US" dirty="0" smtClean="0"/>
               <a:t>)</a:t>
+            </a:r>
+          </a:p>
+          <a:p>
+            <a:r>
+              <a:rPr lang="en-US" dirty="0" smtClean="0"/>
+              <a:t>“Call </a:t>
+            </a:r>
+            <a:r>
+              <a:rPr lang="en-US" dirty="0" err="1" smtClean="0"/>
+              <a:t>lat.long.dist</a:t>
+            </a:r>
+            <a:r>
+              <a:rPr lang="en-US" dirty="0" smtClean="0"/>
+              <a:t>() on every row (1) of my matrix </a:t>
+            </a:r>
+            <a:r>
+              <a:rPr lang="en-US" dirty="0" err="1" smtClean="0"/>
+              <a:t>lat.long</a:t>
+            </a:r>
+            <a:r>
+              <a:rPr lang="en-US" dirty="0" smtClean="0"/>
+              <a:t>”</a:t>
             </a:r>
             <a:endParaRPr lang="en-US" dirty="0"/>
           </a:p>
@@ -9278,14 +9901,14 @@
           <p:nvPr>
             <p:extLst>
               <p:ext uri="{D42A27DB-BD31-4B8C-83A1-F6EECF244321}">
-                <p14:modId xmlns:p14="http://schemas.microsoft.com/office/powerpoint/2010/main" val="456619952"/>
+                <p14:modId xmlns:p14="http://schemas.microsoft.com/office/powerpoint/2010/main" val="4251417770"/>
               </p:ext>
             </p:extLst>
           </p:nvPr>
         </p:nvGraphicFramePr>
         <p:xfrm>
-          <a:off x="457201" y="2491308"/>
-          <a:ext cx="4609662" cy="2595880"/>
+          <a:off x="457201" y="3789248"/>
+          <a:ext cx="4906919" cy="2595880"/>
         </p:xfrm>
         <a:graphic>
           <a:graphicData uri="http://schemas.openxmlformats.org/drawingml/2006/table">
@@ -9294,10 +9917,10 @@
                 <a:tableStyleId>{5C22544A-7EE6-4342-B048-85BDC9FD1C3A}</a:tableStyleId>
               </a:tblPr>
               <a:tblGrid>
-                <a:gridCol w="1137172"/>
-                <a:gridCol w="1121466"/>
-                <a:gridCol w="1175512"/>
-                <a:gridCol w="1175512"/>
+                <a:gridCol w="1210504"/>
+                <a:gridCol w="1193784"/>
+                <a:gridCol w="1308848"/>
+                <a:gridCol w="1193783"/>
               </a:tblGrid>
               <a:tr h="370840">
                 <a:tc>
@@ -9798,13 +10421,13 @@
           <p:nvPr>
             <p:extLst>
               <p:ext uri="{D42A27DB-BD31-4B8C-83A1-F6EECF244321}">
-                <p14:modId xmlns:p14="http://schemas.microsoft.com/office/powerpoint/2010/main" val="4111494274"/>
+                <p14:modId xmlns:p14="http://schemas.microsoft.com/office/powerpoint/2010/main" val="3704264351"/>
               </p:ext>
             </p:extLst>
           </p:nvPr>
         </p:nvGraphicFramePr>
         <p:xfrm>
-          <a:off x="6392581" y="2491308"/>
+          <a:off x="6392581" y="3789248"/>
           <a:ext cx="1146912" cy="2595880"/>
         </p:xfrm>
         <a:graphic>
@@ -10022,7 +10645,7 @@
         </p:nvCxnSpPr>
         <p:spPr>
           <a:xfrm>
-            <a:off x="5066863" y="3039744"/>
+            <a:off x="5066863" y="4337684"/>
             <a:ext cx="1325718" cy="0"/>
           </a:xfrm>
           <a:prstGeom prst="straightConnector1">
@@ -10055,7 +10678,7 @@
         </p:nvCxnSpPr>
         <p:spPr>
           <a:xfrm>
-            <a:off x="5066863" y="3404513"/>
+            <a:off x="5066863" y="4702453"/>
             <a:ext cx="1325718" cy="0"/>
           </a:xfrm>
           <a:prstGeom prst="straightConnector1">
@@ -10090,7 +10713,7 @@
         </p:nvCxnSpPr>
         <p:spPr>
           <a:xfrm flipV="1">
-            <a:off x="5066863" y="3789248"/>
+            <a:off x="5066863" y="5087188"/>
             <a:ext cx="1325718" cy="7054"/>
           </a:xfrm>
           <a:prstGeom prst="straightConnector1">
@@ -10123,7 +10746,7 @@
         </p:nvCxnSpPr>
         <p:spPr>
           <a:xfrm>
-            <a:off x="5066863" y="4161072"/>
+            <a:off x="5066863" y="5459012"/>
             <a:ext cx="1325718" cy="0"/>
           </a:xfrm>
           <a:prstGeom prst="straightConnector1">
@@ -10156,7 +10779,7 @@
         </p:nvCxnSpPr>
         <p:spPr>
           <a:xfrm>
-            <a:off x="5066863" y="4539351"/>
+            <a:off x="5066863" y="5837291"/>
             <a:ext cx="1325718" cy="0"/>
           </a:xfrm>
           <a:prstGeom prst="straightConnector1">
@@ -10189,7 +10812,7 @@
         </p:nvCxnSpPr>
         <p:spPr>
           <a:xfrm>
-            <a:off x="5066863" y="4917630"/>
+            <a:off x="5066863" y="6215570"/>
             <a:ext cx="1325718" cy="0"/>
           </a:xfrm>
           <a:prstGeom prst="straightConnector1">
@@ -10274,7 +10897,7 @@
             <a:spLocks noGrp="1"/>
           </p:cNvSpPr>
           <p:nvPr>
-            <p:ph idx="1"/>
+            <p:ph sz="quarter" idx="1"/>
           </p:nvPr>
         </p:nvSpPr>
         <p:spPr>
@@ -10285,7 +10908,7 @@
         </p:spPr>
         <p:txBody>
           <a:bodyPr>
-            <a:normAutofit lnSpcReduction="10000"/>
+            <a:normAutofit/>
           </a:bodyPr>
           <a:lstStyle/>
           <a:p>
@@ -10599,7 +11222,7 @@
             <a:spLocks noGrp="1"/>
           </p:cNvSpPr>
           <p:nvPr>
-            <p:ph idx="1"/>
+            <p:ph sz="quarter" idx="1"/>
           </p:nvPr>
         </p:nvSpPr>
         <p:spPr>
@@ -10610,7 +11233,7 @@
         </p:spPr>
         <p:txBody>
           <a:bodyPr>
-            <a:normAutofit lnSpcReduction="10000"/>
+            <a:normAutofit/>
           </a:bodyPr>
           <a:lstStyle/>
           <a:p>
@@ -10784,13 +11407,13 @@
             <a:spLocks noGrp="1"/>
           </p:cNvSpPr>
           <p:nvPr>
-            <p:ph idx="1"/>
+            <p:ph sz="quarter" idx="1"/>
           </p:nvPr>
         </p:nvSpPr>
         <p:spPr/>
         <p:txBody>
           <a:bodyPr>
-            <a:normAutofit lnSpcReduction="10000"/>
+            <a:normAutofit/>
           </a:bodyPr>
           <a:lstStyle/>
           <a:p>
@@ -10993,7 +11616,7 @@
             <a:spLocks noGrp="1"/>
           </p:cNvSpPr>
           <p:nvPr>
-            <p:ph idx="1"/>
+            <p:ph sz="quarter" idx="1"/>
           </p:nvPr>
         </p:nvSpPr>
         <p:spPr>
@@ -11004,7 +11627,7 @@
         </p:spPr>
         <p:txBody>
           <a:bodyPr>
-            <a:normAutofit fontScale="77500" lnSpcReduction="20000"/>
+            <a:normAutofit fontScale="85000" lnSpcReduction="20000"/>
           </a:bodyPr>
           <a:lstStyle/>
           <a:p>
@@ -12326,7 +12949,7 @@
             <a:spLocks noGrp="1"/>
           </p:cNvSpPr>
           <p:nvPr>
-            <p:ph idx="1"/>
+            <p:ph sz="quarter" idx="1"/>
           </p:nvPr>
         </p:nvSpPr>
         <p:spPr>
@@ -12337,7 +12960,7 @@
         </p:spPr>
         <p:txBody>
           <a:bodyPr>
-            <a:normAutofit fontScale="92500" lnSpcReduction="20000"/>
+            <a:normAutofit fontScale="92500" lnSpcReduction="10000"/>
           </a:bodyPr>
           <a:lstStyle/>
           <a:p>
@@ -12451,7 +13074,7 @@
             <a:spLocks noGrp="1"/>
           </p:cNvSpPr>
           <p:nvPr>
-            <p:ph idx="1"/>
+            <p:ph sz="quarter" idx="1"/>
           </p:nvPr>
         </p:nvSpPr>
         <p:spPr/>
@@ -14111,13 +14734,18 @@
             <a:spLocks noGrp="1"/>
           </p:cNvSpPr>
           <p:nvPr>
-            <p:ph idx="1"/>
+            <p:ph sz="quarter" idx="1"/>
           </p:nvPr>
         </p:nvSpPr>
-        <p:spPr/>
+        <p:spPr>
+          <a:xfrm>
+            <a:off x="612648" y="1600200"/>
+            <a:ext cx="8153400" cy="5257800"/>
+          </a:xfrm>
+        </p:spPr>
         <p:txBody>
           <a:bodyPr>
-            <a:normAutofit fontScale="92500" lnSpcReduction="10000"/>
+            <a:normAutofit fontScale="92500"/>
           </a:bodyPr>
           <a:lstStyle/>
           <a:p>
@@ -14127,15 +14755,7 @@
             </a:r>
             <a:r>
               <a:rPr lang="en-US" dirty="0" smtClean="0"/>
-              <a:t> charges a fee for any trip </a:t>
-            </a:r>
-            <a:r>
-              <a:rPr lang="en-US" dirty="0" smtClean="0"/>
-              <a:t>at least 30 minutes long. </a:t>
-            </a:r>
-            <a:r>
-              <a:rPr lang="en-US" dirty="0" smtClean="0"/>
-              <a:t>Use </a:t>
+              <a:t> charges a fee for any trip at least 30 minutes long. Use </a:t>
             </a:r>
             <a:r>
               <a:rPr lang="en-US" dirty="0" err="1" smtClean="0"/>
@@ -14143,13 +14763,8 @@
             </a:r>
             <a:r>
               <a:rPr lang="en-US" dirty="0" smtClean="0"/>
-              <a:t>() to compute the proportion of trips from each start location </a:t>
-            </a:r>
-            <a:r>
-              <a:rPr lang="en-US" dirty="0" smtClean="0"/>
-              <a:t>at least 30 minutes long. (assignment2_start.R)</a:t>
-            </a:r>
-            <a:endParaRPr lang="en-US" dirty="0" smtClean="0"/>
+              <a:t>() to compute the proportion of trips from each start location at least 30 minutes long. (assignment2_start.R)</a:t>
+            </a:r>
           </a:p>
           <a:p>
             <a:r>
@@ -14161,7 +14776,62 @@
             <a:pPr lvl="1"/>
             <a:r>
               <a:rPr lang="en-US" dirty="0" smtClean="0"/>
-              <a:t> Hint: check out ?paste for building the vector of start/end pair groupings</a:t>
+              <a:t>Hint 1: </a:t>
+            </a:r>
+            <a:r>
+              <a:rPr lang="en-US" dirty="0" smtClean="0"/>
+              <a:t>check out ?paste for building the vector of start/end pair </a:t>
+            </a:r>
+            <a:r>
+              <a:rPr lang="en-US" dirty="0" smtClean="0"/>
+              <a:t>groupings</a:t>
+            </a:r>
+          </a:p>
+          <a:p>
+            <a:pPr lvl="1"/>
+            <a:r>
+              <a:rPr lang="en-US" dirty="0" smtClean="0"/>
+              <a:t>Hint 2: You can use a structure like if (</a:t>
+            </a:r>
+            <a:r>
+              <a:rPr lang="en-US" dirty="0" err="1" smtClean="0"/>
+              <a:t>abc</a:t>
+            </a:r>
+            <a:r>
+              <a:rPr lang="en-US" dirty="0" smtClean="0"/>
+              <a:t>) {  return(</a:t>
+            </a:r>
+            <a:r>
+              <a:rPr lang="en-US" dirty="0" err="1" smtClean="0"/>
+              <a:t>def</a:t>
+            </a:r>
+            <a:r>
+              <a:rPr lang="en-US" dirty="0" smtClean="0"/>
+              <a:t>)  } else if (</a:t>
+            </a:r>
+            <a:r>
+              <a:rPr lang="en-US" dirty="0" err="1" smtClean="0"/>
+              <a:t>hij</a:t>
+            </a:r>
+            <a:r>
+              <a:rPr lang="en-US" dirty="0" smtClean="0"/>
+              <a:t>) {  return(</a:t>
+            </a:r>
+            <a:r>
+              <a:rPr lang="en-US" dirty="0" err="1" smtClean="0"/>
+              <a:t>lmn</a:t>
+            </a:r>
+            <a:r>
+              <a:rPr lang="en-US" dirty="0" smtClean="0"/>
+              <a:t>)  }  else  {  return(</a:t>
+            </a:r>
+            <a:r>
+              <a:rPr lang="en-US" dirty="0" err="1" smtClean="0"/>
+              <a:t>opq</a:t>
+            </a:r>
+            <a:r>
+              <a:rPr lang="en-US" dirty="0" smtClean="0"/>
+              <a:t>)  }</a:t>
             </a:r>
             <a:endParaRPr lang="en-US" dirty="0"/>
           </a:p>
@@ -14231,7 +14901,7 @@
             <a:spLocks noGrp="1"/>
           </p:cNvSpPr>
           <p:nvPr>
-            <p:ph idx="1"/>
+            <p:ph sz="quarter" idx="1"/>
           </p:nvPr>
         </p:nvSpPr>
         <p:spPr/>
@@ -16272,7 +16942,7 @@
             <a:spLocks noGrp="1"/>
           </p:cNvSpPr>
           <p:nvPr>
-            <p:ph idx="1"/>
+            <p:ph sz="quarter" idx="1"/>
           </p:nvPr>
         </p:nvSpPr>
         <p:spPr/>
@@ -16286,7 +16956,15 @@
             </a:r>
             <a:r>
               <a:rPr lang="en-US" dirty="0" smtClean="0"/>
-              <a:t>pl2 = apply(</a:t>
+              <a:t>pl2 = </a:t>
+            </a:r>
+            <a:r>
+              <a:rPr lang="en-US" dirty="0" err="1" smtClean="0"/>
+              <a:t>lapply</a:t>
+            </a:r>
+            <a:r>
+              <a:rPr lang="en-US" dirty="0" smtClean="0"/>
+              <a:t>(</a:t>
             </a:r>
             <a:r>
               <a:rPr lang="en-US" dirty="0" err="1" smtClean="0"/>
@@ -17582,9 +18260,9 @@
 </file>
 
 <file path=ppt/theme/theme1.xml><?xml version="1.0" encoding="utf-8"?>
-<a:theme xmlns:a="http://schemas.openxmlformats.org/drawingml/2006/main" name="Office Theme">
+<a:theme xmlns:a="http://schemas.openxmlformats.org/drawingml/2006/main" name="Median">
   <a:themeElements>
-    <a:clrScheme name="Office">
+    <a:clrScheme name="Median">
       <a:dk1>
         <a:sysClr val="windowText" lastClr="000000"/>
       </a:dk1>
@@ -17592,83 +18270,50 @@
         <a:sysClr val="window" lastClr="FFFFFF"/>
       </a:lt1>
       <a:dk2>
-        <a:srgbClr val="1F497D"/>
+        <a:srgbClr val="775F55"/>
       </a:dk2>
       <a:lt2>
-        <a:srgbClr val="EEECE1"/>
+        <a:srgbClr val="EBDDC3"/>
       </a:lt2>
       <a:accent1>
-        <a:srgbClr val="4F81BD"/>
+        <a:srgbClr val="94B6D2"/>
       </a:accent1>
       <a:accent2>
-        <a:srgbClr val="C0504D"/>
+        <a:srgbClr val="DD8047"/>
       </a:accent2>
       <a:accent3>
-        <a:srgbClr val="9BBB59"/>
+        <a:srgbClr val="A5AB81"/>
       </a:accent3>
       <a:accent4>
-        <a:srgbClr val="8064A2"/>
+        <a:srgbClr val="D8B25C"/>
       </a:accent4>
       <a:accent5>
-        <a:srgbClr val="4BACC6"/>
+        <a:srgbClr val="7BA79D"/>
       </a:accent5>
       <a:accent6>
-        <a:srgbClr val="F79646"/>
+        <a:srgbClr val="968C8C"/>
       </a:accent6>
       <a:hlink>
-        <a:srgbClr val="0000FF"/>
+        <a:srgbClr val="F7B615"/>
       </a:hlink>
       <a:folHlink>
-        <a:srgbClr val="800080"/>
+        <a:srgbClr val="704404"/>
       </a:folHlink>
     </a:clrScheme>
-    <a:fontScheme name="Office">
+    <a:fontScheme name="Median">
       <a:majorFont>
-        <a:latin typeface="Calibri"/>
+        <a:latin typeface="Tw Cen MT"/>
         <a:ea typeface=""/>
         <a:cs typeface=""/>
+        <a:font script="Grek" typeface="Calibri"/>
+        <a:font script="Cyrl" typeface="Calibri"/>
         <a:font script="Jpan" typeface="ＭＳ Ｐゴシック"/>
-        <a:font script="Hang" typeface="맑은 고딕"/>
-        <a:font script="Hans" typeface="宋体"/>
-        <a:font script="Hant" typeface="新細明體"/>
-        <a:font script="Arab" typeface="Times New Roman"/>
-        <a:font script="Hebr" typeface="Times New Roman"/>
-        <a:font script="Thai" typeface="Angsana New"/>
-        <a:font script="Ethi" typeface="Nyala"/>
-        <a:font script="Beng" typeface="Vrinda"/>
-        <a:font script="Gujr" typeface="Shruti"/>
-        <a:font script="Khmr" typeface="MoolBoran"/>
-        <a:font script="Knda" typeface="Tunga"/>
-        <a:font script="Guru" typeface="Raavi"/>
-        <a:font script="Cans" typeface="Euphemia"/>
-        <a:font script="Cher" typeface="Plantagenet Cherokee"/>
-        <a:font script="Yiii" typeface="Microsoft Yi Baiti"/>
-        <a:font script="Tibt" typeface="Microsoft Himalaya"/>
-        <a:font script="Thaa" typeface="MV Boli"/>
-        <a:font script="Deva" typeface="Mangal"/>
-        <a:font script="Telu" typeface="Gautami"/>
-        <a:font script="Taml" typeface="Latha"/>
-        <a:font script="Syrc" typeface="Estrangelo Edessa"/>
-        <a:font script="Orya" typeface="Kalinga"/>
-        <a:font script="Mlym" typeface="Kartika"/>
-        <a:font script="Laoo" typeface="DokChampa"/>
-        <a:font script="Sinh" typeface="Iskoola Pota"/>
-        <a:font script="Mong" typeface="Mongolian Baiti"/>
-        <a:font script="Viet" typeface="Times New Roman"/>
-        <a:font script="Uigh" typeface="Microsoft Uighur"/>
-        <a:font script="Geor" typeface="Sylfaen"/>
-      </a:majorFont>
-      <a:minorFont>
-        <a:latin typeface="Calibri"/>
-        <a:ea typeface=""/>
-        <a:cs typeface=""/>
-        <a:font script="Jpan" typeface="ＭＳ Ｐゴシック"/>
-        <a:font script="Hang" typeface="맑은 고딕"/>
-        <a:font script="Hans" typeface="宋体"/>
-        <a:font script="Hant" typeface="新細明體"/>
+        <a:font script="Hang" typeface="HY얕은샘물M"/>
+        <a:font script="Hans" typeface="华文仿宋"/>
+        <a:font script="Hant" typeface="微軟正黑體"/>
         <a:font script="Arab" typeface="Arial"/>
-        <a:font script="Hebr" typeface="Arial"/>
-        <a:font script="Thai" typeface="Cordia New"/>
+        <a:font script="Hebr" typeface="Levenim MT"/>
+        <a:font script="Thai" typeface="FreesiaUPC"/>
         <a:font script="Ethi" typeface="Nyala"/>
         <a:font script="Beng" typeface="Vrinda"/>
         <a:font script="Gujr" typeface="Shruti"/>
@@ -17689,76 +18334,74 @@
         <a:font script="Laoo" typeface="DokChampa"/>
         <a:font script="Sinh" typeface="Iskoola Pota"/>
         <a:font script="Mong" typeface="Mongolian Baiti"/>
-        <a:font script="Viet" typeface="Arial"/>
+        <a:font script="Viet" typeface="Tahoma"/>
         <a:font script="Uigh" typeface="Microsoft Uighur"/>
-        <a:font script="Geor" typeface="Sylfaen"/>
+      </a:majorFont>
+      <a:minorFont>
+        <a:latin typeface="Tw Cen MT"/>
+        <a:ea typeface=""/>
+        <a:cs typeface=""/>
+        <a:font script="Grek" typeface="Calibri"/>
+        <a:font script="Cyrl" typeface="Calibri"/>
+        <a:font script="Jpan" typeface="ＭＳ Ｐゴシック"/>
+        <a:font script="Hang" typeface="HY얕은샘물M"/>
+        <a:font script="Hans" typeface="华文仿宋"/>
+        <a:font script="Hant" typeface="微軟正黑體"/>
+        <a:font script="Arab" typeface="Arial"/>
+        <a:font script="Hebr" typeface="Levenim MT"/>
+        <a:font script="Thai" typeface="FreesiaUPC"/>
+        <a:font script="Ethi" typeface="Nyala"/>
+        <a:font script="Beng" typeface="Vrinda"/>
+        <a:font script="Gujr" typeface="Shruti"/>
+        <a:font script="Khmr" typeface="DaunPenh"/>
+        <a:font script="Knda" typeface="Tunga"/>
+        <a:font script="Guru" typeface="Raavi"/>
+        <a:font script="Cans" typeface="Euphemia"/>
+        <a:font script="Cher" typeface="Plantagenet Cherokee"/>
+        <a:font script="Yiii" typeface="Microsoft Yi Baiti"/>
+        <a:font script="Tibt" typeface="Microsoft Himalaya"/>
+        <a:font script="Thaa" typeface="MV Boli"/>
+        <a:font script="Deva" typeface="Mangal"/>
+        <a:font script="Telu" typeface="Gautami"/>
+        <a:font script="Taml" typeface="Latha"/>
+        <a:font script="Syrc" typeface="Estrangelo Edessa"/>
+        <a:font script="Orya" typeface="Kalinga"/>
+        <a:font script="Mlym" typeface="Kartika"/>
+        <a:font script="Laoo" typeface="DokChampa"/>
+        <a:font script="Sinh" typeface="Iskoola Pota"/>
+        <a:font script="Mong" typeface="Mongolian Baiti"/>
+        <a:font script="Viet" typeface="Tahoma"/>
+        <a:font script="Uigh" typeface="Microsoft Uighur"/>
       </a:minorFont>
     </a:fontScheme>
-    <a:fmtScheme name="Office">
+    <a:fmtScheme name="Median">
       <a:fillStyleLst>
         <a:solidFill>
           <a:schemeClr val="phClr"/>
         </a:solidFill>
-        <a:gradFill rotWithShape="1">
-          <a:gsLst>
-            <a:gs pos="0">
-              <a:schemeClr val="phClr">
-                <a:tint val="50000"/>
-                <a:satMod val="300000"/>
-              </a:schemeClr>
-            </a:gs>
-            <a:gs pos="35000">
-              <a:schemeClr val="phClr">
-                <a:tint val="37000"/>
-                <a:satMod val="300000"/>
-              </a:schemeClr>
-            </a:gs>
-            <a:gs pos="100000">
-              <a:schemeClr val="phClr">
-                <a:tint val="15000"/>
-                <a:satMod val="350000"/>
-              </a:schemeClr>
-            </a:gs>
-          </a:gsLst>
-          <a:lin ang="16200000" scaled="1"/>
-        </a:gradFill>
-        <a:gradFill rotWithShape="1">
-          <a:gsLst>
-            <a:gs pos="0">
-              <a:schemeClr val="phClr">
-                <a:tint val="100000"/>
-                <a:shade val="100000"/>
-                <a:satMod val="130000"/>
-              </a:schemeClr>
-            </a:gs>
-            <a:gs pos="100000">
-              <a:schemeClr val="phClr">
-                <a:tint val="50000"/>
-                <a:shade val="100000"/>
-                <a:satMod val="350000"/>
-              </a:schemeClr>
-            </a:gs>
-          </a:gsLst>
-          <a:lin ang="16200000" scaled="0"/>
-        </a:gradFill>
+        <a:solidFill>
+          <a:schemeClr val="phClr">
+            <a:tint val="50000"/>
+          </a:schemeClr>
+        </a:solidFill>
+        <a:solidFill>
+          <a:schemeClr val="phClr"/>
+        </a:solidFill>
       </a:fillStyleLst>
       <a:lnStyleLst>
-        <a:ln w="9525" cap="flat" cmpd="sng" algn="ctr">
-          <a:solidFill>
-            <a:schemeClr val="phClr">
-              <a:shade val="95000"/>
-              <a:satMod val="105000"/>
-            </a:schemeClr>
-          </a:solidFill>
-          <a:prstDash val="solid"/>
-        </a:ln>
-        <a:ln w="25400" cap="flat" cmpd="sng" algn="ctr">
+        <a:ln w="10000" cap="flat" cmpd="sng" algn="ctr">
           <a:solidFill>
             <a:schemeClr val="phClr"/>
           </a:solidFill>
           <a:prstDash val="solid"/>
         </a:ln>
-        <a:ln w="38100" cap="flat" cmpd="sng" algn="ctr">
+        <a:ln w="19050" cap="flat" cmpd="sng" algn="ctr">
+          <a:solidFill>
+            <a:schemeClr val="phClr"/>
+          </a:solidFill>
+          <a:prstDash val="solid"/>
+        </a:ln>
+        <a:ln w="47625" cap="flat" cmpd="dbl" algn="ctr">
           <a:solidFill>
             <a:schemeClr val="phClr"/>
           </a:solidFill>
@@ -17768,40 +18411,43 @@
       <a:effectStyleLst>
         <a:effectStyle>
           <a:effectLst>
-            <a:outerShdw blurRad="40000" dist="20000" dir="5400000" rotWithShape="0">
+            <a:outerShdw blurRad="38100" dist="30000" dir="5400000" rotWithShape="0">
               <a:srgbClr val="000000">
-                <a:alpha val="38000"/>
+                <a:alpha val="45000"/>
               </a:srgbClr>
             </a:outerShdw>
           </a:effectLst>
         </a:effectStyle>
         <a:effectStyle>
           <a:effectLst>
-            <a:outerShdw blurRad="40000" dist="23000" dir="5400000" rotWithShape="0">
+            <a:outerShdw blurRad="38100" dist="30000" dir="5400000" rotWithShape="0">
               <a:srgbClr val="000000">
-                <a:alpha val="35000"/>
+                <a:alpha val="45000"/>
               </a:srgbClr>
             </a:outerShdw>
           </a:effectLst>
         </a:effectStyle>
         <a:effectStyle>
           <a:effectLst>
-            <a:outerShdw blurRad="40000" dist="23000" dir="5400000" rotWithShape="0">
+            <a:outerShdw blurRad="38100" dist="25400" dir="5400000" rotWithShape="0">
               <a:srgbClr val="000000">
                 <a:alpha val="35000"/>
               </a:srgbClr>
             </a:outerShdw>
           </a:effectLst>
           <a:scene3d>
-            <a:camera prst="orthographicFront">
+            <a:camera prst="isometricTopDown" fov="0">
               <a:rot lat="0" lon="0" rev="0"/>
             </a:camera>
-            <a:lightRig rig="threePt" dir="t">
-              <a:rot lat="0" lon="0" rev="1200000"/>
+            <a:lightRig rig="balanced" dir="t">
+              <a:rot lat="0" lon="0" rev="13800000"/>
             </a:lightRig>
           </a:scene3d>
-          <a:sp3d>
-            <a:bevelT w="63500" h="25400"/>
+          <a:sp3d extrusionH="12700" prstMaterial="plastic">
+            <a:bevelT w="38100" h="25400" prst="softRound"/>
+            <a:contourClr>
+              <a:schemeClr val="phClr"/>
+            </a:contourClr>
           </a:sp3d>
         </a:effectStyle>
       </a:effectStyleLst>
@@ -17809,59 +18455,46 @@
         <a:solidFill>
           <a:schemeClr val="phClr"/>
         </a:solidFill>
-        <a:gradFill rotWithShape="1">
-          <a:gsLst>
-            <a:gs pos="0">
+        <a:blipFill>
+          <a:blip xmlns:r="http://schemas.openxmlformats.org/officeDocument/2006/relationships" r:embed="rId1">
+            <a:duotone>
               <a:schemeClr val="phClr">
-                <a:tint val="40000"/>
-                <a:satMod val="350000"/>
+                <a:shade val="90000"/>
+                <a:satMod val="140000"/>
               </a:schemeClr>
-            </a:gs>
-            <a:gs pos="40000">
               <a:schemeClr val="phClr">
-                <a:tint val="45000"/>
-                <a:shade val="99000"/>
-                <a:satMod val="350000"/>
+                <a:satMod val="120000"/>
               </a:schemeClr>
-            </a:gs>
-            <a:gs pos="100000">
+            </a:duotone>
+          </a:blip>
+          <a:tile tx="0" ty="0" sx="100000" sy="100000" flip="none" algn="tl"/>
+        </a:blipFill>
+        <a:blipFill>
+          <a:blip xmlns:r="http://schemas.openxmlformats.org/officeDocument/2006/relationships" r:embed="rId2">
+            <a:duotone>
               <a:schemeClr val="phClr">
-                <a:shade val="20000"/>
-                <a:satMod val="255000"/>
+                <a:shade val="90000"/>
+                <a:satMod val="140000"/>
               </a:schemeClr>
-            </a:gs>
-          </a:gsLst>
-          <a:path path="circle">
-            <a:fillToRect l="50000" t="-80000" r="50000" b="180000"/>
-          </a:path>
-        </a:gradFill>
-        <a:gradFill rotWithShape="1">
-          <a:gsLst>
-            <a:gs pos="0">
               <a:schemeClr val="phClr">
-                <a:tint val="80000"/>
-                <a:satMod val="300000"/>
+                <a:satMod val="120000"/>
               </a:schemeClr>
-            </a:gs>
-            <a:gs pos="100000">
-              <a:schemeClr val="phClr">
-                <a:shade val="30000"/>
-                <a:satMod val="200000"/>
-              </a:schemeClr>
-            </a:gs>
-          </a:gsLst>
-          <a:path path="circle">
-            <a:fillToRect l="50000" t="50000" r="50000" b="50000"/>
-          </a:path>
-        </a:gradFill>
+            </a:duotone>
+          </a:blip>
+          <a:tile tx="0" ty="0" sx="100000" sy="100000" flip="none" algn="tl"/>
+        </a:blipFill>
       </a:bgFillStyleLst>
     </a:fmtScheme>
   </a:themeElements>
   <a:objectDefaults>
     <a:spDef>
       <a:spPr/>
-      <a:bodyPr/>
-      <a:lstStyle/>
+      <a:bodyPr rtlCol="0" anchor="ctr"/>
+      <a:lstStyle>
+        <a:defPPr algn="ctr">
+          <a:defRPr/>
+        </a:defPPr>
+      </a:lstStyle>
       <a:style>
         <a:lnRef idx="1">
           <a:schemeClr val="accent1"/>
